--- a/Units_development/Helm basics_AWG.pptx
+++ b/Units_development/Helm basics_AWG.pptx
@@ -9,19 +9,20 @@
     <p:sldMasterId id="2147483826" r:id="rId5"/>
   </p:sldMasterIdLst>
   <p:notesMasterIdLst>
-    <p:notesMasterId r:id="rId16"/>
+    <p:notesMasterId r:id="rId17"/>
   </p:notesMasterIdLst>
   <p:sldIdLst>
     <p:sldId id="534" r:id="rId6"/>
     <p:sldId id="535" r:id="rId7"/>
     <p:sldId id="536" r:id="rId8"/>
     <p:sldId id="537" r:id="rId9"/>
-    <p:sldId id="538" r:id="rId10"/>
-    <p:sldId id="539" r:id="rId11"/>
-    <p:sldId id="540" r:id="rId12"/>
+    <p:sldId id="549" r:id="rId10"/>
+    <p:sldId id="551" r:id="rId11"/>
+    <p:sldId id="552" r:id="rId12"/>
     <p:sldId id="541" r:id="rId13"/>
     <p:sldId id="542" r:id="rId14"/>
-    <p:sldId id="543" r:id="rId15"/>
+    <p:sldId id="553" r:id="rId15"/>
+    <p:sldId id="554" r:id="rId16"/>
   </p:sldIdLst>
   <p:sldSz cx="9144000" cy="5143500" type="screen16x9"/>
   <p:notesSz cx="6858000" cy="9144000"/>
@@ -122,7 +123,7 @@
   </p:defaultTextStyle>
   <p:extLst>
     <p:ext uri="{EFAFB233-063F-42B5-8137-9DF3F51BA10A}">
-      <p15:sldGuideLst xmlns="" xmlns:p15="http://schemas.microsoft.com/office/powerpoint/2012/main">
+      <p15:sldGuideLst xmlns:p15="http://schemas.microsoft.com/office/powerpoint/2012/main" xmlns="">
         <p15:guide id="1" orient="horz" pos="1620" userDrawn="1">
           <p15:clr>
             <a:srgbClr val="A4A3A4"/>
@@ -188,7 +189,7 @@
             </a:lvl1pPr>
           </a:lstStyle>
           <a:p>
-            <a:endParaRPr lang="en-US"/>
+            <a:endParaRPr lang="en-US" dirty="0"/>
           </a:p>
         </p:txBody>
       </p:sp>
@@ -221,9 +222,9 @@
           <a:p>
             <a:fld id="{26BE012A-D992-5D42-B86E-AA2BC0764EE1}" type="datetimeFigureOut">
               <a:rPr lang="en-US" smtClean="0"/>
-              <a:t>5/22/2018</a:t>
+              <a:t>5/30/2018</a:t>
             </a:fld>
-            <a:endParaRPr lang="en-US"/>
+            <a:endParaRPr lang="en-US" dirty="0"/>
           </a:p>
         </p:txBody>
       </p:sp>
@@ -256,7 +257,7 @@
           <a:bodyPr vert="horz" lIns="91440" tIns="45720" rIns="91440" bIns="45720" rtlCol="0" anchor="ctr"/>
           <a:lstStyle/>
           <a:p>
-            <a:endParaRPr lang="en-US"/>
+            <a:endParaRPr lang="en-US" dirty="0"/>
           </a:p>
         </p:txBody>
       </p:sp>
@@ -346,7 +347,7 @@
             </a:lvl1pPr>
           </a:lstStyle>
           <a:p>
-            <a:endParaRPr lang="en-US"/>
+            <a:endParaRPr lang="en-US" dirty="0"/>
           </a:p>
         </p:txBody>
       </p:sp>
@@ -381,7 +382,7 @@
               <a:rPr lang="en-US" smtClean="0"/>
               <a:t>‹#›</a:t>
             </a:fld>
-            <a:endParaRPr lang="en-US"/>
+            <a:endParaRPr lang="en-US" dirty="0"/>
           </a:p>
         </p:txBody>
       </p:sp>
@@ -560,7 +561,7 @@
               <a:pPr/>
               <a:t>1</a:t>
             </a:fld>
-            <a:endParaRPr lang="en-US">
+            <a:endParaRPr lang="en-US" dirty="0">
               <a:solidFill>
                 <a:prstClr val="black"/>
               </a:solidFill>
@@ -572,102 +573,6 @@
     <p:extLst>
       <p:ext uri="{BB962C8B-B14F-4D97-AF65-F5344CB8AC3E}">
         <p14:creationId xmlns:p14="http://schemas.microsoft.com/office/powerpoint/2010/main" val="1490670764"/>
-      </p:ext>
-    </p:extLst>
-  </p:cSld>
-  <p:clrMapOvr>
-    <a:masterClrMapping/>
-  </p:clrMapOvr>
-</p:notes>
-</file>
-
-<file path=ppt/notesSlides/notesSlide10.xml><?xml version="1.0" encoding="utf-8"?>
-<p:notes xmlns:a="http://schemas.openxmlformats.org/drawingml/2006/main" xmlns:r="http://schemas.openxmlformats.org/officeDocument/2006/relationships" xmlns:p="http://schemas.openxmlformats.org/presentationml/2006/main">
-  <p:cSld>
-    <p:spTree>
-      <p:nvGrpSpPr>
-        <p:cNvPr id="1" name=""/>
-        <p:cNvGrpSpPr/>
-        <p:nvPr/>
-      </p:nvGrpSpPr>
-      <p:grpSpPr>
-        <a:xfrm>
-          <a:off x="0" y="0"/>
-          <a:ext cx="0" cy="0"/>
-          <a:chOff x="0" y="0"/>
-          <a:chExt cx="0" cy="0"/>
-        </a:xfrm>
-      </p:grpSpPr>
-      <p:sp>
-        <p:nvSpPr>
-          <p:cNvPr id="2" name="Slide Image Placeholder 1"/>
-          <p:cNvSpPr>
-            <a:spLocks noGrp="1" noRot="1" noChangeAspect="1"/>
-          </p:cNvSpPr>
-          <p:nvPr>
-            <p:ph type="sldImg"/>
-          </p:nvPr>
-        </p:nvSpPr>
-        <p:spPr/>
-      </p:sp>
-      <p:sp>
-        <p:nvSpPr>
-          <p:cNvPr id="3" name="Notes Placeholder 2"/>
-          <p:cNvSpPr>
-            <a:spLocks noGrp="1"/>
-          </p:cNvSpPr>
-          <p:nvPr>
-            <p:ph type="body" idx="1"/>
-          </p:nvPr>
-        </p:nvSpPr>
-        <p:spPr/>
-        <p:txBody>
-          <a:bodyPr/>
-          <a:lstStyle/>
-          <a:p>
-            <a:pPr marL="171450" indent="-171450">
-              <a:buFont typeface="Arial" charset="0"/>
-              <a:buChar char="•"/>
-            </a:pPr>
-            <a:r>
-              <a:rPr lang="en-US" dirty="0"/>
-              <a:t>Here is a sample</a:t>
-            </a:r>
-            <a:r>
-              <a:rPr lang="en-US" baseline="0" dirty="0"/>
-              <a:t> catalog</a:t>
-            </a:r>
-            <a:endParaRPr lang="en-US" dirty="0"/>
-          </a:p>
-        </p:txBody>
-      </p:sp>
-      <p:sp>
-        <p:nvSpPr>
-          <p:cNvPr id="4" name="Slide Number Placeholder 3"/>
-          <p:cNvSpPr>
-            <a:spLocks noGrp="1"/>
-          </p:cNvSpPr>
-          <p:nvPr>
-            <p:ph type="sldNum" sz="quarter" idx="10"/>
-          </p:nvPr>
-        </p:nvSpPr>
-        <p:spPr/>
-        <p:txBody>
-          <a:bodyPr/>
-          <a:lstStyle/>
-          <a:p>
-            <a:fld id="{2938A2F8-54F1-AB4E-B8B5-B1130F7515F8}" type="slidenum">
-              <a:rPr lang="en-US" smtClean="0"/>
-              <a:t>10</a:t>
-            </a:fld>
-            <a:endParaRPr lang="en-US" dirty="0"/>
-          </a:p>
-        </p:txBody>
-      </p:sp>
-    </p:spTree>
-    <p:extLst>
-      <p:ext uri="{BB962C8B-B14F-4D97-AF65-F5344CB8AC3E}">
-        <p14:creationId xmlns:p14="http://schemas.microsoft.com/office/powerpoint/2010/main" val="3381611311"/>
       </p:ext>
     </p:extLst>
   </p:cSld>
@@ -761,15 +666,7 @@
             </a:pPr>
             <a:r>
               <a:rPr lang="en-US" baseline="0" dirty="0"/>
-              <a:t>The App and its </a:t>
-            </a:r>
-            <a:r>
-              <a:rPr lang="en-US" baseline="0" dirty="0" err="1"/>
-              <a:t>Config</a:t>
-            </a:r>
-            <a:r>
-              <a:rPr lang="en-US" baseline="0" dirty="0"/>
-              <a:t> are packaged in a so called Chart</a:t>
+              <a:t>The App and its Config are packaged in a so called Chart</a:t>
             </a:r>
           </a:p>
           <a:p>
@@ -779,15 +676,7 @@
             </a:pPr>
             <a:r>
               <a:rPr lang="en-US" baseline="0" dirty="0"/>
-              <a:t>At least two resource types: Deployment and Services (Secrets, </a:t>
-            </a:r>
-            <a:r>
-              <a:rPr lang="en-US" baseline="0" dirty="0" err="1"/>
-              <a:t>ConfigMap</a:t>
-            </a:r>
-            <a:r>
-              <a:rPr lang="en-US" baseline="0" dirty="0"/>
-              <a:t>)</a:t>
+              <a:t>At least two resource types: Deployment and Services (Secrets, ConfigMap)</a:t>
             </a:r>
           </a:p>
           <a:p>
@@ -797,11 +686,7 @@
             </a:pPr>
             <a:r>
               <a:rPr lang="en-US" baseline="0" dirty="0"/>
-              <a:t>You avoid creating each resource manually using </a:t>
-            </a:r>
-            <a:r>
-              <a:rPr lang="en-US" baseline="0" dirty="0" err="1"/>
-              <a:t>kubectl</a:t>
+              <a:t>You avoid creating each resource manually using kubectl</a:t>
             </a:r>
             <a:endParaRPr lang="en-US" dirty="0"/>
           </a:p>
@@ -1175,53 +1060,11 @@
             </a:pPr>
             <a:r>
               <a:rPr lang="en-US" dirty="0"/>
-              <a:t>Create a new chart</a:t>
+              <a:t>The App Catalog contains</a:t>
             </a:r>
             <a:r>
               <a:rPr lang="en-US" baseline="0" dirty="0"/>
-              <a:t> using helm create my-chart</a:t>
-            </a:r>
-          </a:p>
-          <a:p>
-            <a:pPr marL="171450" indent="-171450">
-              <a:buFont typeface="Arial" charset="0"/>
-              <a:buChar char="•"/>
-            </a:pPr>
-            <a:r>
-              <a:rPr lang="en-US" baseline="0" dirty="0"/>
-              <a:t>Go Language</a:t>
-            </a:r>
-          </a:p>
-          <a:p>
-            <a:pPr marL="171450" indent="-171450">
-              <a:buFont typeface="Arial" charset="0"/>
-              <a:buChar char="•"/>
-            </a:pPr>
-            <a:r>
-              <a:rPr lang="en-US" baseline="0" dirty="0"/>
-              <a:t>The Chart starts with a sample template for a </a:t>
-            </a:r>
-            <a:r>
-              <a:rPr lang="en-US" baseline="0" dirty="0" err="1"/>
-              <a:t>Kube</a:t>
-            </a:r>
-            <a:r>
-              <a:rPr lang="en-US" baseline="0" dirty="0"/>
-              <a:t> deployment and service</a:t>
-            </a:r>
-          </a:p>
-          <a:p>
-            <a:pPr marL="171450" indent="-171450">
-              <a:buFont typeface="Arial" charset="0"/>
-              <a:buChar char="•"/>
-            </a:pPr>
-            <a:r>
-              <a:rPr lang="en-US" baseline="0" dirty="0"/>
-              <a:t>You can start with editing </a:t>
-            </a:r>
-            <a:r>
-              <a:rPr lang="en-US" baseline="0" dirty="0" err="1"/>
-              <a:t>values,yaml</a:t>
+              <a:t> Helm Charts from Chart Repositories</a:t>
             </a:r>
             <a:endParaRPr lang="en-US" dirty="0"/>
           </a:p>
@@ -1244,7 +1087,7 @@
           <a:p>
             <a:fld id="{2938A2F8-54F1-AB4E-B8B5-B1130F7515F8}" type="slidenum">
               <a:rPr lang="en-US" smtClean="0"/>
-              <a:t>5</a:t>
+              <a:t>8</a:t>
             </a:fld>
             <a:endParaRPr lang="en-US" dirty="0"/>
           </a:p>
@@ -1253,7 +1096,7 @@
     </p:spTree>
     <p:extLst>
       <p:ext uri="{BB962C8B-B14F-4D97-AF65-F5344CB8AC3E}">
-        <p14:creationId xmlns:p14="http://schemas.microsoft.com/office/powerpoint/2010/main" val="2023479089"/>
+        <p14:creationId xmlns:p14="http://schemas.microsoft.com/office/powerpoint/2010/main" val="1334226391"/>
       </p:ext>
     </p:extLst>
   </p:cSld>
@@ -1313,11 +1156,11 @@
             </a:pPr>
             <a:r>
               <a:rPr lang="en-US" dirty="0"/>
-              <a:t>A chart</a:t>
+              <a:t>Chart</a:t>
             </a:r>
             <a:r>
               <a:rPr lang="en-US" baseline="0" dirty="0"/>
-              <a:t> is a directory</a:t>
+              <a:t> repository is a web server with an index.yaml file</a:t>
             </a:r>
           </a:p>
           <a:p>
@@ -1327,358 +1170,8 @@
             </a:pPr>
             <a:r>
               <a:rPr lang="en-US" baseline="0" dirty="0"/>
-              <a:t>Is usually on a web server so you can share charts with others</a:t>
-            </a:r>
-          </a:p>
-          <a:p>
-            <a:pPr marL="171450" indent="-171450">
-              <a:buFont typeface="Arial" charset="0"/>
-              <a:buChar char="•"/>
-            </a:pPr>
-            <a:r>
-              <a:rPr lang="en-US" baseline="0" dirty="0"/>
-              <a:t>Is called chart repository</a:t>
-            </a:r>
-          </a:p>
-          <a:p>
-            <a:pPr marL="171450" indent="-171450">
-              <a:buFont typeface="Arial" charset="0"/>
-              <a:buChar char="•"/>
-            </a:pPr>
-            <a:r>
-              <a:rPr lang="en-US" baseline="0" dirty="0"/>
-              <a:t>You can package a chart into a tar file</a:t>
-            </a:r>
-            <a:endParaRPr lang="en-US" dirty="0"/>
-          </a:p>
-        </p:txBody>
-      </p:sp>
-      <p:sp>
-        <p:nvSpPr>
-          <p:cNvPr id="4" name="Slide Number Placeholder 3"/>
-          <p:cNvSpPr>
-            <a:spLocks noGrp="1"/>
-          </p:cNvSpPr>
-          <p:nvPr>
-            <p:ph type="sldNum" sz="quarter" idx="10"/>
-          </p:nvPr>
-        </p:nvSpPr>
-        <p:spPr/>
-        <p:txBody>
-          <a:bodyPr/>
-          <a:lstStyle/>
-          <a:p>
-            <a:fld id="{2938A2F8-54F1-AB4E-B8B5-B1130F7515F8}" type="slidenum">
-              <a:rPr lang="en-US" smtClean="0"/>
-              <a:t>6</a:t>
-            </a:fld>
-            <a:endParaRPr lang="en-US" dirty="0"/>
-          </a:p>
-        </p:txBody>
-      </p:sp>
-    </p:spTree>
-    <p:extLst>
-      <p:ext uri="{BB962C8B-B14F-4D97-AF65-F5344CB8AC3E}">
-        <p14:creationId xmlns:p14="http://schemas.microsoft.com/office/powerpoint/2010/main" val="2791477219"/>
-      </p:ext>
-    </p:extLst>
-  </p:cSld>
-  <p:clrMapOvr>
-    <a:masterClrMapping/>
-  </p:clrMapOvr>
-</p:notes>
-</file>
-
-<file path=ppt/notesSlides/notesSlide7.xml><?xml version="1.0" encoding="utf-8"?>
-<p:notes xmlns:a="http://schemas.openxmlformats.org/drawingml/2006/main" xmlns:r="http://schemas.openxmlformats.org/officeDocument/2006/relationships" xmlns:p="http://schemas.openxmlformats.org/presentationml/2006/main">
-  <p:cSld>
-    <p:spTree>
-      <p:nvGrpSpPr>
-        <p:cNvPr id="1" name=""/>
-        <p:cNvGrpSpPr/>
-        <p:nvPr/>
-      </p:nvGrpSpPr>
-      <p:grpSpPr>
-        <a:xfrm>
-          <a:off x="0" y="0"/>
-          <a:ext cx="0" cy="0"/>
-          <a:chOff x="0" y="0"/>
-          <a:chExt cx="0" cy="0"/>
-        </a:xfrm>
-      </p:grpSpPr>
-      <p:sp>
-        <p:nvSpPr>
-          <p:cNvPr id="2" name="Slide Image Placeholder 1"/>
-          <p:cNvSpPr>
-            <a:spLocks noGrp="1" noRot="1" noChangeAspect="1"/>
-          </p:cNvSpPr>
-          <p:nvPr>
-            <p:ph type="sldImg"/>
-          </p:nvPr>
-        </p:nvSpPr>
-        <p:spPr/>
-      </p:sp>
-      <p:sp>
-        <p:nvSpPr>
-          <p:cNvPr id="3" name="Notes Placeholder 2"/>
-          <p:cNvSpPr>
-            <a:spLocks noGrp="1"/>
-          </p:cNvSpPr>
-          <p:nvPr>
-            <p:ph type="body" idx="1"/>
-          </p:nvPr>
-        </p:nvSpPr>
-        <p:spPr/>
-        <p:txBody>
-          <a:bodyPr/>
-          <a:lstStyle/>
-          <a:p>
-            <a:pPr marL="171450" indent="-171450">
-              <a:buFont typeface="Arial" charset="0"/>
-              <a:buChar char="•"/>
-            </a:pPr>
-            <a:r>
-              <a:rPr lang="en-US" dirty="0"/>
-              <a:t>Search for a chart with</a:t>
-            </a:r>
-            <a:r>
-              <a:rPr lang="en-US" baseline="0" dirty="0"/>
-              <a:t> helm search</a:t>
-            </a:r>
-          </a:p>
-          <a:p>
-            <a:pPr marL="171450" indent="-171450">
-              <a:buFont typeface="Arial" charset="0"/>
-              <a:buChar char="•"/>
-            </a:pPr>
-            <a:r>
-              <a:rPr lang="en-US" baseline="0" dirty="0"/>
-              <a:t>Deploy a chart with helm install</a:t>
-            </a:r>
-          </a:p>
-          <a:p>
-            <a:pPr marL="171450" indent="-171450">
-              <a:buFont typeface="Arial" charset="0"/>
-              <a:buChar char="•"/>
-            </a:pPr>
-            <a:r>
-              <a:rPr lang="en-US" baseline="0" dirty="0"/>
-              <a:t>See the resources created</a:t>
-            </a:r>
-          </a:p>
-        </p:txBody>
-      </p:sp>
-      <p:sp>
-        <p:nvSpPr>
-          <p:cNvPr id="4" name="Slide Number Placeholder 3"/>
-          <p:cNvSpPr>
-            <a:spLocks noGrp="1"/>
-          </p:cNvSpPr>
-          <p:nvPr>
-            <p:ph type="sldNum" sz="quarter" idx="10"/>
-          </p:nvPr>
-        </p:nvSpPr>
-        <p:spPr/>
-        <p:txBody>
-          <a:bodyPr/>
-          <a:lstStyle/>
-          <a:p>
-            <a:fld id="{2938A2F8-54F1-AB4E-B8B5-B1130F7515F8}" type="slidenum">
-              <a:rPr lang="en-US" smtClean="0"/>
-              <a:t>7</a:t>
-            </a:fld>
-            <a:endParaRPr lang="en-US" dirty="0"/>
-          </a:p>
-        </p:txBody>
-      </p:sp>
-    </p:spTree>
-    <p:extLst>
-      <p:ext uri="{BB962C8B-B14F-4D97-AF65-F5344CB8AC3E}">
-        <p14:creationId xmlns:p14="http://schemas.microsoft.com/office/powerpoint/2010/main" val="2878339385"/>
-      </p:ext>
-    </p:extLst>
-  </p:cSld>
-  <p:clrMapOvr>
-    <a:masterClrMapping/>
-  </p:clrMapOvr>
-</p:notes>
-</file>
-
-<file path=ppt/notesSlides/notesSlide8.xml><?xml version="1.0" encoding="utf-8"?>
-<p:notes xmlns:a="http://schemas.openxmlformats.org/drawingml/2006/main" xmlns:r="http://schemas.openxmlformats.org/officeDocument/2006/relationships" xmlns:p="http://schemas.openxmlformats.org/presentationml/2006/main">
-  <p:cSld>
-    <p:spTree>
-      <p:nvGrpSpPr>
-        <p:cNvPr id="1" name=""/>
-        <p:cNvGrpSpPr/>
-        <p:nvPr/>
-      </p:nvGrpSpPr>
-      <p:grpSpPr>
-        <a:xfrm>
-          <a:off x="0" y="0"/>
-          <a:ext cx="0" cy="0"/>
-          <a:chOff x="0" y="0"/>
-          <a:chExt cx="0" cy="0"/>
-        </a:xfrm>
-      </p:grpSpPr>
-      <p:sp>
-        <p:nvSpPr>
-          <p:cNvPr id="2" name="Slide Image Placeholder 1"/>
-          <p:cNvSpPr>
-            <a:spLocks noGrp="1" noRot="1" noChangeAspect="1"/>
-          </p:cNvSpPr>
-          <p:nvPr>
-            <p:ph type="sldImg"/>
-          </p:nvPr>
-        </p:nvSpPr>
-        <p:spPr/>
-      </p:sp>
-      <p:sp>
-        <p:nvSpPr>
-          <p:cNvPr id="3" name="Notes Placeholder 2"/>
-          <p:cNvSpPr>
-            <a:spLocks noGrp="1"/>
-          </p:cNvSpPr>
-          <p:nvPr>
-            <p:ph type="body" idx="1"/>
-          </p:nvPr>
-        </p:nvSpPr>
-        <p:spPr/>
-        <p:txBody>
-          <a:bodyPr/>
-          <a:lstStyle/>
-          <a:p>
-            <a:pPr marL="171450" indent="-171450">
-              <a:buFont typeface="Arial" charset="0"/>
-              <a:buChar char="•"/>
-            </a:pPr>
-            <a:r>
-              <a:rPr lang="en-US" dirty="0"/>
-              <a:t>The App Catalog contains</a:t>
-            </a:r>
-            <a:r>
-              <a:rPr lang="en-US" baseline="0" dirty="0"/>
-              <a:t> Helm Charts from Chart Repositories</a:t>
-            </a:r>
-            <a:endParaRPr lang="en-US" dirty="0"/>
-          </a:p>
-        </p:txBody>
-      </p:sp>
-      <p:sp>
-        <p:nvSpPr>
-          <p:cNvPr id="4" name="Slide Number Placeholder 3"/>
-          <p:cNvSpPr>
-            <a:spLocks noGrp="1"/>
-          </p:cNvSpPr>
-          <p:nvPr>
-            <p:ph type="sldNum" sz="quarter" idx="10"/>
-          </p:nvPr>
-        </p:nvSpPr>
-        <p:spPr/>
-        <p:txBody>
-          <a:bodyPr/>
-          <a:lstStyle/>
-          <a:p>
-            <a:fld id="{2938A2F8-54F1-AB4E-B8B5-B1130F7515F8}" type="slidenum">
-              <a:rPr lang="en-US" smtClean="0"/>
-              <a:t>8</a:t>
-            </a:fld>
-            <a:endParaRPr lang="en-US" dirty="0"/>
-          </a:p>
-        </p:txBody>
-      </p:sp>
-    </p:spTree>
-    <p:extLst>
-      <p:ext uri="{BB962C8B-B14F-4D97-AF65-F5344CB8AC3E}">
-        <p14:creationId xmlns:p14="http://schemas.microsoft.com/office/powerpoint/2010/main" val="1334226391"/>
-      </p:ext>
-    </p:extLst>
-  </p:cSld>
-  <p:clrMapOvr>
-    <a:masterClrMapping/>
-  </p:clrMapOvr>
-</p:notes>
-</file>
-
-<file path=ppt/notesSlides/notesSlide9.xml><?xml version="1.0" encoding="utf-8"?>
-<p:notes xmlns:a="http://schemas.openxmlformats.org/drawingml/2006/main" xmlns:r="http://schemas.openxmlformats.org/officeDocument/2006/relationships" xmlns:p="http://schemas.openxmlformats.org/presentationml/2006/main">
-  <p:cSld>
-    <p:spTree>
-      <p:nvGrpSpPr>
-        <p:cNvPr id="1" name=""/>
-        <p:cNvGrpSpPr/>
-        <p:nvPr/>
-      </p:nvGrpSpPr>
-      <p:grpSpPr>
-        <a:xfrm>
-          <a:off x="0" y="0"/>
-          <a:ext cx="0" cy="0"/>
-          <a:chOff x="0" y="0"/>
-          <a:chExt cx="0" cy="0"/>
-        </a:xfrm>
-      </p:grpSpPr>
-      <p:sp>
-        <p:nvSpPr>
-          <p:cNvPr id="2" name="Slide Image Placeholder 1"/>
-          <p:cNvSpPr>
-            <a:spLocks noGrp="1" noRot="1" noChangeAspect="1"/>
-          </p:cNvSpPr>
-          <p:nvPr>
-            <p:ph type="sldImg"/>
-          </p:nvPr>
-        </p:nvSpPr>
-        <p:spPr/>
-      </p:sp>
-      <p:sp>
-        <p:nvSpPr>
-          <p:cNvPr id="3" name="Notes Placeholder 2"/>
-          <p:cNvSpPr>
-            <a:spLocks noGrp="1"/>
-          </p:cNvSpPr>
-          <p:nvPr>
-            <p:ph type="body" idx="1"/>
-          </p:nvPr>
-        </p:nvSpPr>
-        <p:spPr/>
-        <p:txBody>
-          <a:bodyPr/>
-          <a:lstStyle/>
-          <a:p>
-            <a:pPr marL="171450" indent="-171450">
-              <a:buFont typeface="Arial" charset="0"/>
-              <a:buChar char="•"/>
-            </a:pPr>
-            <a:r>
-              <a:rPr lang="en-US" dirty="0"/>
-              <a:t>Chart</a:t>
-            </a:r>
-            <a:r>
-              <a:rPr lang="en-US" baseline="0" dirty="0"/>
-              <a:t> repository is a web server with an </a:t>
-            </a:r>
-            <a:r>
-              <a:rPr lang="en-US" baseline="0" dirty="0" err="1"/>
-              <a:t>index.yaml</a:t>
-            </a:r>
-            <a:r>
-              <a:rPr lang="en-US" baseline="0" dirty="0"/>
-              <a:t> file</a:t>
-            </a:r>
-          </a:p>
-          <a:p>
-            <a:pPr marL="171450" indent="-171450">
-              <a:buFont typeface="Arial" charset="0"/>
-              <a:buChar char="•"/>
-            </a:pPr>
-            <a:r>
-              <a:rPr lang="en-US" baseline="0" dirty="0"/>
-              <a:t>There are steps for adding a chart to a repository: copy, </a:t>
-            </a:r>
-            <a:r>
-              <a:rPr lang="en-US" baseline="0" dirty="0" err="1"/>
-              <a:t>reindex</a:t>
-            </a:r>
-            <a:endParaRPr lang="en-US" baseline="0" dirty="0"/>
+              <a:t>There are steps for adding a chart to a repository: copy, reindex</a:t>
+            </a:r>
           </a:p>
           <a:p>
             <a:pPr marL="171450" indent="-171450">
@@ -1718,36 +1211,35 @@
               <a:t>on master, get helm container using `</a:t>
             </a:r>
             <a:r>
-              <a:rPr lang="en-US" dirty="0" err="1">
-                <a:latin typeface="Courier New" panose="02070309020205020404" pitchFamily="49" charset="0"/>
-                <a:cs typeface="Courier New" panose="02070309020205020404" pitchFamily="49" charset="0"/>
-              </a:rPr>
-              <a:t>docker</a:t>
-            </a:r>
-            <a:r>
               <a:rPr lang="en-US" dirty="0">
                 <a:latin typeface="Courier New" panose="02070309020205020404" pitchFamily="49" charset="0"/>
                 <a:cs typeface="Courier New" panose="02070309020205020404" pitchFamily="49" charset="0"/>
               </a:rPr>
-              <a:t> </a:t>
-            </a:r>
-            <a:r>
-              <a:rPr lang="en-US" dirty="0" err="1">
-                <a:latin typeface="Courier New" panose="02070309020205020404" pitchFamily="49" charset="0"/>
-                <a:cs typeface="Courier New" panose="02070309020205020404" pitchFamily="49" charset="0"/>
-              </a:rPr>
-              <a:t>ps</a:t>
+              <a:t>docker ps | grep helm</a:t>
+            </a:r>
+            <a:r>
+              <a:rPr lang="en-US" dirty="0"/>
+              <a:t>`</a:t>
+            </a:r>
+          </a:p>
+          <a:p>
+            <a:pPr marL="228600" indent="-228600">
+              <a:buAutoNum type="arabicPeriod"/>
+            </a:pPr>
+            <a:r>
+              <a:rPr lang="en-US" dirty="0"/>
+              <a:t>copy your chart using `</a:t>
             </a:r>
             <a:r>
               <a:rPr lang="en-US" dirty="0">
                 <a:latin typeface="Courier New" panose="02070309020205020404" pitchFamily="49" charset="0"/>
                 <a:cs typeface="Courier New" panose="02070309020205020404" pitchFamily="49" charset="0"/>
               </a:rPr>
-              <a:t> | grep helm</a:t>
-            </a:r>
-            <a:r>
-              <a:rPr lang="en-US" dirty="0"/>
-              <a:t>`</a:t>
+              <a:t>docker cp x.tar.gz &lt;dockerID&gt;:/local-repo</a:t>
+            </a:r>
+            <a:r>
+              <a:rPr lang="en-US" dirty="0"/>
+              <a:t>` </a:t>
             </a:r>
           </a:p>
           <a:p>
@@ -1756,76 +1248,14 @@
             </a:pPr>
             <a:r>
               <a:rPr lang="en-US" dirty="0"/>
-              <a:t>copy your chart using `</a:t>
-            </a:r>
-            <a:r>
-              <a:rPr lang="en-US" dirty="0" err="1">
-                <a:latin typeface="Courier New" panose="02070309020205020404" pitchFamily="49" charset="0"/>
-                <a:cs typeface="Courier New" panose="02070309020205020404" pitchFamily="49" charset="0"/>
-              </a:rPr>
-              <a:t>docker</a:t>
-            </a:r>
-            <a:r>
-              <a:rPr lang="en-US" dirty="0">
-                <a:latin typeface="Courier New" panose="02070309020205020404" pitchFamily="49" charset="0"/>
-                <a:cs typeface="Courier New" panose="02070309020205020404" pitchFamily="49" charset="0"/>
-              </a:rPr>
-              <a:t> </a:t>
-            </a:r>
-            <a:r>
-              <a:rPr lang="en-US" dirty="0" err="1">
-                <a:latin typeface="Courier New" panose="02070309020205020404" pitchFamily="49" charset="0"/>
-                <a:cs typeface="Courier New" panose="02070309020205020404" pitchFamily="49" charset="0"/>
-              </a:rPr>
-              <a:t>cp</a:t>
-            </a:r>
-            <a:r>
-              <a:rPr lang="en-US" dirty="0">
-                <a:latin typeface="Courier New" panose="02070309020205020404" pitchFamily="49" charset="0"/>
-                <a:cs typeface="Courier New" panose="02070309020205020404" pitchFamily="49" charset="0"/>
-              </a:rPr>
-              <a:t> x.tar.gz &lt;</a:t>
-            </a:r>
-            <a:r>
-              <a:rPr lang="en-US" dirty="0" err="1">
-                <a:latin typeface="Courier New" panose="02070309020205020404" pitchFamily="49" charset="0"/>
-                <a:cs typeface="Courier New" panose="02070309020205020404" pitchFamily="49" charset="0"/>
-              </a:rPr>
-              <a:t>dockerID</a:t>
-            </a:r>
-            <a:r>
-              <a:rPr lang="en-US" dirty="0">
-                <a:latin typeface="Courier New" panose="02070309020205020404" pitchFamily="49" charset="0"/>
-                <a:cs typeface="Courier New" panose="02070309020205020404" pitchFamily="49" charset="0"/>
-              </a:rPr>
-              <a:t>&gt;:/local-repo</a:t>
-            </a:r>
-            <a:r>
-              <a:rPr lang="en-US" dirty="0"/>
-              <a:t>` </a:t>
-            </a:r>
-          </a:p>
-          <a:p>
-            <a:pPr marL="228600" indent="-228600">
-              <a:buAutoNum type="arabicPeriod"/>
-            </a:pPr>
-            <a:r>
-              <a:rPr lang="en-US" dirty="0"/>
               <a:t>Restart the container using  </a:t>
-            </a:r>
-            <a:r>
-              <a:rPr lang="en-US" dirty="0" err="1">
-                <a:latin typeface="Courier" pitchFamily="81" charset="0"/>
-                <a:cs typeface="Courier New" panose="02070309020205020404" pitchFamily="49" charset="0"/>
-              </a:rPr>
-              <a:t>docker</a:t>
             </a:r>
             <a:r>
               <a:rPr lang="en-US" dirty="0">
                 <a:latin typeface="Courier" pitchFamily="81" charset="0"/>
                 <a:cs typeface="Courier New" panose="02070309020205020404" pitchFamily="49" charset="0"/>
               </a:rPr>
-              <a:t> restart &lt;helm container id&gt;</a:t>
+              <a:t>docker restart &lt;helm container id&gt;</a:t>
             </a:r>
             <a:endParaRPr lang="en-US" dirty="0">
               <a:latin typeface="Courier" pitchFamily="81" charset="0"/>
@@ -1932,7 +1362,7 @@
           </a:lstStyle>
           <a:p>
             <a:r>
-              <a:rPr lang="en-US"/>
+              <a:rPr lang="en-US" dirty="0"/>
               <a:t>IBM Cloud / DOC ID / Month XX, 2017 / © 2017 IBM Corporation</a:t>
             </a:r>
           </a:p>
@@ -2142,7 +1572,7 @@
               <a:rPr lang="en-US" smtClean="0"/>
               <a:t>‹#›</a:t>
             </a:fld>
-            <a:endParaRPr lang="en-US"/>
+            <a:endParaRPr lang="en-US" dirty="0"/>
           </a:p>
         </p:txBody>
       </p:sp>
@@ -2162,7 +1592,7 @@
           <a:lstStyle/>
           <a:p>
             <a:r>
-              <a:rPr lang="en-US"/>
+              <a:rPr lang="en-US" dirty="0"/>
               <a:t>IBM Cloud / DOC ID / Month XX, 2017 / © 2017 IBM Corporation</a:t>
             </a:r>
           </a:p>
@@ -2400,7 +1830,7 @@
               <a:pPr/>
               <a:t>‹#›</a:t>
             </a:fld>
-            <a:endParaRPr lang="en-US"/>
+            <a:endParaRPr lang="en-US" dirty="0"/>
           </a:p>
         </p:txBody>
       </p:sp>
@@ -2423,7 +1853,7 @@
               <a:rPr lang="de-DE"/>
               <a:t>IBM Cloud / DOC ID / Month XX, 2017 / © 2017 IBM Corporation</a:t>
             </a:r>
-            <a:endParaRPr lang="en-US"/>
+            <a:endParaRPr lang="en-US" dirty="0"/>
           </a:p>
         </p:txBody>
       </p:sp>
@@ -2697,7 +2127,7 @@
               <a:pPr/>
               <a:t>‹#›</a:t>
             </a:fld>
-            <a:endParaRPr lang="en-US"/>
+            <a:endParaRPr lang="en-US" dirty="0"/>
           </a:p>
         </p:txBody>
       </p:sp>
@@ -2720,7 +2150,7 @@
               <a:rPr lang="de-DE"/>
               <a:t>IBM Cloud / DOC ID / Month XX, 2017 / © 2017 IBM Corporation</a:t>
             </a:r>
-            <a:endParaRPr lang="en-US"/>
+            <a:endParaRPr lang="en-US" dirty="0"/>
           </a:p>
         </p:txBody>
       </p:sp>
@@ -2823,7 +2253,7 @@
           <a:lstStyle/>
           <a:p>
             <a:r>
-              <a:rPr lang="en-US"/>
+              <a:rPr lang="en-US" dirty="0"/>
               <a:t>Click icon to add table</a:t>
             </a:r>
           </a:p>
@@ -2879,7 +2309,7 @@
               <a:pPr/>
               <a:t>‹#›</a:t>
             </a:fld>
-            <a:endParaRPr lang="en-US"/>
+            <a:endParaRPr lang="en-US" dirty="0"/>
           </a:p>
         </p:txBody>
       </p:sp>
@@ -2902,7 +2332,7 @@
               <a:rPr lang="de-DE"/>
               <a:t>IBM Cloud / DOC ID / Month XX, 2017 / © 2017 IBM Corporation</a:t>
             </a:r>
-            <a:endParaRPr lang="en-US"/>
+            <a:endParaRPr lang="en-US" dirty="0"/>
           </a:p>
         </p:txBody>
       </p:sp>
@@ -3013,7 +2443,7 @@
               <a:pPr/>
               <a:t>‹#›</a:t>
             </a:fld>
-            <a:endParaRPr lang="en-US"/>
+            <a:endParaRPr lang="en-US" dirty="0"/>
           </a:p>
         </p:txBody>
       </p:sp>
@@ -3036,7 +2466,7 @@
               <a:rPr lang="de-DE"/>
               <a:t>IBM Cloud / DOC ID / Month XX, 2017 / © 2017 IBM Corporation</a:t>
             </a:r>
-            <a:endParaRPr lang="en-US"/>
+            <a:endParaRPr lang="en-US" dirty="0"/>
           </a:p>
         </p:txBody>
       </p:sp>
@@ -3171,7 +2601,7 @@
               <a:pPr/>
               <a:t>‹#›</a:t>
             </a:fld>
-            <a:endParaRPr lang="en-US"/>
+            <a:endParaRPr lang="en-US" dirty="0"/>
           </a:p>
         </p:txBody>
       </p:sp>
@@ -3194,7 +2624,7 @@
               <a:rPr lang="de-DE"/>
               <a:t>IBM Cloud / DOC ID / Month XX, 2017 / © 2017 IBM Corporation</a:t>
             </a:r>
-            <a:endParaRPr lang="en-US"/>
+            <a:endParaRPr lang="en-US" dirty="0"/>
           </a:p>
         </p:txBody>
       </p:sp>
@@ -3648,7 +3078,7 @@
               <a:defRPr/>
             </a:pPr>
             <a:r>
-              <a:rPr lang="en-US" altLang="en-US">
+              <a:rPr lang="en-US" altLang="en-US" dirty="0">
                 <a:solidFill>
                   <a:srgbClr val="FFFFFF"/>
                 </a:solidFill>
@@ -3667,7 +3097,7 @@
               </a:pPr>
               <a:t>‹#›</a:t>
             </a:fld>
-            <a:endParaRPr lang="en-US" altLang="en-US" b="1">
+            <a:endParaRPr lang="en-US" altLang="en-US" b="1" dirty="0">
               <a:solidFill>
                 <a:srgbClr val="FFFFFF"/>
               </a:solidFill>
@@ -3886,10 +3316,9 @@
               <a:defRPr/>
             </a:pPr>
             <a:r>
-              <a:rPr lang="en-US"/>
+              <a:rPr lang="en-US" dirty="0"/>
               <a:t>© Copyright IBM Corporation 2017</a:t>
             </a:r>
-            <a:endParaRPr lang="en-US" dirty="0"/>
           </a:p>
         </p:txBody>
       </p:sp>
@@ -4165,7 +3594,7 @@
               <a:pPr/>
               <a:t>‹#›</a:t>
             </a:fld>
-            <a:endParaRPr lang="en-US"/>
+            <a:endParaRPr lang="en-US" dirty="0"/>
           </a:p>
         </p:txBody>
       </p:sp>
@@ -4191,7 +3620,7 @@
           </a:lstStyle>
           <a:p>
             <a:r>
-              <a:rPr lang="en-US"/>
+              <a:rPr lang="en-US" dirty="0"/>
               <a:t>IBM Cloud / DOC ID / Month XX, 2017 / © 2017 IBM Corporation</a:t>
             </a:r>
           </a:p>
@@ -4380,7 +3809,7 @@
               <a:pPr/>
               <a:t>‹#›</a:t>
             </a:fld>
-            <a:endParaRPr lang="en-US"/>
+            <a:endParaRPr lang="en-US" dirty="0"/>
           </a:p>
         </p:txBody>
       </p:sp>
@@ -4546,7 +3975,7 @@
               <a:pPr/>
               <a:t>‹#›</a:t>
             </a:fld>
-            <a:endParaRPr lang="en-US"/>
+            <a:endParaRPr lang="en-US" dirty="0"/>
           </a:p>
         </p:txBody>
       </p:sp>
@@ -4608,7 +4037,7 @@
               <a:pPr/>
               <a:t>‹#›</a:t>
             </a:fld>
-            <a:endParaRPr lang="en-US"/>
+            <a:endParaRPr lang="en-US" dirty="0"/>
           </a:p>
         </p:txBody>
       </p:sp>
@@ -4729,7 +4158,7 @@
               <a:pPr/>
               <a:t>‹#›</a:t>
             </a:fld>
-            <a:endParaRPr lang="en-US"/>
+            <a:endParaRPr lang="en-US" dirty="0"/>
           </a:p>
         </p:txBody>
       </p:sp>
@@ -5043,7 +4472,7 @@
               <a:pPr/>
               <a:t>‹#›</a:t>
             </a:fld>
-            <a:endParaRPr lang="en-US"/>
+            <a:endParaRPr lang="en-US" dirty="0"/>
           </a:p>
         </p:txBody>
       </p:sp>
@@ -5082,7 +4511,7 @@
               <a:rPr lang="de-DE"/>
               <a:t>IBM Cloud / DOC ID / Month XX, 2017 / © 2017 IBM Corporation</a:t>
             </a:r>
-            <a:endParaRPr lang="en-US"/>
+            <a:endParaRPr lang="en-US" dirty="0"/>
           </a:p>
         </p:txBody>
       </p:sp>
@@ -5221,7 +4650,7 @@
               <a:pPr/>
               <a:t>‹#›</a:t>
             </a:fld>
-            <a:endParaRPr lang="en-US"/>
+            <a:endParaRPr lang="en-US" dirty="0"/>
           </a:p>
         </p:txBody>
       </p:sp>
@@ -5260,7 +4689,7 @@
               <a:rPr lang="de-DE"/>
               <a:t>IBM Cloud / DOC ID / Month XX, 2017 / © 2017 IBM Corporation</a:t>
             </a:r>
-            <a:endParaRPr lang="en-US"/>
+            <a:endParaRPr lang="en-US" dirty="0"/>
           </a:p>
         </p:txBody>
       </p:sp>
@@ -5335,7 +4764,7 @@
           </a:lstStyle>
           <a:p>
             <a:r>
-              <a:rPr lang="en-US"/>
+              <a:rPr lang="en-US" dirty="0"/>
               <a:t>Drag picture to placeholder or click icon to add</a:t>
             </a:r>
           </a:p>
@@ -5425,7 +4854,7 @@
               <a:pPr/>
               <a:t>‹#›</a:t>
             </a:fld>
-            <a:endParaRPr lang="en-US"/>
+            <a:endParaRPr lang="en-US" dirty="0"/>
           </a:p>
         </p:txBody>
       </p:sp>
@@ -5456,7 +4885,7 @@
               <a:rPr lang="de-DE"/>
               <a:t>IBM Cloud / DOC ID / Month XX, 2017 / © 2017 IBM Corporation</a:t>
             </a:r>
-            <a:endParaRPr lang="en-US"/>
+            <a:endParaRPr lang="en-US" dirty="0"/>
           </a:p>
         </p:txBody>
       </p:sp>
@@ -5555,7 +4984,7 @@
               <a:pPr/>
               <a:t>‹#›</a:t>
             </a:fld>
-            <a:endParaRPr lang="en-US"/>
+            <a:endParaRPr lang="en-US" dirty="0"/>
           </a:p>
         </p:txBody>
       </p:sp>
@@ -5678,7 +5107,7 @@
               <a:pPr/>
               <a:t>‹#›</a:t>
             </a:fld>
-            <a:endParaRPr lang="en-US"/>
+            <a:endParaRPr lang="en-US" dirty="0"/>
           </a:p>
         </p:txBody>
       </p:sp>
@@ -5920,7 +5349,7 @@
               <a:pPr/>
               <a:t>‹#›</a:t>
             </a:fld>
-            <a:endParaRPr lang="en-US"/>
+            <a:endParaRPr lang="en-US" dirty="0"/>
           </a:p>
         </p:txBody>
       </p:sp>
@@ -6165,7 +5594,7 @@
               <a:rPr lang="en-US" smtClean="0"/>
               <a:t>‹#›</a:t>
             </a:fld>
-            <a:endParaRPr lang="en-US"/>
+            <a:endParaRPr lang="en-US" dirty="0"/>
           </a:p>
         </p:txBody>
       </p:sp>
@@ -6185,7 +5614,7 @@
           <a:lstStyle/>
           <a:p>
             <a:r>
-              <a:rPr lang="en-US"/>
+              <a:rPr lang="en-US" dirty="0"/>
               <a:t>IBM Cloud / DOC ID / Month XX, 2017 / © 2017 IBM Corporation</a:t>
             </a:r>
           </a:p>
@@ -6615,7 +6044,7 @@
               <a:pPr/>
               <a:t>‹#›</a:t>
             </a:fld>
-            <a:endParaRPr lang="en-US"/>
+            <a:endParaRPr lang="en-US" dirty="0"/>
           </a:p>
         </p:txBody>
       </p:sp>
@@ -6887,7 +6316,7 @@
               <a:pPr/>
               <a:t>‹#›</a:t>
             </a:fld>
-            <a:endParaRPr lang="en-US"/>
+            <a:endParaRPr lang="en-US" dirty="0"/>
           </a:p>
         </p:txBody>
       </p:sp>
@@ -7110,7 +6539,7 @@
               <a:pPr/>
               <a:t>‹#›</a:t>
             </a:fld>
-            <a:endParaRPr lang="en-US"/>
+            <a:endParaRPr lang="en-US" dirty="0"/>
           </a:p>
         </p:txBody>
       </p:sp>
@@ -7572,7 +7001,7 @@
               <a:pPr/>
               <a:t>‹#›</a:t>
             </a:fld>
-            <a:endParaRPr lang="en-US"/>
+            <a:endParaRPr lang="en-US" dirty="0"/>
           </a:p>
         </p:txBody>
       </p:sp>
@@ -7727,7 +7156,7 @@
           <a:lstStyle/>
           <a:p>
             <a:r>
-              <a:rPr lang="en-US"/>
+              <a:rPr lang="en-US" dirty="0"/>
               <a:t>Drag picture to placeholder or click icon to add</a:t>
             </a:r>
           </a:p>
@@ -7811,7 +7240,7 @@
               <a:pPr/>
               <a:t>‹#›</a:t>
             </a:fld>
-            <a:endParaRPr lang="en-US"/>
+            <a:endParaRPr lang="en-US" dirty="0"/>
           </a:p>
         </p:txBody>
       </p:sp>
@@ -8031,7 +7460,7 @@
           <a:lstStyle/>
           <a:p>
             <a:r>
-              <a:rPr lang="en-US"/>
+              <a:rPr lang="en-US" dirty="0"/>
               <a:t>Drag picture to placeholder or click icon to add</a:t>
             </a:r>
           </a:p>
@@ -8114,7 +7543,7 @@
               <a:pPr/>
               <a:t>‹#›</a:t>
             </a:fld>
-            <a:endParaRPr lang="en-US"/>
+            <a:endParaRPr lang="en-US" dirty="0"/>
           </a:p>
         </p:txBody>
       </p:sp>
@@ -8397,7 +7826,7 @@
           <a:lstStyle/>
           <a:p>
             <a:pPr algn="ctr"/>
-            <a:endParaRPr lang="en-US" sz="1200" err="1">
+            <a:endParaRPr lang="en-US" sz="1200" dirty="0">
               <a:solidFill>
                 <a:srgbClr val="FFFFFF"/>
               </a:solidFill>
@@ -8462,7 +7891,7 @@
               <a:pPr/>
               <a:t>‹#›</a:t>
             </a:fld>
-            <a:endParaRPr lang="en-US"/>
+            <a:endParaRPr lang="en-US" dirty="0"/>
           </a:p>
         </p:txBody>
       </p:sp>
@@ -8673,7 +8102,7 @@
               <a:pPr/>
               <a:t>‹#›</a:t>
             </a:fld>
-            <a:endParaRPr lang="en-US"/>
+            <a:endParaRPr lang="en-US" dirty="0"/>
           </a:p>
         </p:txBody>
       </p:sp>
@@ -8698,7 +8127,7 @@
           <a:lstStyle/>
           <a:p>
             <a:r>
-              <a:rPr lang="en-US"/>
+              <a:rPr lang="en-US" dirty="0"/>
               <a:t>Drag picture to placeholder or click icon to add</a:t>
             </a:r>
           </a:p>
@@ -8782,7 +8211,7 @@
               <a:pPr/>
               <a:t>‹#›</a:t>
             </a:fld>
-            <a:endParaRPr lang="en-US"/>
+            <a:endParaRPr lang="en-US" dirty="0"/>
           </a:p>
         </p:txBody>
       </p:sp>
@@ -8883,7 +8312,7 @@
               <a:pPr/>
               <a:t>‹#›</a:t>
             </a:fld>
-            <a:endParaRPr lang="en-US"/>
+            <a:endParaRPr lang="en-US" dirty="0"/>
           </a:p>
         </p:txBody>
       </p:sp>
@@ -9120,7 +8549,7 @@
           <a:lstStyle/>
           <a:p>
             <a:r>
-              <a:rPr lang="en-US"/>
+              <a:rPr lang="en-US" dirty="0"/>
               <a:t>Drag picture to placeholder or click icon to add</a:t>
             </a:r>
           </a:p>
@@ -9173,7 +8602,7 @@
               <a:rPr lang="en-US" smtClean="0"/>
               <a:t>‹#›</a:t>
             </a:fld>
-            <a:endParaRPr lang="en-US"/>
+            <a:endParaRPr lang="en-US" dirty="0"/>
           </a:p>
         </p:txBody>
       </p:sp>
@@ -9193,7 +8622,7 @@
           <a:lstStyle/>
           <a:p>
             <a:r>
-              <a:rPr lang="en-US"/>
+              <a:rPr lang="en-US" dirty="0"/>
               <a:t>IBM Cloud / DOC ID / Month XX, 2017 / © 2017 IBM Corporation</a:t>
             </a:r>
           </a:p>
@@ -9456,7 +8885,7 @@
               <a:pPr/>
               <a:t>‹#›</a:t>
             </a:fld>
-            <a:endParaRPr lang="en-US"/>
+            <a:endParaRPr lang="en-US" dirty="0"/>
           </a:p>
         </p:txBody>
       </p:sp>
@@ -9863,7 +9292,7 @@
               <a:pPr/>
               <a:t>‹#›</a:t>
             </a:fld>
-            <a:endParaRPr lang="en-US"/>
+            <a:endParaRPr lang="en-US" dirty="0"/>
           </a:p>
         </p:txBody>
       </p:sp>
@@ -9998,7 +9427,7 @@
               <a:pPr/>
               <a:t>‹#›</a:t>
             </a:fld>
-            <a:endParaRPr lang="en-US"/>
+            <a:endParaRPr lang="en-US" dirty="0"/>
           </a:p>
         </p:txBody>
       </p:sp>
@@ -10225,7 +9654,7 @@
               <a:pPr/>
               <a:t>‹#›</a:t>
             </a:fld>
-            <a:endParaRPr lang="en-US"/>
+            <a:endParaRPr lang="en-US" dirty="0"/>
           </a:p>
         </p:txBody>
       </p:sp>
@@ -10628,7 +10057,7 @@
               <a:pPr/>
               <a:t>‹#›</a:t>
             </a:fld>
-            <a:endParaRPr lang="en-US"/>
+            <a:endParaRPr lang="en-US" dirty="0"/>
           </a:p>
         </p:txBody>
       </p:sp>
@@ -10752,7 +10181,7 @@
               <a:pPr/>
               <a:t>‹#›</a:t>
             </a:fld>
-            <a:endParaRPr lang="en-US"/>
+            <a:endParaRPr lang="en-US" dirty="0"/>
           </a:p>
         </p:txBody>
       </p:sp>
@@ -10949,7 +10378,7 @@
               <a:pPr/>
               <a:t>‹#›</a:t>
             </a:fld>
-            <a:endParaRPr lang="en-US"/>
+            <a:endParaRPr lang="en-US" dirty="0"/>
           </a:p>
         </p:txBody>
       </p:sp>
@@ -11198,7 +10627,7 @@
               <a:pPr/>
               <a:t>‹#›</a:t>
             </a:fld>
-            <a:endParaRPr lang="en-US"/>
+            <a:endParaRPr lang="en-US" dirty="0"/>
           </a:p>
         </p:txBody>
       </p:sp>
@@ -11390,7 +10819,7 @@
               <a:pPr/>
               <a:t>‹#›</a:t>
             </a:fld>
-            <a:endParaRPr lang="en-US"/>
+            <a:endParaRPr lang="en-US" dirty="0"/>
           </a:p>
         </p:txBody>
       </p:sp>
@@ -11598,7 +11027,7 @@
           <a:lstStyle/>
           <a:p>
             <a:r>
-              <a:rPr lang="en-US"/>
+              <a:rPr lang="en-US" dirty="0"/>
               <a:t>Drag picture to placeholder or click icon to add</a:t>
             </a:r>
           </a:p>
@@ -11682,7 +11111,7 @@
               <a:pPr/>
               <a:t>‹#›</a:t>
             </a:fld>
-            <a:endParaRPr lang="en-US"/>
+            <a:endParaRPr lang="en-US" dirty="0"/>
           </a:p>
         </p:txBody>
       </p:sp>
@@ -11994,7 +11423,7 @@
           <a:lstStyle/>
           <a:p>
             <a:r>
-              <a:rPr lang="en-US"/>
+              <a:rPr lang="en-US" dirty="0"/>
               <a:t>Drag picture to placeholder or click icon to add</a:t>
             </a:r>
           </a:p>
@@ -12047,7 +11476,7 @@
               <a:rPr lang="en-US" smtClean="0"/>
               <a:t>‹#›</a:t>
             </a:fld>
-            <a:endParaRPr lang="en-US"/>
+            <a:endParaRPr lang="en-US" dirty="0"/>
           </a:p>
         </p:txBody>
       </p:sp>
@@ -12067,7 +11496,7 @@
           <a:lstStyle/>
           <a:p>
             <a:r>
-              <a:rPr lang="en-US"/>
+              <a:rPr lang="en-US" dirty="0"/>
               <a:t>IBM Cloud / DOC ID / Month XX, 2017 / © 2017 IBM Corporation</a:t>
             </a:r>
           </a:p>
@@ -12282,7 +11711,7 @@
               <a:pPr/>
               <a:t>‹#›</a:t>
             </a:fld>
-            <a:endParaRPr lang="en-US"/>
+            <a:endParaRPr lang="en-US" dirty="0"/>
           </a:p>
         </p:txBody>
       </p:sp>
@@ -12423,7 +11852,7 @@
           <a:lstStyle/>
           <a:p>
             <a:r>
-              <a:rPr lang="en-US"/>
+              <a:rPr lang="en-US" dirty="0"/>
               <a:t>Click icon to add table</a:t>
             </a:r>
           </a:p>
@@ -12479,7 +11908,7 @@
               <a:pPr/>
               <a:t>‹#›</a:t>
             </a:fld>
-            <a:endParaRPr lang="en-US"/>
+            <a:endParaRPr lang="en-US" dirty="0"/>
           </a:p>
         </p:txBody>
       </p:sp>
@@ -12556,7 +11985,7 @@
           <p:cNvPr id="2" name="Rectangle 1">
             <a:extLst>
               <a:ext uri="{FF2B5EF4-FFF2-40B4-BE49-F238E27FC236}">
-                <a16:creationId xmlns="" xmlns:a16="http://schemas.microsoft.com/office/drawing/2014/main" id="{0408AE91-D7AE-A745-86FC-C38E5AC46DFA}"/>
+                <a16:creationId xmlns:a16="http://schemas.microsoft.com/office/drawing/2014/main" xmlns="" id="{0408AE91-D7AE-A745-86FC-C38E5AC46DFA}"/>
               </a:ext>
             </a:extLst>
           </p:cNvPr>
@@ -12666,7 +12095,7 @@
               <a:pPr/>
               <a:t>‹#›</a:t>
             </a:fld>
-            <a:endParaRPr lang="en-US"/>
+            <a:endParaRPr lang="en-US" dirty="0"/>
           </a:p>
         </p:txBody>
       </p:sp>
@@ -12839,7 +12268,7 @@
               <a:pPr/>
               <a:t>‹#›</a:t>
             </a:fld>
-            <a:endParaRPr lang="en-US"/>
+            <a:endParaRPr lang="en-US" dirty="0"/>
           </a:p>
         </p:txBody>
       </p:sp>
@@ -13134,7 +12563,7 @@
               <a:rPr lang="en-US" smtClean="0"/>
               <a:t>‹#›</a:t>
             </a:fld>
-            <a:endParaRPr lang="en-US"/>
+            <a:endParaRPr lang="en-US" dirty="0"/>
           </a:p>
         </p:txBody>
       </p:sp>
@@ -13154,7 +12583,7 @@
           <a:lstStyle/>
           <a:p>
             <a:r>
-              <a:rPr lang="en-US"/>
+              <a:rPr lang="en-US" dirty="0"/>
               <a:t>IBM Cloud / DOC ID / Month XX, 2017 / © 2017 IBM Corporation</a:t>
             </a:r>
           </a:p>
@@ -13403,7 +12832,7 @@
           <a:lstStyle/>
           <a:p>
             <a:pPr algn="ctr"/>
-            <a:endParaRPr lang="en-US" sz="1200" err="1">
+            <a:endParaRPr lang="en-US" sz="1200" dirty="0">
               <a:solidFill>
                 <a:srgbClr val="FFFFFF"/>
               </a:solidFill>
@@ -13460,7 +12889,7 @@
               <a:rPr lang="en-US" smtClean="0"/>
               <a:t>‹#›</a:t>
             </a:fld>
-            <a:endParaRPr lang="en-US"/>
+            <a:endParaRPr lang="en-US" dirty="0"/>
           </a:p>
         </p:txBody>
       </p:sp>
@@ -13480,7 +12909,7 @@
           <a:lstStyle/>
           <a:p>
             <a:r>
-              <a:rPr lang="en-US"/>
+              <a:rPr lang="en-US" dirty="0"/>
               <a:t>IBM Cloud / DOC ID / Month XX, 2017 / © 2017 IBM Corporation</a:t>
             </a:r>
           </a:p>
@@ -13667,7 +13096,7 @@
           <a:lstStyle/>
           <a:p>
             <a:r>
-              <a:rPr lang="en-US"/>
+              <a:rPr lang="en-US" dirty="0"/>
               <a:t>Drag picture to placeholder or click icon to add</a:t>
             </a:r>
           </a:p>
@@ -13720,7 +13149,7 @@
               <a:rPr lang="en-US" smtClean="0"/>
               <a:t>‹#›</a:t>
             </a:fld>
-            <a:endParaRPr lang="en-US"/>
+            <a:endParaRPr lang="en-US" dirty="0"/>
           </a:p>
         </p:txBody>
       </p:sp>
@@ -13740,7 +13169,7 @@
           <a:lstStyle/>
           <a:p>
             <a:r>
-              <a:rPr lang="en-US"/>
+              <a:rPr lang="en-US" dirty="0"/>
               <a:t>IBM Cloud / DOC ID / Month XX, 2017 / © 2017 IBM Corporation</a:t>
             </a:r>
           </a:p>
@@ -13823,7 +13252,7 @@
               <a:rPr lang="en-US" smtClean="0"/>
               <a:t>‹#›</a:t>
             </a:fld>
-            <a:endParaRPr lang="en-US"/>
+            <a:endParaRPr lang="en-US" dirty="0"/>
           </a:p>
         </p:txBody>
       </p:sp>
@@ -13843,7 +13272,7 @@
           <a:lstStyle/>
           <a:p>
             <a:r>
-              <a:rPr lang="en-US"/>
+              <a:rPr lang="en-US" dirty="0"/>
               <a:t>IBM Cloud / DOC ID / Month XX, 2017 / © 2017 IBM Corporation</a:t>
             </a:r>
           </a:p>
@@ -13926,7 +13355,7 @@
               <a:rPr lang="en-US" smtClean="0"/>
               <a:t>‹#›</a:t>
             </a:fld>
-            <a:endParaRPr lang="en-US"/>
+            <a:endParaRPr lang="en-US" dirty="0"/>
           </a:p>
         </p:txBody>
       </p:sp>
@@ -13946,7 +13375,7 @@
           <a:lstStyle/>
           <a:p>
             <a:r>
-              <a:rPr lang="en-US"/>
+              <a:rPr lang="en-US" dirty="0"/>
               <a:t>IBM Cloud / DOC ID / Month XX, 2017 / © 2017 IBM Corporation</a:t>
             </a:r>
           </a:p>
@@ -14006,7 +13435,7 @@
           </a:lstStyle>
           <a:p>
             <a:r>
-              <a:rPr lang="en-US"/>
+              <a:rPr lang="en-US" dirty="0"/>
               <a:t>IBM Cloud / DOC ID / Month XX, 2017 / © 2017 IBM Corporation</a:t>
             </a:r>
           </a:p>
@@ -14039,7 +13468,7 @@
               <a:rPr lang="en-US" smtClean="0"/>
               <a:t>‹#›</a:t>
             </a:fld>
-            <a:endParaRPr lang="en-US"/>
+            <a:endParaRPr lang="en-US" dirty="0"/>
           </a:p>
         </p:txBody>
       </p:sp>
@@ -14170,7 +13599,7 @@
               <a:rPr lang="en-US" smtClean="0"/>
               <a:t>‹#›</a:t>
             </a:fld>
-            <a:endParaRPr lang="en-US"/>
+            <a:endParaRPr lang="en-US" dirty="0"/>
           </a:p>
         </p:txBody>
       </p:sp>
@@ -14190,7 +13619,7 @@
           <a:lstStyle/>
           <a:p>
             <a:r>
-              <a:rPr lang="en-US"/>
+              <a:rPr lang="en-US" dirty="0"/>
               <a:t>IBM Cloud / DOC ID / Month XX, 2017 / © 2017 IBM Corporation</a:t>
             </a:r>
           </a:p>
@@ -14467,7 +13896,7 @@
               <a:rPr lang="en-US" smtClean="0"/>
               <a:t>‹#›</a:t>
             </a:fld>
-            <a:endParaRPr lang="en-US"/>
+            <a:endParaRPr lang="en-US" dirty="0"/>
           </a:p>
         </p:txBody>
       </p:sp>
@@ -14487,7 +13916,7 @@
           <a:lstStyle/>
           <a:p>
             <a:r>
-              <a:rPr lang="en-US"/>
+              <a:rPr lang="en-US" dirty="0"/>
               <a:t>IBM Cloud / DOC ID / Month XX, 2017 / © 2017 IBM Corporation</a:t>
             </a:r>
           </a:p>
@@ -14912,7 +14341,7 @@
               <a:rPr lang="en-US" smtClean="0"/>
               <a:t>‹#›</a:t>
             </a:fld>
-            <a:endParaRPr lang="en-US"/>
+            <a:endParaRPr lang="en-US" dirty="0"/>
           </a:p>
         </p:txBody>
       </p:sp>
@@ -14932,7 +14361,7 @@
           <a:lstStyle/>
           <a:p>
             <a:r>
-              <a:rPr lang="en-US"/>
+              <a:rPr lang="en-US" dirty="0"/>
               <a:t>IBM Cloud / DOC ID / Month XX, 2017 / © 2017 IBM Corporation</a:t>
             </a:r>
           </a:p>
@@ -15026,7 +14455,7 @@
               <a:rPr lang="en-US" smtClean="0"/>
               <a:t>‹#›</a:t>
             </a:fld>
-            <a:endParaRPr lang="en-US"/>
+            <a:endParaRPr lang="en-US" dirty="0"/>
           </a:p>
         </p:txBody>
       </p:sp>
@@ -15046,7 +14475,7 @@
           <a:lstStyle/>
           <a:p>
             <a:r>
-              <a:rPr lang="en-US"/>
+              <a:rPr lang="en-US" dirty="0"/>
               <a:t>IBM Cloud / DOC ID / Month XX, 2017 / © 2017 IBM Corporation</a:t>
             </a:r>
           </a:p>
@@ -15236,7 +14665,7 @@
               <a:rPr lang="en-US" smtClean="0"/>
               <a:t>‹#›</a:t>
             </a:fld>
-            <a:endParaRPr lang="en-US"/>
+            <a:endParaRPr lang="en-US" dirty="0"/>
           </a:p>
         </p:txBody>
       </p:sp>
@@ -15256,7 +14685,7 @@
           <a:lstStyle/>
           <a:p>
             <a:r>
-              <a:rPr lang="en-US"/>
+              <a:rPr lang="en-US" dirty="0"/>
               <a:t>IBM Cloud / DOC ID / Month XX, 2017 / © 2017 IBM Corporation</a:t>
             </a:r>
           </a:p>
@@ -15610,7 +15039,7 @@
               <a:rPr lang="en-US" smtClean="0"/>
               <a:t>‹#›</a:t>
             </a:fld>
-            <a:endParaRPr lang="en-US"/>
+            <a:endParaRPr lang="en-US" dirty="0"/>
           </a:p>
         </p:txBody>
       </p:sp>
@@ -15630,7 +15059,7 @@
           <a:lstStyle/>
           <a:p>
             <a:r>
-              <a:rPr lang="en-US"/>
+              <a:rPr lang="en-US" dirty="0"/>
               <a:t>IBM Cloud / DOC ID / Month XX, 2017 / © 2017 IBM Corporation</a:t>
             </a:r>
           </a:p>
@@ -15713,7 +15142,7 @@
               <a:rPr lang="en-US" smtClean="0"/>
               <a:t>‹#›</a:t>
             </a:fld>
-            <a:endParaRPr lang="en-US"/>
+            <a:endParaRPr lang="en-US" dirty="0"/>
           </a:p>
         </p:txBody>
       </p:sp>
@@ -15733,7 +15162,7 @@
           <a:lstStyle/>
           <a:p>
             <a:r>
-              <a:rPr lang="en-US"/>
+              <a:rPr lang="en-US" dirty="0"/>
               <a:t>IBM Cloud / DOC ID / Month XX, 2017 / © 2017 IBM Corporation</a:t>
             </a:r>
           </a:p>
@@ -15894,7 +15323,7 @@
               <a:rPr lang="en-US" smtClean="0"/>
               <a:t>‹#›</a:t>
             </a:fld>
-            <a:endParaRPr lang="en-US"/>
+            <a:endParaRPr lang="en-US" dirty="0"/>
           </a:p>
         </p:txBody>
       </p:sp>
@@ -15914,7 +15343,7 @@
           <a:lstStyle/>
           <a:p>
             <a:r>
-              <a:rPr lang="en-US"/>
+              <a:rPr lang="en-US" dirty="0"/>
               <a:t>IBM Cloud / DOC ID / Month XX, 2017 / © 2017 IBM Corporation</a:t>
             </a:r>
           </a:p>
@@ -16127,7 +15556,7 @@
               <a:rPr lang="en-US" smtClean="0"/>
               <a:t>‹#›</a:t>
             </a:fld>
-            <a:endParaRPr lang="en-US"/>
+            <a:endParaRPr lang="en-US" dirty="0"/>
           </a:p>
         </p:txBody>
       </p:sp>
@@ -16147,7 +15576,7 @@
           <a:lstStyle/>
           <a:p>
             <a:r>
-              <a:rPr lang="en-US"/>
+              <a:rPr lang="en-US" dirty="0"/>
               <a:t>IBM Cloud / DOC ID / Month XX, 2017 / © 2017 IBM Corporation</a:t>
             </a:r>
           </a:p>
@@ -16303,7 +15732,7 @@
               <a:rPr lang="en-US" smtClean="0"/>
               <a:t>‹#›</a:t>
             </a:fld>
-            <a:endParaRPr lang="en-US"/>
+            <a:endParaRPr lang="en-US" dirty="0"/>
           </a:p>
         </p:txBody>
       </p:sp>
@@ -16323,7 +15752,7 @@
           <a:lstStyle/>
           <a:p>
             <a:r>
-              <a:rPr lang="en-US"/>
+              <a:rPr lang="en-US" dirty="0"/>
               <a:t>IBM Cloud / DOC ID / Month XX, 2017 / © 2017 IBM Corporation</a:t>
             </a:r>
           </a:p>
@@ -16497,7 +15926,7 @@
           <a:lstStyle/>
           <a:p>
             <a:r>
-              <a:rPr lang="en-US"/>
+              <a:rPr lang="en-US" dirty="0"/>
               <a:t>Drag picture to placeholder or click icon to add</a:t>
             </a:r>
           </a:p>
@@ -16581,7 +16010,7 @@
               <a:pPr/>
               <a:t>‹#›</a:t>
             </a:fld>
-            <a:endParaRPr lang="en-US"/>
+            <a:endParaRPr lang="en-US" dirty="0"/>
           </a:p>
         </p:txBody>
       </p:sp>
@@ -16604,7 +16033,7 @@
               <a:rPr lang="de-DE"/>
               <a:t>IBM Cloud / DOC ID / Month XX, 2017 / © 2017 IBM Corporation</a:t>
             </a:r>
-            <a:endParaRPr lang="en-US"/>
+            <a:endParaRPr lang="en-US" dirty="0"/>
           </a:p>
         </p:txBody>
       </p:sp>
@@ -17048,7 +16477,7 @@
               <a:rPr lang="en-US" smtClean="0"/>
               <a:t>‹#›</a:t>
             </a:fld>
-            <a:endParaRPr lang="en-US"/>
+            <a:endParaRPr lang="en-US" dirty="0"/>
           </a:p>
         </p:txBody>
       </p:sp>
@@ -17068,7 +16497,7 @@
           <a:lstStyle/>
           <a:p>
             <a:r>
-              <a:rPr lang="en-US"/>
+              <a:rPr lang="en-US" dirty="0"/>
               <a:t>IBM Cloud / DOC ID / Month XX, 2017 / © 2017 IBM Corporation</a:t>
             </a:r>
           </a:p>
@@ -17345,7 +16774,7 @@
               <a:rPr lang="en-US" smtClean="0"/>
               <a:t>‹#›</a:t>
             </a:fld>
-            <a:endParaRPr lang="en-US"/>
+            <a:endParaRPr lang="en-US" dirty="0"/>
           </a:p>
         </p:txBody>
       </p:sp>
@@ -17365,7 +16794,7 @@
           <a:lstStyle/>
           <a:p>
             <a:r>
-              <a:rPr lang="en-US"/>
+              <a:rPr lang="en-US" dirty="0"/>
               <a:t>IBM Cloud / DOC ID / Month XX, 2017 / © 2017 IBM Corporation</a:t>
             </a:r>
           </a:p>
@@ -17470,7 +16899,7 @@
           <a:lstStyle/>
           <a:p>
             <a:r>
-              <a:rPr lang="en-US"/>
+              <a:rPr lang="en-US" dirty="0"/>
               <a:t>Click icon to add table</a:t>
             </a:r>
           </a:p>
@@ -17525,7 +16954,7 @@
               <a:rPr lang="en-US" smtClean="0"/>
               <a:t>‹#›</a:t>
             </a:fld>
-            <a:endParaRPr lang="en-US"/>
+            <a:endParaRPr lang="en-US" dirty="0"/>
           </a:p>
         </p:txBody>
       </p:sp>
@@ -17545,7 +16974,7 @@
           <a:lstStyle/>
           <a:p>
             <a:r>
-              <a:rPr lang="en-US"/>
+              <a:rPr lang="en-US" dirty="0"/>
               <a:t>IBM Cloud / DOC ID / Month XX, 2017 / © 2017 IBM Corporation</a:t>
             </a:r>
           </a:p>
@@ -17659,7 +17088,7 @@
               <a:pPr/>
               <a:t>‹#›</a:t>
             </a:fld>
-            <a:endParaRPr lang="en-US"/>
+            <a:endParaRPr lang="en-US" dirty="0"/>
           </a:p>
         </p:txBody>
       </p:sp>
@@ -17682,7 +17111,7 @@
               <a:rPr lang="de-DE"/>
               <a:t>IBM Cloud / DOC ID / Month XX, 2017 / © 2017 IBM Corporation</a:t>
             </a:r>
-            <a:endParaRPr lang="en-US"/>
+            <a:endParaRPr lang="en-US" dirty="0"/>
           </a:p>
         </p:txBody>
       </p:sp>
@@ -17816,7 +17245,7 @@
               <a:rPr lang="en-US" smtClean="0"/>
               <a:t>‹#›</a:t>
             </a:fld>
-            <a:endParaRPr lang="en-US"/>
+            <a:endParaRPr lang="en-US" dirty="0"/>
           </a:p>
         </p:txBody>
       </p:sp>
@@ -17836,7 +17265,7 @@
           <a:lstStyle/>
           <a:p>
             <a:r>
-              <a:rPr lang="en-US"/>
+              <a:rPr lang="en-US" dirty="0"/>
               <a:t>IBM Cloud / DOC ID / Month XX, 2017 / © 2017 IBM Corporation</a:t>
             </a:r>
           </a:p>
@@ -18124,7 +17553,7 @@
               <a:rPr lang="de-DE"/>
               <a:t>IBM Cloud / DOC ID / Month XX, 2017 / © 2017 IBM Corporation</a:t>
             </a:r>
-            <a:endParaRPr lang="en-US"/>
+            <a:endParaRPr lang="en-US" dirty="0"/>
           </a:p>
         </p:txBody>
       </p:sp>
@@ -18156,7 +17585,7 @@
               <a:pPr/>
               <a:t>‹#›</a:t>
             </a:fld>
-            <a:endParaRPr lang="en-US"/>
+            <a:endParaRPr lang="en-US" dirty="0"/>
           </a:p>
         </p:txBody>
       </p:sp>
@@ -18276,7 +17705,7 @@
               <a:pPr/>
               <a:t>‹#›</a:t>
             </a:fld>
-            <a:endParaRPr lang="en-US"/>
+            <a:endParaRPr lang="en-US" dirty="0"/>
           </a:p>
         </p:txBody>
       </p:sp>
@@ -18299,7 +17728,7 @@
               <a:rPr lang="de-DE"/>
               <a:t>IBM Cloud / DOC ID / Month XX, 2017 / © 2017 IBM Corporation</a:t>
             </a:r>
-            <a:endParaRPr lang="en-US"/>
+            <a:endParaRPr lang="en-US" dirty="0"/>
           </a:p>
         </p:txBody>
       </p:sp>
@@ -18613,7 +18042,7 @@
               <a:pPr/>
               <a:t>‹#›</a:t>
             </a:fld>
-            <a:endParaRPr lang="en-US"/>
+            <a:endParaRPr lang="en-US" dirty="0"/>
           </a:p>
         </p:txBody>
       </p:sp>
@@ -18644,7 +18073,7 @@
               <a:rPr lang="de-DE"/>
               <a:t>IBM Cloud / DOC ID / Month XX, 2017 / © 2017 IBM Corporation</a:t>
             </a:r>
-            <a:endParaRPr lang="en-US"/>
+            <a:endParaRPr lang="en-US" dirty="0"/>
           </a:p>
         </p:txBody>
       </p:sp>
@@ -18783,7 +18212,7 @@
               <a:rPr lang="en-US" smtClean="0"/>
               <a:t>‹#›</a:t>
             </a:fld>
-            <a:endParaRPr lang="en-US"/>
+            <a:endParaRPr lang="en-US" dirty="0"/>
           </a:p>
         </p:txBody>
       </p:sp>
@@ -18811,7 +18240,7 @@
           </a:lstStyle>
           <a:p>
             <a:r>
-              <a:rPr lang="en-US"/>
+              <a:rPr lang="en-US" dirty="0"/>
               <a:t>IBM Cloud / DOC ID / Month XX, 2017 / © 2017 IBM Corporation</a:t>
             </a:r>
           </a:p>
@@ -18952,7 +18381,7 @@
               <a:pPr/>
               <a:t>‹#›</a:t>
             </a:fld>
-            <a:endParaRPr lang="en-US"/>
+            <a:endParaRPr lang="en-US" dirty="0"/>
           </a:p>
         </p:txBody>
       </p:sp>
@@ -18983,7 +18412,7 @@
               <a:rPr lang="de-DE"/>
               <a:t>IBM Cloud / DOC ID / Month XX, 2017 / © 2017 IBM Corporation</a:t>
             </a:r>
-            <a:endParaRPr lang="en-US"/>
+            <a:endParaRPr lang="en-US" dirty="0"/>
           </a:p>
         </p:txBody>
       </p:sp>
@@ -19058,7 +18487,7 @@
           </a:lstStyle>
           <a:p>
             <a:r>
-              <a:rPr lang="en-US"/>
+              <a:rPr lang="en-US" dirty="0"/>
               <a:t>Drag picture to placeholder or click icon to add</a:t>
             </a:r>
           </a:p>
@@ -19148,7 +18577,7 @@
               <a:pPr/>
               <a:t>‹#›</a:t>
             </a:fld>
-            <a:endParaRPr lang="en-US"/>
+            <a:endParaRPr lang="en-US" dirty="0"/>
           </a:p>
         </p:txBody>
       </p:sp>
@@ -19171,7 +18600,7 @@
               <a:rPr lang="de-DE"/>
               <a:t>IBM Cloud / DOC ID / Month XX, 2017 / © 2017 IBM Corporation</a:t>
             </a:r>
-            <a:endParaRPr lang="en-US"/>
+            <a:endParaRPr lang="en-US" dirty="0"/>
           </a:p>
         </p:txBody>
       </p:sp>
@@ -19270,7 +18699,7 @@
               <a:pPr/>
               <a:t>‹#›</a:t>
             </a:fld>
-            <a:endParaRPr lang="en-US"/>
+            <a:endParaRPr lang="en-US" dirty="0"/>
           </a:p>
         </p:txBody>
       </p:sp>
@@ -19301,7 +18730,7 @@
               <a:rPr lang="de-DE"/>
               <a:t>IBM Cloud / DOC ID / Month XX, 2017 / © 2017 IBM Corporation</a:t>
             </a:r>
-            <a:endParaRPr lang="en-US"/>
+            <a:endParaRPr lang="en-US" dirty="0"/>
           </a:p>
         </p:txBody>
       </p:sp>
@@ -19382,7 +18811,7 @@
               <a:pPr/>
               <a:t>‹#›</a:t>
             </a:fld>
-            <a:endParaRPr lang="en-US"/>
+            <a:endParaRPr lang="en-US" dirty="0"/>
           </a:p>
         </p:txBody>
       </p:sp>
@@ -19405,7 +18834,7 @@
               <a:rPr lang="de-DE"/>
               <a:t>IBM Cloud / DOC ID / Month XX, 2017 / © 2017 IBM Corporation</a:t>
             </a:r>
-            <a:endParaRPr lang="en-US"/>
+            <a:endParaRPr lang="en-US" dirty="0"/>
           </a:p>
         </p:txBody>
       </p:sp>
@@ -19609,7 +19038,7 @@
               <a:pPr/>
               <a:t>‹#›</a:t>
             </a:fld>
-            <a:endParaRPr lang="en-US"/>
+            <a:endParaRPr lang="en-US" dirty="0"/>
           </a:p>
         </p:txBody>
       </p:sp>
@@ -19632,7 +19061,7 @@
               <a:rPr lang="de-DE"/>
               <a:t>IBM Cloud / DOC ID / Month XX, 2017 / © 2017 IBM Corporation</a:t>
             </a:r>
-            <a:endParaRPr lang="en-US"/>
+            <a:endParaRPr lang="en-US" dirty="0"/>
           </a:p>
         </p:txBody>
       </p:sp>
@@ -19839,7 +19268,7 @@
               <a:pPr/>
               <a:t>‹#›</a:t>
             </a:fld>
-            <a:endParaRPr lang="en-US"/>
+            <a:endParaRPr lang="en-US" dirty="0"/>
           </a:p>
         </p:txBody>
       </p:sp>
@@ -19862,7 +19291,7 @@
               <a:rPr lang="de-DE"/>
               <a:t>IBM Cloud / DOC ID / Month XX, 2017 / © 2017 IBM Corporation</a:t>
             </a:r>
-            <a:endParaRPr lang="en-US"/>
+            <a:endParaRPr lang="en-US" dirty="0"/>
           </a:p>
         </p:txBody>
       </p:sp>
@@ -20096,7 +19525,7 @@
               <a:pPr/>
               <a:t>‹#›</a:t>
             </a:fld>
-            <a:endParaRPr lang="en-US"/>
+            <a:endParaRPr lang="en-US" dirty="0"/>
           </a:p>
         </p:txBody>
       </p:sp>
@@ -20119,7 +19548,7 @@
               <a:rPr lang="de-DE"/>
               <a:t>IBM Cloud / DOC ID / Month XX, 2017 / © 2017 IBM Corporation</a:t>
             </a:r>
-            <a:endParaRPr lang="en-US"/>
+            <a:endParaRPr lang="en-US" dirty="0"/>
           </a:p>
         </p:txBody>
       </p:sp>
@@ -20305,7 +19734,7 @@
               <a:pPr/>
               <a:t>‹#›</a:t>
             </a:fld>
-            <a:endParaRPr lang="en-US"/>
+            <a:endParaRPr lang="en-US" dirty="0"/>
           </a:p>
         </p:txBody>
       </p:sp>
@@ -20328,7 +19757,7 @@
               <a:rPr lang="de-DE"/>
               <a:t>IBM Cloud / DOC ID / Month XX, 2017 / © 2017 IBM Corporation</a:t>
             </a:r>
-            <a:endParaRPr lang="en-US"/>
+            <a:endParaRPr lang="en-US" dirty="0"/>
           </a:p>
         </p:txBody>
       </p:sp>
@@ -20730,7 +20159,7 @@
           <a:lstStyle/>
           <a:p>
             <a:r>
-              <a:rPr lang="en-US"/>
+              <a:rPr lang="en-US" dirty="0"/>
               <a:t>Drag picture to placeholder or click icon to add</a:t>
             </a:r>
           </a:p>
@@ -20783,7 +20212,7 @@
               <a:pPr/>
               <a:t>‹#›</a:t>
             </a:fld>
-            <a:endParaRPr lang="en-US"/>
+            <a:endParaRPr lang="en-US" dirty="0"/>
           </a:p>
         </p:txBody>
       </p:sp>
@@ -20806,7 +20235,7 @@
               <a:rPr lang="de-DE"/>
               <a:t>IBM Cloud / DOC ID / Month XX, 2017 / © 2017 IBM Corporation</a:t>
             </a:r>
-            <a:endParaRPr lang="en-US"/>
+            <a:endParaRPr lang="en-US" dirty="0"/>
           </a:p>
         </p:txBody>
       </p:sp>
@@ -20954,7 +20383,7 @@
           <a:lstStyle/>
           <a:p>
             <a:r>
-              <a:rPr lang="en-US"/>
+              <a:rPr lang="en-US" dirty="0"/>
               <a:t>Drag picture to placeholder or click icon to add</a:t>
             </a:r>
           </a:p>
@@ -21008,7 +20437,7 @@
               <a:pPr/>
               <a:t>‹#›</a:t>
             </a:fld>
-            <a:endParaRPr lang="en-US"/>
+            <a:endParaRPr lang="en-US" dirty="0"/>
           </a:p>
         </p:txBody>
       </p:sp>
@@ -21031,7 +20460,7 @@
               <a:rPr lang="de-DE"/>
               <a:t>IBM Cloud / DOC ID / Month XX, 2017 / © 2017 IBM Corporation</a:t>
             </a:r>
-            <a:endParaRPr lang="en-US"/>
+            <a:endParaRPr lang="en-US" dirty="0"/>
           </a:p>
         </p:txBody>
       </p:sp>
@@ -21287,7 +20716,7 @@
               <a:rPr lang="en-US" smtClean="0"/>
               <a:t>‹#›</a:t>
             </a:fld>
-            <a:endParaRPr lang="en-US"/>
+            <a:endParaRPr lang="en-US" dirty="0"/>
           </a:p>
         </p:txBody>
       </p:sp>
@@ -21315,7 +20744,7 @@
           </a:lstStyle>
           <a:p>
             <a:r>
-              <a:rPr lang="en-US"/>
+              <a:rPr lang="en-US" dirty="0"/>
               <a:t>IBM Cloud / DOC ID / Month XX, 2017 / © 2017 IBM Corporation</a:t>
             </a:r>
           </a:p>
@@ -21392,7 +20821,7 @@
           </a:lstStyle>
           <a:p>
             <a:r>
-              <a:rPr lang="en-US"/>
+              <a:rPr lang="en-US" dirty="0"/>
               <a:t>Drag picture to placeholder or click icon to add</a:t>
             </a:r>
           </a:p>
@@ -21475,7 +20904,7 @@
               <a:pPr/>
               <a:t>‹#›</a:t>
             </a:fld>
-            <a:endParaRPr lang="en-US"/>
+            <a:endParaRPr lang="en-US" dirty="0"/>
           </a:p>
         </p:txBody>
       </p:sp>
@@ -21498,7 +20927,7 @@
               <a:rPr lang="de-DE"/>
               <a:t>IBM Cloud / DOC ID / Month XX, 2017 / © 2017 IBM Corporation</a:t>
             </a:r>
-            <a:endParaRPr lang="en-US"/>
+            <a:endParaRPr lang="en-US" dirty="0"/>
           </a:p>
         </p:txBody>
       </p:sp>
@@ -21744,7 +21173,7 @@
           <a:lstStyle/>
           <a:p>
             <a:pPr algn="ctr"/>
-            <a:endParaRPr lang="en-US" sz="1200" err="1">
+            <a:endParaRPr lang="en-US" sz="1200" dirty="0">
               <a:solidFill>
                 <a:srgbClr val="FFFFFF"/>
               </a:solidFill>
@@ -21801,7 +21230,7 @@
               <a:pPr/>
               <a:t>‹#›</a:t>
             </a:fld>
-            <a:endParaRPr lang="en-US"/>
+            <a:endParaRPr lang="en-US" dirty="0"/>
           </a:p>
         </p:txBody>
       </p:sp>
@@ -21824,7 +21253,7 @@
               <a:rPr lang="de-DE"/>
               <a:t>IBM Cloud / DOC ID / Month XX, 2017 / © 2017 IBM Corporation</a:t>
             </a:r>
-            <a:endParaRPr lang="en-US"/>
+            <a:endParaRPr lang="en-US" dirty="0"/>
           </a:p>
         </p:txBody>
       </p:sp>
@@ -22008,7 +21437,7 @@
           <a:lstStyle/>
           <a:p>
             <a:r>
-              <a:rPr lang="en-US"/>
+              <a:rPr lang="en-US" dirty="0"/>
               <a:t>Drag picture to placeholder or click icon to add</a:t>
             </a:r>
           </a:p>
@@ -22062,7 +21491,7 @@
               <a:pPr/>
               <a:t>‹#›</a:t>
             </a:fld>
-            <a:endParaRPr lang="en-US"/>
+            <a:endParaRPr lang="en-US" dirty="0"/>
           </a:p>
         </p:txBody>
       </p:sp>
@@ -22085,7 +21514,7 @@
               <a:rPr lang="de-DE"/>
               <a:t>IBM Cloud / DOC ID / Month XX, 2017 / © 2017 IBM Corporation</a:t>
             </a:r>
-            <a:endParaRPr lang="en-US"/>
+            <a:endParaRPr lang="en-US" dirty="0"/>
           </a:p>
         </p:txBody>
       </p:sp>
@@ -22167,7 +21596,7 @@
               <a:pPr/>
               <a:t>‹#›</a:t>
             </a:fld>
-            <a:endParaRPr lang="en-US"/>
+            <a:endParaRPr lang="en-US" dirty="0"/>
           </a:p>
         </p:txBody>
       </p:sp>
@@ -22190,7 +21619,7 @@
               <a:rPr lang="de-DE"/>
               <a:t>IBM Cloud / DOC ID / Month XX, 2017 / © 2017 IBM Corporation</a:t>
             </a:r>
-            <a:endParaRPr lang="en-US"/>
+            <a:endParaRPr lang="en-US" dirty="0"/>
           </a:p>
         </p:txBody>
       </p:sp>
@@ -22272,7 +21701,7 @@
               <a:pPr/>
               <a:t>‹#›</a:t>
             </a:fld>
-            <a:endParaRPr lang="en-US"/>
+            <a:endParaRPr lang="en-US" dirty="0"/>
           </a:p>
         </p:txBody>
       </p:sp>
@@ -22295,7 +21724,7 @@
               <a:rPr lang="de-DE"/>
               <a:t>IBM Cloud / DOC ID / Month XX, 2017 / © 2017 IBM Corporation</a:t>
             </a:r>
-            <a:endParaRPr lang="en-US"/>
+            <a:endParaRPr lang="en-US" dirty="0"/>
           </a:p>
         </p:txBody>
       </p:sp>
@@ -22388,7 +21817,7 @@
               <a:pPr/>
               <a:t>‹#›</a:t>
             </a:fld>
-            <a:endParaRPr lang="en-US"/>
+            <a:endParaRPr lang="en-US" dirty="0"/>
           </a:p>
         </p:txBody>
       </p:sp>
@@ -22411,7 +21840,7 @@
               <a:rPr lang="de-DE"/>
               <a:t>IBM Cloud / DOC ID / Month XX, 2017 / © 2017 IBM Corporation</a:t>
             </a:r>
-            <a:endParaRPr lang="en-US"/>
+            <a:endParaRPr lang="en-US" dirty="0"/>
           </a:p>
         </p:txBody>
       </p:sp>
@@ -22753,7 +22182,7 @@
               <a:pPr/>
               <a:t>‹#›</a:t>
             </a:fld>
-            <a:endParaRPr lang="en-US"/>
+            <a:endParaRPr lang="en-US" dirty="0"/>
           </a:p>
         </p:txBody>
       </p:sp>
@@ -22776,7 +22205,7 @@
               <a:rPr lang="de-DE"/>
               <a:t>IBM Cloud / DOC ID / Month XX, 2017 / © 2017 IBM Corporation</a:t>
             </a:r>
-            <a:endParaRPr lang="en-US"/>
+            <a:endParaRPr lang="en-US" dirty="0"/>
           </a:p>
         </p:txBody>
       </p:sp>
@@ -23133,7 +22562,7 @@
               <a:pPr/>
               <a:t>‹#›</a:t>
             </a:fld>
-            <a:endParaRPr lang="en-US"/>
+            <a:endParaRPr lang="en-US" dirty="0"/>
           </a:p>
         </p:txBody>
       </p:sp>
@@ -23156,7 +22585,7 @@
               <a:rPr lang="de-DE"/>
               <a:t>IBM Cloud / DOC ID / Month XX, 2017 / © 2017 IBM Corporation</a:t>
             </a:r>
-            <a:endParaRPr lang="en-US"/>
+            <a:endParaRPr lang="en-US" dirty="0"/>
           </a:p>
         </p:txBody>
       </p:sp>
@@ -23249,7 +22678,7 @@
               <a:pPr/>
               <a:t>‹#›</a:t>
             </a:fld>
-            <a:endParaRPr lang="en-US"/>
+            <a:endParaRPr lang="en-US" dirty="0"/>
           </a:p>
         </p:txBody>
       </p:sp>
@@ -23272,7 +22701,7 @@
               <a:rPr lang="de-DE"/>
               <a:t>IBM Cloud / DOC ID / Month XX, 2017 / © 2017 IBM Corporation</a:t>
             </a:r>
-            <a:endParaRPr lang="en-US"/>
+            <a:endParaRPr lang="en-US" dirty="0"/>
           </a:p>
         </p:txBody>
       </p:sp>
@@ -23461,7 +22890,7 @@
               <a:pPr/>
               <a:t>‹#›</a:t>
             </a:fld>
-            <a:endParaRPr lang="en-US"/>
+            <a:endParaRPr lang="en-US" dirty="0"/>
           </a:p>
         </p:txBody>
       </p:sp>
@@ -23484,7 +22913,7 @@
               <a:rPr lang="de-DE"/>
               <a:t>IBM Cloud / DOC ID / Month XX, 2017 / © 2017 IBM Corporation</a:t>
             </a:r>
-            <a:endParaRPr lang="en-US"/>
+            <a:endParaRPr lang="en-US" dirty="0"/>
           </a:p>
         </p:txBody>
       </p:sp>
@@ -23572,7 +23001,7 @@
               <a:rPr lang="en-US" smtClean="0"/>
               <a:t>‹#›</a:t>
             </a:fld>
-            <a:endParaRPr lang="en-US"/>
+            <a:endParaRPr lang="en-US" dirty="0"/>
           </a:p>
         </p:txBody>
       </p:sp>
@@ -23592,7 +23021,7 @@
           <a:lstStyle/>
           <a:p>
             <a:r>
-              <a:rPr lang="en-US"/>
+              <a:rPr lang="en-US" dirty="0"/>
               <a:t>IBM Cloud / DOC ID / Month XX, 2017 / © 2017 IBM Corporation</a:t>
             </a:r>
           </a:p>
@@ -23947,7 +23376,7 @@
               <a:pPr/>
               <a:t>‹#›</a:t>
             </a:fld>
-            <a:endParaRPr lang="en-US"/>
+            <a:endParaRPr lang="en-US" dirty="0"/>
           </a:p>
         </p:txBody>
       </p:sp>
@@ -23970,7 +23399,7 @@
               <a:rPr lang="de-DE"/>
               <a:t>IBM Cloud / DOC ID / Month XX, 2017 / © 2017 IBM Corporation</a:t>
             </a:r>
-            <a:endParaRPr lang="en-US"/>
+            <a:endParaRPr lang="en-US" dirty="0"/>
           </a:p>
         </p:txBody>
       </p:sp>
@@ -24052,7 +23481,7 @@
               <a:pPr/>
               <a:t>‹#›</a:t>
             </a:fld>
-            <a:endParaRPr lang="en-US"/>
+            <a:endParaRPr lang="en-US" dirty="0"/>
           </a:p>
         </p:txBody>
       </p:sp>
@@ -24075,7 +23504,7 @@
               <a:rPr lang="de-DE"/>
               <a:t>IBM Cloud / DOC ID / Month XX, 2017 / © 2017 IBM Corporation</a:t>
             </a:r>
-            <a:endParaRPr lang="en-US"/>
+            <a:endParaRPr lang="en-US" dirty="0"/>
           </a:p>
         </p:txBody>
       </p:sp>
@@ -24234,7 +23663,7 @@
               <a:pPr/>
               <a:t>‹#›</a:t>
             </a:fld>
-            <a:endParaRPr lang="en-US"/>
+            <a:endParaRPr lang="en-US" dirty="0"/>
           </a:p>
         </p:txBody>
       </p:sp>
@@ -24257,7 +23686,7 @@
               <a:rPr lang="de-DE"/>
               <a:t>IBM Cloud / DOC ID / Month XX, 2017 / © 2017 IBM Corporation</a:t>
             </a:r>
-            <a:endParaRPr lang="en-US"/>
+            <a:endParaRPr lang="en-US" dirty="0"/>
           </a:p>
         </p:txBody>
       </p:sp>
@@ -24469,7 +23898,7 @@
               <a:pPr/>
               <a:t>‹#›</a:t>
             </a:fld>
-            <a:endParaRPr lang="en-US"/>
+            <a:endParaRPr lang="en-US" dirty="0"/>
           </a:p>
         </p:txBody>
       </p:sp>
@@ -24492,7 +23921,7 @@
               <a:rPr lang="de-DE"/>
               <a:t>IBM Cloud / DOC ID / Month XX, 2017 / © 2017 IBM Corporation</a:t>
             </a:r>
-            <a:endParaRPr lang="en-US"/>
+            <a:endParaRPr lang="en-US" dirty="0"/>
           </a:p>
         </p:txBody>
       </p:sp>
@@ -24647,7 +24076,7 @@
               <a:pPr/>
               <a:t>‹#›</a:t>
             </a:fld>
-            <a:endParaRPr lang="en-US"/>
+            <a:endParaRPr lang="en-US" dirty="0"/>
           </a:p>
         </p:txBody>
       </p:sp>
@@ -24670,7 +24099,7 @@
               <a:rPr lang="de-DE"/>
               <a:t>IBM Cloud / DOC ID / Month XX, 2017 / © 2017 IBM Corporation</a:t>
             </a:r>
-            <a:endParaRPr lang="en-US"/>
+            <a:endParaRPr lang="en-US" dirty="0"/>
           </a:p>
         </p:txBody>
       </p:sp>
@@ -24840,7 +24269,7 @@
           <a:lstStyle/>
           <a:p>
             <a:r>
-              <a:rPr lang="en-US"/>
+              <a:rPr lang="en-US" dirty="0"/>
               <a:t>Drag picture to placeholder or click icon to add</a:t>
             </a:r>
           </a:p>
@@ -24924,7 +24353,7 @@
               <a:pPr/>
               <a:t>‹#›</a:t>
             </a:fld>
-            <a:endParaRPr lang="en-US"/>
+            <a:endParaRPr lang="en-US" dirty="0"/>
           </a:p>
         </p:txBody>
       </p:sp>
@@ -24947,7 +24376,7 @@
               <a:rPr lang="de-DE"/>
               <a:t>IBM Cloud / DOC ID / Month XX, 2017 / © 2017 IBM Corporation</a:t>
             </a:r>
-            <a:endParaRPr lang="en-US"/>
+            <a:endParaRPr lang="en-US" dirty="0"/>
           </a:p>
         </p:txBody>
       </p:sp>
@@ -25221,7 +24650,7 @@
               <a:pPr/>
               <a:t>‹#›</a:t>
             </a:fld>
-            <a:endParaRPr lang="en-US"/>
+            <a:endParaRPr lang="en-US" dirty="0"/>
           </a:p>
         </p:txBody>
       </p:sp>
@@ -25244,7 +24673,7 @@
               <a:rPr lang="de-DE"/>
               <a:t>IBM Cloud / DOC ID / Month XX, 2017 / © 2017 IBM Corporation</a:t>
             </a:r>
-            <a:endParaRPr lang="en-US"/>
+            <a:endParaRPr lang="en-US" dirty="0"/>
           </a:p>
         </p:txBody>
       </p:sp>
@@ -25347,7 +24776,7 @@
           <a:lstStyle/>
           <a:p>
             <a:r>
-              <a:rPr lang="en-US"/>
+              <a:rPr lang="en-US" dirty="0"/>
               <a:t>Click icon to add table</a:t>
             </a:r>
           </a:p>
@@ -25403,7 +24832,7 @@
               <a:pPr/>
               <a:t>‹#›</a:t>
             </a:fld>
-            <a:endParaRPr lang="en-US"/>
+            <a:endParaRPr lang="en-US" dirty="0"/>
           </a:p>
         </p:txBody>
       </p:sp>
@@ -25426,7 +24855,7 @@
               <a:rPr lang="de-DE"/>
               <a:t>IBM Cloud / DOC ID / Month XX, 2017 / © 2017 IBM Corporation</a:t>
             </a:r>
-            <a:endParaRPr lang="en-US"/>
+            <a:endParaRPr lang="en-US" dirty="0"/>
           </a:p>
         </p:txBody>
       </p:sp>
@@ -25537,7 +24966,7 @@
               <a:pPr/>
               <a:t>‹#›</a:t>
             </a:fld>
-            <a:endParaRPr lang="en-US"/>
+            <a:endParaRPr lang="en-US" dirty="0"/>
           </a:p>
         </p:txBody>
       </p:sp>
@@ -25560,7 +24989,7 @@
               <a:rPr lang="de-DE"/>
               <a:t>IBM Cloud / DOC ID / Month XX, 2017 / © 2017 IBM Corporation</a:t>
             </a:r>
-            <a:endParaRPr lang="en-US"/>
+            <a:endParaRPr lang="en-US" dirty="0"/>
           </a:p>
         </p:txBody>
       </p:sp>
@@ -25739,7 +25168,7 @@
               <a:rPr lang="en-US" smtClean="0"/>
               <a:t>‹#›</a:t>
             </a:fld>
-            <a:endParaRPr lang="en-US"/>
+            <a:endParaRPr lang="en-US" dirty="0"/>
           </a:p>
         </p:txBody>
       </p:sp>
@@ -25767,7 +25196,7 @@
           </a:lstStyle>
           <a:p>
             <a:r>
-              <a:rPr lang="en-US"/>
+              <a:rPr lang="en-US" dirty="0"/>
               <a:t>IBM Cloud / DOC ID / Month XX, 2017 / © 2017 IBM Corporation</a:t>
             </a:r>
           </a:p>
@@ -25823,7 +25252,7 @@
               <a:pPr/>
               <a:t>‹#›</a:t>
             </a:fld>
-            <a:endParaRPr lang="en-US"/>
+            <a:endParaRPr lang="en-US" dirty="0"/>
           </a:p>
         </p:txBody>
       </p:sp>
@@ -25846,7 +25275,7 @@
               <a:rPr lang="de-DE"/>
               <a:t>IBM Cloud / DOC ID / Month XX, 2017 / © 2017 IBM Corporation</a:t>
             </a:r>
-            <a:endParaRPr lang="en-US"/>
+            <a:endParaRPr lang="en-US" dirty="0"/>
           </a:p>
         </p:txBody>
       </p:sp>
@@ -26169,7 +25598,7 @@
               <a:pPr/>
               <a:t>‹#›</a:t>
             </a:fld>
-            <a:endParaRPr lang="en-US"/>
+            <a:endParaRPr lang="en-US" dirty="0"/>
           </a:p>
         </p:txBody>
       </p:sp>
@@ -26290,7 +25719,7 @@
               <a:pPr/>
               <a:t>‹#›</a:t>
             </a:fld>
-            <a:endParaRPr lang="en-US"/>
+            <a:endParaRPr lang="en-US" dirty="0"/>
           </a:p>
         </p:txBody>
       </p:sp>
@@ -26634,7 +26063,7 @@
               <a:pPr/>
               <a:t>‹#›</a:t>
             </a:fld>
-            <a:endParaRPr lang="en-US"/>
+            <a:endParaRPr lang="en-US" dirty="0"/>
           </a:p>
         </p:txBody>
       </p:sp>
@@ -26665,7 +26094,7 @@
               <a:rPr lang="de-DE"/>
               <a:t>IBM Cloud / DOC ID / Month XX, 2017 / © 2017 IBM Corporation</a:t>
             </a:r>
-            <a:endParaRPr lang="en-US"/>
+            <a:endParaRPr lang="en-US" dirty="0"/>
           </a:p>
         </p:txBody>
       </p:sp>
@@ -26804,7 +26233,7 @@
               <a:pPr/>
               <a:t>‹#›</a:t>
             </a:fld>
-            <a:endParaRPr lang="en-US"/>
+            <a:endParaRPr lang="en-US" dirty="0"/>
           </a:p>
         </p:txBody>
       </p:sp>
@@ -26835,7 +26264,7 @@
               <a:rPr lang="de-DE"/>
               <a:t>IBM Cloud / DOC ID / Month XX, 2017 / © 2017 IBM Corporation</a:t>
             </a:r>
-            <a:endParaRPr lang="en-US"/>
+            <a:endParaRPr lang="en-US" dirty="0"/>
           </a:p>
         </p:txBody>
       </p:sp>
@@ -26910,7 +26339,7 @@
           </a:lstStyle>
           <a:p>
             <a:r>
-              <a:rPr lang="en-US"/>
+              <a:rPr lang="en-US" dirty="0"/>
               <a:t>Drag picture to placeholder or click icon to add</a:t>
             </a:r>
           </a:p>
@@ -27000,7 +26429,7 @@
               <a:pPr/>
               <a:t>‹#›</a:t>
             </a:fld>
-            <a:endParaRPr lang="en-US"/>
+            <a:endParaRPr lang="en-US" dirty="0"/>
           </a:p>
         </p:txBody>
       </p:sp>
@@ -27023,7 +26452,7 @@
               <a:rPr lang="de-DE"/>
               <a:t>IBM Cloud / DOC ID / Month XX, 2017 / © 2017 IBM Corporation</a:t>
             </a:r>
-            <a:endParaRPr lang="en-US"/>
+            <a:endParaRPr lang="en-US" dirty="0"/>
           </a:p>
         </p:txBody>
       </p:sp>
@@ -27122,7 +26551,7 @@
               <a:pPr/>
               <a:t>‹#›</a:t>
             </a:fld>
-            <a:endParaRPr lang="en-US"/>
+            <a:endParaRPr lang="en-US" dirty="0"/>
           </a:p>
         </p:txBody>
       </p:sp>
@@ -27237,7 +26666,7 @@
               <a:pPr/>
               <a:t>‹#›</a:t>
             </a:fld>
-            <a:endParaRPr lang="en-US"/>
+            <a:endParaRPr lang="en-US" dirty="0"/>
           </a:p>
         </p:txBody>
       </p:sp>
@@ -27471,7 +26900,7 @@
               <a:pPr/>
               <a:t>‹#›</a:t>
             </a:fld>
-            <a:endParaRPr lang="en-US"/>
+            <a:endParaRPr lang="en-US" dirty="0"/>
           </a:p>
         </p:txBody>
       </p:sp>
@@ -27494,7 +26923,7 @@
               <a:rPr lang="de-DE"/>
               <a:t>IBM Cloud / DOC ID / Month XX, 2017 / © 2017 IBM Corporation</a:t>
             </a:r>
-            <a:endParaRPr lang="en-US"/>
+            <a:endParaRPr lang="en-US" dirty="0"/>
           </a:p>
         </p:txBody>
       </p:sp>
@@ -27701,7 +27130,7 @@
               <a:rPr lang="en-US" smtClean="0"/>
               <a:t>‹#›</a:t>
             </a:fld>
-            <a:endParaRPr lang="en-US"/>
+            <a:endParaRPr lang="en-US" dirty="0"/>
           </a:p>
         </p:txBody>
       </p:sp>
@@ -27721,7 +27150,7 @@
           <a:lstStyle/>
           <a:p>
             <a:r>
-              <a:rPr lang="en-US"/>
+              <a:rPr lang="en-US" dirty="0"/>
               <a:t>IBM Cloud / DOC ID / Month XX, 2017 / © 2017 IBM Corporation</a:t>
             </a:r>
           </a:p>
@@ -27928,7 +27357,7 @@
               <a:pPr/>
               <a:t>‹#›</a:t>
             </a:fld>
-            <a:endParaRPr lang="en-US"/>
+            <a:endParaRPr lang="en-US" dirty="0"/>
           </a:p>
         </p:txBody>
       </p:sp>
@@ -27951,7 +27380,7 @@
               <a:rPr lang="de-DE"/>
               <a:t>IBM Cloud / DOC ID / Month XX, 2017 / © 2017 IBM Corporation</a:t>
             </a:r>
-            <a:endParaRPr lang="en-US"/>
+            <a:endParaRPr lang="en-US" dirty="0"/>
           </a:p>
         </p:txBody>
       </p:sp>
@@ -28185,7 +27614,7 @@
               <a:pPr/>
               <a:t>‹#›</a:t>
             </a:fld>
-            <a:endParaRPr lang="en-US"/>
+            <a:endParaRPr lang="en-US" dirty="0"/>
           </a:p>
         </p:txBody>
       </p:sp>
@@ -28208,7 +27637,7 @@
               <a:rPr lang="de-DE"/>
               <a:t>IBM Cloud / DOC ID / Month XX, 2017 / © 2017 IBM Corporation</a:t>
             </a:r>
-            <a:endParaRPr lang="en-US"/>
+            <a:endParaRPr lang="en-US" dirty="0"/>
           </a:p>
         </p:txBody>
       </p:sp>
@@ -28394,7 +27823,7 @@
               <a:pPr/>
               <a:t>‹#›</a:t>
             </a:fld>
-            <a:endParaRPr lang="en-US"/>
+            <a:endParaRPr lang="en-US" dirty="0"/>
           </a:p>
         </p:txBody>
       </p:sp>
@@ -28417,7 +27846,7 @@
               <a:rPr lang="de-DE"/>
               <a:t>IBM Cloud / DOC ID / Month XX, 2017 / © 2017 IBM Corporation</a:t>
             </a:r>
-            <a:endParaRPr lang="en-US"/>
+            <a:endParaRPr lang="en-US" dirty="0"/>
           </a:p>
         </p:txBody>
       </p:sp>
@@ -28819,7 +28248,7 @@
           <a:lstStyle/>
           <a:p>
             <a:r>
-              <a:rPr lang="en-US"/>
+              <a:rPr lang="en-US" dirty="0"/>
               <a:t>Drag picture to placeholder or click icon to add</a:t>
             </a:r>
           </a:p>
@@ -28872,7 +28301,7 @@
               <a:pPr/>
               <a:t>‹#›</a:t>
             </a:fld>
-            <a:endParaRPr lang="en-US"/>
+            <a:endParaRPr lang="en-US" dirty="0"/>
           </a:p>
         </p:txBody>
       </p:sp>
@@ -28895,7 +28324,7 @@
               <a:rPr lang="de-DE"/>
               <a:t>IBM Cloud / DOC ID / Month XX, 2017 / © 2017 IBM Corporation</a:t>
             </a:r>
-            <a:endParaRPr lang="en-US"/>
+            <a:endParaRPr lang="en-US" dirty="0"/>
           </a:p>
         </p:txBody>
       </p:sp>
@@ -29043,7 +28472,7 @@
           <a:lstStyle/>
           <a:p>
             <a:r>
-              <a:rPr lang="en-US"/>
+              <a:rPr lang="en-US" dirty="0"/>
               <a:t>Drag picture to placeholder or click icon to add</a:t>
             </a:r>
           </a:p>
@@ -29097,7 +28526,7 @@
               <a:pPr/>
               <a:t>‹#›</a:t>
             </a:fld>
-            <a:endParaRPr lang="en-US"/>
+            <a:endParaRPr lang="en-US" dirty="0"/>
           </a:p>
         </p:txBody>
       </p:sp>
@@ -29120,7 +28549,7 @@
               <a:rPr lang="de-DE"/>
               <a:t>IBM Cloud / DOC ID / Month XX, 2017 / © 2017 IBM Corporation</a:t>
             </a:r>
-            <a:endParaRPr lang="en-US"/>
+            <a:endParaRPr lang="en-US" dirty="0"/>
           </a:p>
         </p:txBody>
       </p:sp>
@@ -29360,7 +28789,7 @@
               <a:pPr/>
               <a:t>‹#›</a:t>
             </a:fld>
-            <a:endParaRPr lang="en-US"/>
+            <a:endParaRPr lang="en-US" dirty="0"/>
           </a:p>
         </p:txBody>
       </p:sp>
@@ -29383,7 +28812,7 @@
               <a:rPr lang="de-DE"/>
               <a:t>IBM Cloud / DOC ID / Month XX, 2017 / © 2017 IBM Corporation</a:t>
             </a:r>
-            <a:endParaRPr lang="en-US"/>
+            <a:endParaRPr lang="en-US" dirty="0"/>
           </a:p>
         </p:txBody>
       </p:sp>
@@ -29629,7 +29058,7 @@
           <a:lstStyle/>
           <a:p>
             <a:pPr algn="ctr"/>
-            <a:endParaRPr lang="en-US" sz="1200" err="1">
+            <a:endParaRPr lang="en-US" sz="1200" dirty="0">
               <a:solidFill>
                 <a:srgbClr val="FFFFFF"/>
               </a:solidFill>
@@ -29694,7 +29123,7 @@
               <a:pPr/>
               <a:t>‹#›</a:t>
             </a:fld>
-            <a:endParaRPr lang="en-US"/>
+            <a:endParaRPr lang="en-US" dirty="0"/>
           </a:p>
         </p:txBody>
       </p:sp>
@@ -29717,7 +29146,7 @@
               <a:rPr lang="de-DE"/>
               <a:t>IBM Cloud / DOC ID / Month XX, 2017 / © 2017 IBM Corporation</a:t>
             </a:r>
-            <a:endParaRPr lang="en-US"/>
+            <a:endParaRPr lang="en-US" dirty="0"/>
           </a:p>
         </p:txBody>
       </p:sp>
@@ -29901,7 +29330,7 @@
           <a:lstStyle/>
           <a:p>
             <a:r>
-              <a:rPr lang="en-US"/>
+              <a:rPr lang="en-US" dirty="0"/>
               <a:t>Drag picture to placeholder or click icon to add</a:t>
             </a:r>
           </a:p>
@@ -29955,7 +29384,7 @@
               <a:pPr/>
               <a:t>‹#›</a:t>
             </a:fld>
-            <a:endParaRPr lang="en-US"/>
+            <a:endParaRPr lang="en-US" dirty="0"/>
           </a:p>
         </p:txBody>
       </p:sp>
@@ -29978,7 +29407,7 @@
               <a:rPr lang="de-DE"/>
               <a:t>IBM Cloud / DOC ID / Month XX, 2017 / © 2017 IBM Corporation</a:t>
             </a:r>
-            <a:endParaRPr lang="en-US"/>
+            <a:endParaRPr lang="en-US" dirty="0"/>
           </a:p>
         </p:txBody>
       </p:sp>
@@ -30060,7 +29489,7 @@
               <a:pPr/>
               <a:t>‹#›</a:t>
             </a:fld>
-            <a:endParaRPr lang="en-US"/>
+            <a:endParaRPr lang="en-US" dirty="0"/>
           </a:p>
         </p:txBody>
       </p:sp>
@@ -30083,7 +29512,7 @@
               <a:rPr lang="de-DE"/>
               <a:t>IBM Cloud / DOC ID / Month XX, 2017 / © 2017 IBM Corporation</a:t>
             </a:r>
-            <a:endParaRPr lang="en-US"/>
+            <a:endParaRPr lang="en-US" dirty="0"/>
           </a:p>
         </p:txBody>
       </p:sp>
@@ -30165,7 +29594,7 @@
               <a:pPr/>
               <a:t>‹#›</a:t>
             </a:fld>
-            <a:endParaRPr lang="en-US"/>
+            <a:endParaRPr lang="en-US" dirty="0"/>
           </a:p>
         </p:txBody>
       </p:sp>
@@ -30188,7 +29617,7 @@
               <a:rPr lang="de-DE"/>
               <a:t>IBM Cloud / DOC ID / Month XX, 2017 / © 2017 IBM Corporation</a:t>
             </a:r>
-            <a:endParaRPr lang="en-US"/>
+            <a:endParaRPr lang="en-US" dirty="0"/>
           </a:p>
         </p:txBody>
       </p:sp>
@@ -30269,7 +29698,7 @@
               <a:rPr lang="en-US" smtClean="0"/>
               <a:t>‹#›</a:t>
             </a:fld>
-            <a:endParaRPr lang="en-US"/>
+            <a:endParaRPr lang="en-US" dirty="0"/>
           </a:p>
         </p:txBody>
       </p:sp>
@@ -30289,7 +29718,7 @@
           <a:lstStyle/>
           <a:p>
             <a:r>
-              <a:rPr lang="en-US"/>
+              <a:rPr lang="en-US" dirty="0"/>
               <a:t>IBM Cloud / DOC ID / Month XX, 2017 / © 2017 IBM Corporation</a:t>
             </a:r>
           </a:p>
@@ -30525,7 +29954,7 @@
               <a:pPr/>
               <a:t>‹#›</a:t>
             </a:fld>
-            <a:endParaRPr lang="en-US"/>
+            <a:endParaRPr lang="en-US" dirty="0"/>
           </a:p>
         </p:txBody>
       </p:sp>
@@ -30548,7 +29977,7 @@
               <a:rPr lang="de-DE"/>
               <a:t>IBM Cloud / DOC ID / Month XX, 2017 / © 2017 IBM Corporation</a:t>
             </a:r>
-            <a:endParaRPr lang="en-US"/>
+            <a:endParaRPr lang="en-US" dirty="0"/>
           </a:p>
         </p:txBody>
       </p:sp>
@@ -30898,7 +30327,7 @@
               <a:pPr/>
               <a:t>‹#›</a:t>
             </a:fld>
-            <a:endParaRPr lang="en-US"/>
+            <a:endParaRPr lang="en-US" dirty="0"/>
           </a:p>
         </p:txBody>
       </p:sp>
@@ -30929,7 +30358,7 @@
               <a:rPr lang="de-DE"/>
               <a:t>IBM Cloud / DOC ID / Month XX, 2017 / © 2017 IBM Corporation</a:t>
             </a:r>
-            <a:endParaRPr lang="en-US"/>
+            <a:endParaRPr lang="en-US" dirty="0"/>
           </a:p>
         </p:txBody>
       </p:sp>
@@ -31294,7 +30723,7 @@
               <a:pPr/>
               <a:t>‹#›</a:t>
             </a:fld>
-            <a:endParaRPr lang="en-US"/>
+            <a:endParaRPr lang="en-US" dirty="0"/>
           </a:p>
         </p:txBody>
       </p:sp>
@@ -31325,7 +30754,7 @@
               <a:rPr lang="de-DE"/>
               <a:t>IBM Cloud / DOC ID / Month XX, 2017 / © 2017 IBM Corporation</a:t>
             </a:r>
-            <a:endParaRPr lang="en-US"/>
+            <a:endParaRPr lang="en-US" dirty="0"/>
           </a:p>
         </p:txBody>
       </p:sp>
@@ -31418,7 +30847,7 @@
               <a:pPr/>
               <a:t>‹#›</a:t>
             </a:fld>
-            <a:endParaRPr lang="en-US"/>
+            <a:endParaRPr lang="en-US" dirty="0"/>
           </a:p>
         </p:txBody>
       </p:sp>
@@ -31441,7 +30870,7 @@
               <a:rPr lang="de-DE"/>
               <a:t>IBM Cloud / DOC ID / Month XX, 2017 / © 2017 IBM Corporation</a:t>
             </a:r>
-            <a:endParaRPr lang="en-US"/>
+            <a:endParaRPr lang="en-US" dirty="0"/>
           </a:p>
         </p:txBody>
       </p:sp>
@@ -31630,7 +31059,7 @@
               <a:pPr/>
               <a:t>‹#›</a:t>
             </a:fld>
-            <a:endParaRPr lang="en-US"/>
+            <a:endParaRPr lang="en-US" dirty="0"/>
           </a:p>
         </p:txBody>
       </p:sp>
@@ -31661,7 +31090,7 @@
               <a:rPr lang="de-DE"/>
               <a:t>IBM Cloud / DOC ID / Month XX, 2017 / © 2017 IBM Corporation</a:t>
             </a:r>
-            <a:endParaRPr lang="en-US"/>
+            <a:endParaRPr lang="en-US" dirty="0"/>
           </a:p>
         </p:txBody>
       </p:sp>
@@ -32022,7 +31451,7 @@
               <a:pPr/>
               <a:t>‹#›</a:t>
             </a:fld>
-            <a:endParaRPr lang="en-US"/>
+            <a:endParaRPr lang="en-US" dirty="0"/>
           </a:p>
         </p:txBody>
       </p:sp>
@@ -32053,7 +31482,7 @@
               <a:rPr lang="de-DE"/>
               <a:t>IBM Cloud / DOC ID / Month XX, 2017 / © 2017 IBM Corporation</a:t>
             </a:r>
-            <a:endParaRPr lang="en-US"/>
+            <a:endParaRPr lang="en-US" dirty="0"/>
           </a:p>
         </p:txBody>
       </p:sp>
@@ -32135,7 +31564,7 @@
               <a:pPr/>
               <a:t>‹#›</a:t>
             </a:fld>
-            <a:endParaRPr lang="en-US"/>
+            <a:endParaRPr lang="en-US" dirty="0"/>
           </a:p>
         </p:txBody>
       </p:sp>
@@ -32158,7 +31587,7 @@
               <a:rPr lang="de-DE"/>
               <a:t>IBM Cloud / DOC ID / Month XX, 2017 / © 2017 IBM Corporation</a:t>
             </a:r>
-            <a:endParaRPr lang="en-US"/>
+            <a:endParaRPr lang="en-US" dirty="0"/>
           </a:p>
         </p:txBody>
       </p:sp>
@@ -32317,7 +31746,7 @@
               <a:pPr/>
               <a:t>‹#›</a:t>
             </a:fld>
-            <a:endParaRPr lang="en-US"/>
+            <a:endParaRPr lang="en-US" dirty="0"/>
           </a:p>
         </p:txBody>
       </p:sp>
@@ -32340,7 +31769,7 @@
               <a:rPr lang="de-DE"/>
               <a:t>IBM Cloud / DOC ID / Month XX, 2017 / © 2017 IBM Corporation</a:t>
             </a:r>
-            <a:endParaRPr lang="en-US"/>
+            <a:endParaRPr lang="en-US" dirty="0"/>
           </a:p>
         </p:txBody>
       </p:sp>
@@ -32551,7 +31980,7 @@
               <a:pPr/>
               <a:t>‹#›</a:t>
             </a:fld>
-            <a:endParaRPr lang="en-US"/>
+            <a:endParaRPr lang="en-US" dirty="0"/>
           </a:p>
         </p:txBody>
       </p:sp>
@@ -32574,7 +32003,7 @@
               <a:rPr lang="de-DE"/>
               <a:t>IBM Cloud / DOC ID / Month XX, 2017 / © 2017 IBM Corporation</a:t>
             </a:r>
-            <a:endParaRPr lang="en-US"/>
+            <a:endParaRPr lang="en-US" dirty="0"/>
           </a:p>
         </p:txBody>
       </p:sp>
@@ -32729,7 +32158,7 @@
               <a:pPr/>
               <a:t>‹#›</a:t>
             </a:fld>
-            <a:endParaRPr lang="en-US"/>
+            <a:endParaRPr lang="en-US" dirty="0"/>
           </a:p>
         </p:txBody>
       </p:sp>
@@ -32752,7 +32181,7 @@
               <a:rPr lang="de-DE"/>
               <a:t>IBM Cloud / DOC ID / Month XX, 2017 / © 2017 IBM Corporation</a:t>
             </a:r>
-            <a:endParaRPr lang="en-US"/>
+            <a:endParaRPr lang="en-US" dirty="0"/>
           </a:p>
         </p:txBody>
       </p:sp>
@@ -32922,7 +32351,7 @@
           <a:lstStyle/>
           <a:p>
             <a:r>
-              <a:rPr lang="en-US"/>
+              <a:rPr lang="en-US" dirty="0"/>
               <a:t>Drag picture to placeholder or click icon to add</a:t>
             </a:r>
           </a:p>
@@ -33099,7 +32528,7 @@
               <a:pPr/>
               <a:t>‹#›</a:t>
             </a:fld>
-            <a:endParaRPr lang="en-US"/>
+            <a:endParaRPr lang="en-US" dirty="0"/>
           </a:p>
         </p:txBody>
       </p:sp>
@@ -33138,7 +32567,7 @@
           </a:lstStyle>
           <a:p>
             <a:r>
-              <a:rPr lang="en-US"/>
+              <a:rPr lang="en-US" dirty="0"/>
               <a:t>IBM Cloud / DOC ID / Month XX, 2017 / © 2017 IBM Corporation</a:t>
             </a:r>
           </a:p>
@@ -33472,7 +32901,7 @@
   </p:txStyles>
   <p:extLst mod="1">
     <p:ext uri="{27BBF7A9-308A-43DC-89C8-2F10F3537804}">
-      <p15:sldGuideLst xmlns="" xmlns:p15="http://schemas.microsoft.com/office/powerpoint/2012/main">
+      <p15:sldGuideLst xmlns:p15="http://schemas.microsoft.com/office/powerpoint/2012/main" xmlns="">
         <p15:guide id="1" pos="1296">
           <p15:clr>
             <a:srgbClr val="F26B43"/>
@@ -33741,7 +33170,7 @@
               <a:pPr/>
               <a:t>‹#›</a:t>
             </a:fld>
-            <a:endParaRPr lang="en-US"/>
+            <a:endParaRPr lang="en-US" dirty="0"/>
           </a:p>
         </p:txBody>
       </p:sp>
@@ -34118,7 +33547,7 @@
   </p:txStyles>
   <p:extLst mod="1">
     <p:ext uri="{27BBF7A9-308A-43DC-89C8-2F10F3537804}">
-      <p15:sldGuideLst xmlns="" xmlns:p15="http://schemas.microsoft.com/office/powerpoint/2012/main">
+      <p15:sldGuideLst xmlns:p15="http://schemas.microsoft.com/office/powerpoint/2012/main" xmlns="">
         <p15:guide id="1" pos="1296">
           <p15:clr>
             <a:srgbClr val="F26B43"/>
@@ -34387,7 +33816,7 @@
               <a:pPr/>
               <a:t>‹#›</a:t>
             </a:fld>
-            <a:endParaRPr lang="en-US"/>
+            <a:endParaRPr lang="en-US" dirty="0"/>
           </a:p>
         </p:txBody>
       </p:sp>
@@ -34767,7 +34196,7 @@
   </p:txStyles>
   <p:extLst mod="1">
     <p:ext uri="{27BBF7A9-308A-43DC-89C8-2F10F3537804}">
-      <p15:sldGuideLst xmlns="" xmlns:p15="http://schemas.microsoft.com/office/powerpoint/2012/main">
+      <p15:sldGuideLst xmlns:p15="http://schemas.microsoft.com/office/powerpoint/2012/main" xmlns="">
         <p15:guide id="1" pos="1296">
           <p15:clr>
             <a:srgbClr val="F26B43"/>
@@ -35036,7 +34465,7 @@
               <a:pPr/>
               <a:t>‹#›</a:t>
             </a:fld>
-            <a:endParaRPr lang="en-US"/>
+            <a:endParaRPr lang="en-US" dirty="0"/>
           </a:p>
         </p:txBody>
       </p:sp>
@@ -35371,7 +34800,7 @@
   </p:txStyles>
   <p:extLst mod="1">
     <p:ext uri="{27BBF7A9-308A-43DC-89C8-2F10F3537804}">
-      <p15:sldGuideLst xmlns="" xmlns:p15="http://schemas.microsoft.com/office/powerpoint/2012/main">
+      <p15:sldGuideLst xmlns:p15="http://schemas.microsoft.com/office/powerpoint/2012/main" xmlns="">
         <p15:guide id="1" pos="1296">
           <p15:clr>
             <a:srgbClr val="F26B43"/>
@@ -35640,7 +35069,7 @@
               <a:pPr/>
               <a:t>‹#›</a:t>
             </a:fld>
-            <a:endParaRPr lang="en-US"/>
+            <a:endParaRPr lang="en-US" dirty="0"/>
           </a:p>
         </p:txBody>
       </p:sp>
@@ -35935,7 +35364,7 @@
   </p:txStyles>
   <p:extLst mod="1">
     <p:ext uri="{27BBF7A9-308A-43DC-89C8-2F10F3537804}">
-      <p15:sldGuideLst xmlns="" xmlns:p15="http://schemas.microsoft.com/office/powerpoint/2012/main">
+      <p15:sldGuideLst xmlns:p15="http://schemas.microsoft.com/office/powerpoint/2012/main" xmlns="">
         <p15:guide id="1" pos="1296">
           <p15:clr>
             <a:srgbClr val="F26B43"/>
@@ -36066,229 +35495,6 @@
       </p:grpSpPr>
       <p:sp>
         <p:nvSpPr>
-          <p:cNvPr id="9217" name="Rectangle 1"/>
-          <p:cNvSpPr>
-            <a:spLocks/>
-          </p:cNvSpPr>
-          <p:nvPr/>
-        </p:nvSpPr>
-        <p:spPr bwMode="auto">
-          <a:xfrm>
-            <a:off x="8564850" y="4892764"/>
-            <a:ext cx="182342" cy="192601"/>
-          </a:xfrm>
-          <a:prstGeom prst="rect">
-            <a:avLst/>
-          </a:prstGeom>
-          <a:noFill/>
-          <a:ln>
-            <a:noFill/>
-          </a:ln>
-          <a:effectLst/>
-          <a:extLst>
-            <a:ext uri="{909E8E84-426E-40DD-AFC4-6F175D3DCCD1}">
-              <a14:hiddenFill xmlns:a14="http://schemas.microsoft.com/office/drawing/2010/main">
-                <a:solidFill>
-                  <a:srgbClr val="FFFFFF"/>
-                </a:solidFill>
-              </a14:hiddenFill>
-            </a:ext>
-            <a:ext uri="{91240B29-F687-4F45-9708-019B960494DF}">
-              <a14:hiddenLine xmlns:a14="http://schemas.microsoft.com/office/drawing/2010/main" w="12700" cap="flat" cmpd="sng">
-                <a:solidFill>
-                  <a:srgbClr val="000000"/>
-                </a:solidFill>
-                <a:prstDash val="solid"/>
-                <a:miter lim="400000"/>
-                <a:headEnd type="none" w="med" len="med"/>
-                <a:tailEnd type="none" w="med" len="med"/>
-              </a14:hiddenLine>
-            </a:ext>
-            <a:ext uri="{AF507438-7753-43E0-B8FC-AC1667EBCBE1}">
-              <a14:hiddenEffects xmlns:a14="http://schemas.microsoft.com/office/drawing/2010/main">
-                <a:effectLst>
-                  <a:outerShdw blurRad="63500" dist="38099" dir="2700000" algn="ctr" rotWithShape="0">
-                    <a:srgbClr val="000000">
-                      <a:alpha val="74998"/>
-                    </a:srgbClr>
-                  </a:outerShdw>
-                </a:effectLst>
-              </a14:hiddenEffects>
-            </a:ext>
-          </a:extLst>
-        </p:spPr>
-        <p:txBody>
-          <a:bodyPr wrap="none" lIns="26789" tIns="26789" rIns="26789" bIns="26789">
-            <a:spAutoFit/>
-          </a:bodyPr>
-          <a:lstStyle>
-            <a:lvl1pPr>
-              <a:defRPr sz="5000">
-                <a:solidFill>
-                  <a:srgbClr val="FFFFFF"/>
-                </a:solidFill>
-                <a:latin typeface="Helvetica Light" charset="0"/>
-                <a:ea typeface="Helvetica Light" charset="0"/>
-                <a:cs typeface="Helvetica Light" charset="0"/>
-                <a:sym typeface="Helvetica Light" charset="0"/>
-              </a:defRPr>
-            </a:lvl1pPr>
-            <a:lvl2pPr marL="742950" indent="-285750">
-              <a:defRPr sz="5000">
-                <a:solidFill>
-                  <a:srgbClr val="FFFFFF"/>
-                </a:solidFill>
-                <a:latin typeface="Helvetica Light" charset="0"/>
-                <a:ea typeface="Helvetica Light" charset="0"/>
-                <a:cs typeface="Helvetica Light" charset="0"/>
-                <a:sym typeface="Helvetica Light" charset="0"/>
-              </a:defRPr>
-            </a:lvl2pPr>
-            <a:lvl3pPr marL="1143000" indent="-228600">
-              <a:defRPr sz="5000">
-                <a:solidFill>
-                  <a:srgbClr val="FFFFFF"/>
-                </a:solidFill>
-                <a:latin typeface="Helvetica Light" charset="0"/>
-                <a:ea typeface="Helvetica Light" charset="0"/>
-                <a:cs typeface="Helvetica Light" charset="0"/>
-                <a:sym typeface="Helvetica Light" charset="0"/>
-              </a:defRPr>
-            </a:lvl3pPr>
-            <a:lvl4pPr marL="1600200" indent="-228600">
-              <a:defRPr sz="5000">
-                <a:solidFill>
-                  <a:srgbClr val="FFFFFF"/>
-                </a:solidFill>
-                <a:latin typeface="Helvetica Light" charset="0"/>
-                <a:ea typeface="Helvetica Light" charset="0"/>
-                <a:cs typeface="Helvetica Light" charset="0"/>
-                <a:sym typeface="Helvetica Light" charset="0"/>
-              </a:defRPr>
-            </a:lvl4pPr>
-            <a:lvl5pPr marL="2057400" indent="-228600">
-              <a:defRPr sz="5000">
-                <a:solidFill>
-                  <a:srgbClr val="FFFFFF"/>
-                </a:solidFill>
-                <a:latin typeface="Helvetica Light" charset="0"/>
-                <a:ea typeface="Helvetica Light" charset="0"/>
-                <a:cs typeface="Helvetica Light" charset="0"/>
-                <a:sym typeface="Helvetica Light" charset="0"/>
-              </a:defRPr>
-            </a:lvl5pPr>
-            <a:lvl6pPr marL="2514600" indent="-228600" defTabSz="820738" eaLnBrk="0" fontAlgn="base" hangingPunct="0">
-              <a:spcBef>
-                <a:spcPct val="0"/>
-              </a:spcBef>
-              <a:spcAft>
-                <a:spcPct val="0"/>
-              </a:spcAft>
-              <a:defRPr sz="5000">
-                <a:solidFill>
-                  <a:srgbClr val="FFFFFF"/>
-                </a:solidFill>
-                <a:latin typeface="Helvetica Light" charset="0"/>
-                <a:ea typeface="Helvetica Light" charset="0"/>
-                <a:cs typeface="Helvetica Light" charset="0"/>
-                <a:sym typeface="Helvetica Light" charset="0"/>
-              </a:defRPr>
-            </a:lvl6pPr>
-            <a:lvl7pPr marL="2971800" indent="-228600" defTabSz="820738" eaLnBrk="0" fontAlgn="base" hangingPunct="0">
-              <a:spcBef>
-                <a:spcPct val="0"/>
-              </a:spcBef>
-              <a:spcAft>
-                <a:spcPct val="0"/>
-              </a:spcAft>
-              <a:defRPr sz="5000">
-                <a:solidFill>
-                  <a:srgbClr val="FFFFFF"/>
-                </a:solidFill>
-                <a:latin typeface="Helvetica Light" charset="0"/>
-                <a:ea typeface="Helvetica Light" charset="0"/>
-                <a:cs typeface="Helvetica Light" charset="0"/>
-                <a:sym typeface="Helvetica Light" charset="0"/>
-              </a:defRPr>
-            </a:lvl7pPr>
-            <a:lvl8pPr marL="3429000" indent="-228600" defTabSz="820738" eaLnBrk="0" fontAlgn="base" hangingPunct="0">
-              <a:spcBef>
-                <a:spcPct val="0"/>
-              </a:spcBef>
-              <a:spcAft>
-                <a:spcPct val="0"/>
-              </a:spcAft>
-              <a:defRPr sz="5000">
-                <a:solidFill>
-                  <a:srgbClr val="FFFFFF"/>
-                </a:solidFill>
-                <a:latin typeface="Helvetica Light" charset="0"/>
-                <a:ea typeface="Helvetica Light" charset="0"/>
-                <a:cs typeface="Helvetica Light" charset="0"/>
-                <a:sym typeface="Helvetica Light" charset="0"/>
-              </a:defRPr>
-            </a:lvl8pPr>
-            <a:lvl9pPr marL="3886200" indent="-228600" defTabSz="820738" eaLnBrk="0" fontAlgn="base" hangingPunct="0">
-              <a:spcBef>
-                <a:spcPct val="0"/>
-              </a:spcBef>
-              <a:spcAft>
-                <a:spcPct val="0"/>
-              </a:spcAft>
-              <a:defRPr sz="5000">
-                <a:solidFill>
-                  <a:srgbClr val="FFFFFF"/>
-                </a:solidFill>
-                <a:latin typeface="Helvetica Light" charset="0"/>
-                <a:ea typeface="Helvetica Light" charset="0"/>
-                <a:cs typeface="Helvetica Light" charset="0"/>
-                <a:sym typeface="Helvetica Light" charset="0"/>
-              </a:defRPr>
-            </a:lvl9pPr>
-          </a:lstStyle>
-          <a:p>
-            <a:pPr algn="ctr" defTabSz="307777" fontAlgn="base">
-              <a:spcBef>
-                <a:spcPct val="0"/>
-              </a:spcBef>
-              <a:spcAft>
-                <a:spcPct val="0"/>
-              </a:spcAft>
-            </a:pPr>
-            <a:fld id="{AD765F9D-9C1E-A649-8CE3-03436531233E}" type="slidenum">
-              <a:rPr lang="en-US" altLang="en-US" sz="900" b="1">
-                <a:solidFill>
-                  <a:srgbClr val="0090CC"/>
-                </a:solidFill>
-                <a:latin typeface="Arial" charset="0"/>
-                <a:ea typeface="Arial" charset="0"/>
-                <a:cs typeface="Arial" charset="0"/>
-                <a:sym typeface="Helvetica" charset="0"/>
-              </a:rPr>
-              <a:pPr algn="ctr" defTabSz="307777" fontAlgn="base">
-                <a:spcBef>
-                  <a:spcPct val="0"/>
-                </a:spcBef>
-                <a:spcAft>
-                  <a:spcPct val="0"/>
-                </a:spcAft>
-              </a:pPr>
-              <a:t>1</a:t>
-            </a:fld>
-            <a:endParaRPr lang="en-US" altLang="en-US" sz="900" b="1">
-              <a:solidFill>
-                <a:srgbClr val="0090CC"/>
-              </a:solidFill>
-              <a:latin typeface="Arial" charset="0"/>
-              <a:ea typeface="Arial" charset="0"/>
-              <a:cs typeface="Arial" charset="0"/>
-              <a:sym typeface="Helvetica" charset="0"/>
-            </a:endParaRPr>
-          </a:p>
-        </p:txBody>
-      </p:sp>
-      <p:sp>
-        <p:nvSpPr>
           <p:cNvPr id="9218" name="Rectangle 2"/>
           <p:cNvSpPr>
             <a:spLocks/>
@@ -36478,7 +35684,7 @@
               <a:buFont typeface="Arial" charset="0"/>
               <a:buChar char="•"/>
             </a:pPr>
-            <a:endParaRPr lang="en-US" altLang="en-US" sz="1500">
+            <a:endParaRPr lang="en-US" altLang="en-US" sz="1500" dirty="0">
               <a:solidFill>
                 <a:srgbClr val="00AFD9"/>
               </a:solidFill>
@@ -36524,12 +35730,16 @@
               </a:rPr>
             </a:br>
             <a:r>
-              <a:rPr lang="en-US" sz="1500" i="1" dirty="0">
+              <a:rPr lang="en-US" sz="1500" i="1" dirty="0" smtClean="0">
                 <a:latin typeface="Arial" charset="0"/>
                 <a:sym typeface="Helvetica Neue for IBM Light" charset="0"/>
               </a:rPr>
-              <a:t>Charts, Tiller and repos</a:t>
-            </a:r>
+              <a:t>Basics</a:t>
+            </a:r>
+            <a:endParaRPr lang="en-US" sz="1500" i="1" dirty="0">
+              <a:latin typeface="Arial" charset="0"/>
+              <a:sym typeface="Helvetica Neue for IBM Light" charset="0"/>
+            </a:endParaRPr>
           </a:p>
         </p:txBody>
       </p:sp>
@@ -36566,7 +35776,7 @@
       </p:grpSpPr>
       <p:sp>
         <p:nvSpPr>
-          <p:cNvPr id="2" name="Title 1"/>
+          <p:cNvPr id="6" name="Title 5"/>
           <p:cNvSpPr>
             <a:spLocks noGrp="1"/>
           </p:cNvSpPr>
@@ -36574,118 +35784,1066 @@
             <p:ph type="title"/>
           </p:nvPr>
         </p:nvSpPr>
-        <p:spPr/>
+        <p:spPr>
+          <a:xfrm>
+            <a:off x="228600" y="201168"/>
+            <a:ext cx="8764200" cy="4491101"/>
+          </a:xfrm>
+        </p:spPr>
         <p:txBody>
           <a:bodyPr/>
           <a:lstStyle/>
           <a:p>
             <a:r>
-              <a:rPr lang="en-US" dirty="0"/>
-              <a:t>IBM Cloud Private catalog</a:t>
-            </a:r>
-          </a:p>
-        </p:txBody>
-      </p:sp>
-      <p:sp>
-        <p:nvSpPr>
-          <p:cNvPr id="3" name="Slide Number Placeholder 2"/>
-          <p:cNvSpPr>
-            <a:spLocks noGrp="1"/>
-          </p:cNvSpPr>
-          <p:nvPr>
-            <p:ph type="sldNum" sz="quarter" idx="10"/>
-          </p:nvPr>
-        </p:nvSpPr>
-        <p:spPr/>
+              <a:rPr lang="en-US" dirty="0" smtClean="0"/>
+              <a:t>Deploying </a:t>
+            </a:r>
+            <a:r>
+              <a:rPr lang="en-US" dirty="0"/>
+              <a:t>an </a:t>
+            </a:r>
+            <a:r>
+              <a:rPr lang="en-US" dirty="0" smtClean="0"/>
+              <a:t>application with its Helm chart</a:t>
+            </a:r>
+            <a:endParaRPr lang="en-US" dirty="0"/>
+          </a:p>
+        </p:txBody>
+      </p:sp>
+      <p:sp>
+        <p:nvSpPr>
+          <p:cNvPr id="7" name="Content Placeholder 6"/>
+          <p:cNvSpPr>
+            <a:spLocks noGrp="1"/>
+          </p:cNvSpPr>
+          <p:nvPr>
+            <p:ph sz="half" idx="1"/>
+          </p:nvPr>
+        </p:nvSpPr>
+        <p:spPr>
+          <a:xfrm>
+            <a:off x="221400" y="886936"/>
+            <a:ext cx="5284364" cy="4168132"/>
+          </a:xfrm>
+          <a:solidFill>
+            <a:schemeClr val="bg2"/>
+          </a:solidFill>
+          <a:ln w="9525">
+            <a:solidFill>
+              <a:schemeClr val="tx1"/>
+            </a:solidFill>
+          </a:ln>
+        </p:spPr>
         <p:txBody>
           <a:bodyPr/>
           <a:lstStyle/>
           <a:p>
-            <a:pPr defTabSz="455474"/>
-            <a:fld id="{E9549862-13E2-C34D-815E-8545BD36FC59}" type="slidenum">
-              <a:rPr lang="en-US" smtClean="0">
-                <a:solidFill>
-                  <a:srgbClr val="6D7777"/>
-                </a:solidFill>
+            <a:r>
+              <a:rPr lang="en-US" sz="1200" dirty="0" smtClean="0">
+                <a:latin typeface="Courier" charset="0"/>
+                <a:ea typeface="Courier" charset="0"/>
+                <a:cs typeface="Courier" charset="0"/>
               </a:rPr>
-              <a:pPr defTabSz="455474"/>
-              <a:t>10</a:t>
-            </a:fld>
-            <a:endParaRPr lang="en-US" dirty="0">
-              <a:solidFill>
-                <a:srgbClr val="6D7777"/>
-              </a:solidFill>
-            </a:endParaRPr>
-          </a:p>
-        </p:txBody>
-      </p:sp>
-      <p:pic>
-        <p:nvPicPr>
-          <p:cNvPr id="5" name="Content Placeholder 4"/>
-          <p:cNvPicPr>
-            <a:picLocks noGrp="1" noChangeAspect="1"/>
-          </p:cNvPicPr>
-          <p:nvPr>
-            <p:ph sz="quarter" idx="11"/>
-          </p:nvPr>
-        </p:nvPicPr>
-        <p:blipFill>
-          <a:blip r:embed="rId3"/>
-          <a:stretch>
-            <a:fillRect/>
-          </a:stretch>
-        </p:blipFill>
-        <p:spPr>
-          <a:xfrm>
-            <a:off x="1748800" y="1249426"/>
-            <a:ext cx="5253493" cy="3114945"/>
-          </a:xfrm>
-          <a:prstGeom prst="rect">
-            <a:avLst/>
-          </a:prstGeom>
-        </p:spPr>
-      </p:pic>
-      <p:sp>
-        <p:nvSpPr>
-          <p:cNvPr id="6" name="TextBox 5"/>
-          <p:cNvSpPr txBox="1"/>
-          <p:nvPr/>
-        </p:nvSpPr>
-        <p:spPr>
-          <a:xfrm>
-            <a:off x="1748801" y="912796"/>
-            <a:ext cx="2090637" cy="222240"/>
-          </a:xfrm>
-          <a:prstGeom prst="rect">
-            <a:avLst/>
-          </a:prstGeom>
-          <a:noFill/>
-        </p:spPr>
-        <p:txBody>
-          <a:bodyPr wrap="none" rtlCol="0">
-            <a:spAutoFit/>
-          </a:bodyPr>
+              <a:t> $ </a:t>
+            </a:r>
+            <a:r>
+              <a:rPr lang="en-US" sz="1200" b="1" dirty="0">
+                <a:latin typeface="Courier" charset="0"/>
+                <a:ea typeface="Courier" charset="0"/>
+                <a:cs typeface="Courier" charset="0"/>
+              </a:rPr>
+              <a:t>helm search mysql</a:t>
+            </a:r>
+          </a:p>
+          <a:p>
+            <a:r>
+              <a:rPr lang="en-US" sz="900" dirty="0" smtClean="0">
+                <a:latin typeface="Courier" charset="0"/>
+                <a:ea typeface="Courier" charset="0"/>
+                <a:cs typeface="Courier" charset="0"/>
+              </a:rPr>
+              <a:t>  NAME               </a:t>
+            </a:r>
+            <a:r>
+              <a:rPr lang="en-US" sz="900" dirty="0">
+                <a:latin typeface="Courier" charset="0"/>
+                <a:ea typeface="Courier" charset="0"/>
+                <a:cs typeface="Courier" charset="0"/>
+              </a:rPr>
+              <a:t>	VERSION	DESCRIPTION</a:t>
+            </a:r>
+            <a:br>
+              <a:rPr lang="en-US" sz="900" dirty="0">
+                <a:latin typeface="Courier" charset="0"/>
+                <a:ea typeface="Courier" charset="0"/>
+                <a:cs typeface="Courier" charset="0"/>
+              </a:rPr>
+            </a:br>
+            <a:r>
+              <a:rPr lang="en-US" sz="900" dirty="0" smtClean="0">
+                <a:latin typeface="Courier" charset="0"/>
+                <a:ea typeface="Courier" charset="0"/>
+                <a:cs typeface="Courier" charset="0"/>
+              </a:rPr>
+              <a:t>  stable/mysql</a:t>
+            </a:r>
+            <a:r>
+              <a:rPr lang="en-US" sz="900" dirty="0">
+                <a:latin typeface="Courier" charset="0"/>
+                <a:ea typeface="Courier" charset="0"/>
+                <a:cs typeface="Courier" charset="0"/>
+              </a:rPr>
+              <a:t>	0.1.1	</a:t>
+            </a:r>
+            <a:r>
+              <a:rPr lang="en-US" sz="900" dirty="0" smtClean="0">
+                <a:latin typeface="Courier" charset="0"/>
+                <a:ea typeface="Courier" charset="0"/>
+                <a:cs typeface="Courier" charset="0"/>
+              </a:rPr>
+              <a:t>              Chart </a:t>
+            </a:r>
+            <a:r>
+              <a:rPr lang="en-US" sz="900" dirty="0">
+                <a:latin typeface="Courier" charset="0"/>
+                <a:ea typeface="Courier" charset="0"/>
+                <a:cs typeface="Courier" charset="0"/>
+              </a:rPr>
+              <a:t>for MySQL</a:t>
+            </a:r>
+          </a:p>
+          <a:p>
+            <a:pPr marL="0" lvl="1" indent="0">
+              <a:buNone/>
+            </a:pPr>
+            <a:r>
+              <a:rPr lang="en-US" sz="1200" dirty="0" smtClean="0">
+                <a:latin typeface="Courier" charset="0"/>
+                <a:ea typeface="Courier" charset="0"/>
+                <a:cs typeface="Courier" charset="0"/>
+              </a:rPr>
+              <a:t> $ </a:t>
+            </a:r>
+            <a:r>
+              <a:rPr lang="en-US" sz="1200" b="1" dirty="0" smtClean="0">
+                <a:latin typeface="Courier" charset="0"/>
+                <a:ea typeface="Courier" charset="0"/>
+                <a:cs typeface="Courier" charset="0"/>
+              </a:rPr>
+              <a:t>helm install stable/mysql</a:t>
+            </a:r>
+          </a:p>
+          <a:p>
+            <a:pPr marL="0" lvl="1" indent="0">
+              <a:buNone/>
+            </a:pPr>
+            <a:r>
+              <a:rPr lang="en-US" sz="900" dirty="0" smtClean="0">
+                <a:latin typeface="Courier" charset="0"/>
+                <a:ea typeface="Courier" charset="0"/>
+                <a:cs typeface="Courier" charset="0"/>
+              </a:rPr>
+              <a:t>  Fetched stable/mysql to mysql-0.1.1.tgz</a:t>
+            </a:r>
+            <a:br>
+              <a:rPr lang="en-US" sz="900" dirty="0" smtClean="0">
+                <a:latin typeface="Courier" charset="0"/>
+                <a:ea typeface="Courier" charset="0"/>
+                <a:cs typeface="Courier" charset="0"/>
+              </a:rPr>
+            </a:br>
+            <a:r>
+              <a:rPr lang="en-US" sz="900" dirty="0" smtClean="0">
+                <a:latin typeface="Courier" charset="0"/>
+                <a:ea typeface="Courier" charset="0"/>
+                <a:cs typeface="Courier" charset="0"/>
+              </a:rPr>
+              <a:t>  NAME: loping-toad</a:t>
+            </a:r>
+            <a:br>
+              <a:rPr lang="en-US" sz="900" dirty="0" smtClean="0">
+                <a:latin typeface="Courier" charset="0"/>
+                <a:ea typeface="Courier" charset="0"/>
+                <a:cs typeface="Courier" charset="0"/>
+              </a:rPr>
+            </a:br>
+            <a:r>
+              <a:rPr lang="en-US" sz="900" dirty="0" smtClean="0">
+                <a:latin typeface="Courier" charset="0"/>
+                <a:ea typeface="Courier" charset="0"/>
+                <a:cs typeface="Courier" charset="0"/>
+              </a:rPr>
+              <a:t>  LAST DEPLOYED: Thu Oct 20 14:54:24 2016</a:t>
+            </a:r>
+            <a:br>
+              <a:rPr lang="en-US" sz="900" dirty="0" smtClean="0">
+                <a:latin typeface="Courier" charset="0"/>
+                <a:ea typeface="Courier" charset="0"/>
+                <a:cs typeface="Courier" charset="0"/>
+              </a:rPr>
+            </a:br>
+            <a:r>
+              <a:rPr lang="en-US" sz="900" dirty="0" smtClean="0">
+                <a:latin typeface="Courier" charset="0"/>
+                <a:ea typeface="Courier" charset="0"/>
+                <a:cs typeface="Courier" charset="0"/>
+              </a:rPr>
+              <a:t>  NAMESPACE: default</a:t>
+            </a:r>
+            <a:br>
+              <a:rPr lang="en-US" sz="900" dirty="0" smtClean="0">
+                <a:latin typeface="Courier" charset="0"/>
+                <a:ea typeface="Courier" charset="0"/>
+                <a:cs typeface="Courier" charset="0"/>
+              </a:rPr>
+            </a:br>
+            <a:r>
+              <a:rPr lang="en-US" sz="900" dirty="0" smtClean="0">
+                <a:latin typeface="Courier" charset="0"/>
+                <a:ea typeface="Courier" charset="0"/>
+                <a:cs typeface="Courier" charset="0"/>
+              </a:rPr>
+              <a:t>  STATUS: DEPLOYED</a:t>
+            </a:r>
+          </a:p>
+          <a:p>
+            <a:pPr marL="0" lvl="1" indent="0">
+              <a:buNone/>
+            </a:pPr>
+            <a:r>
+              <a:rPr lang="en-US" sz="900" dirty="0" smtClean="0">
+                <a:latin typeface="Courier" charset="0"/>
+                <a:ea typeface="Courier" charset="0"/>
+                <a:cs typeface="Courier" charset="0"/>
+              </a:rPr>
+              <a:t>  RESOURCES:</a:t>
+            </a:r>
+            <a:br>
+              <a:rPr lang="en-US" sz="900" dirty="0" smtClean="0">
+                <a:latin typeface="Courier" charset="0"/>
+                <a:ea typeface="Courier" charset="0"/>
+                <a:cs typeface="Courier" charset="0"/>
+              </a:rPr>
+            </a:br>
+            <a:r>
+              <a:rPr lang="en-US" sz="900" dirty="0" smtClean="0">
+                <a:latin typeface="Courier" charset="0"/>
+                <a:ea typeface="Courier" charset="0"/>
+                <a:cs typeface="Courier" charset="0"/>
+              </a:rPr>
+              <a:t>  ==&gt; v1/Secret</a:t>
+            </a:r>
+            <a:br>
+              <a:rPr lang="en-US" sz="900" dirty="0" smtClean="0">
+                <a:latin typeface="Courier" charset="0"/>
+                <a:ea typeface="Courier" charset="0"/>
+                <a:cs typeface="Courier" charset="0"/>
+              </a:rPr>
+            </a:br>
+            <a:r>
+              <a:rPr lang="en-US" sz="900" dirty="0" smtClean="0">
+                <a:latin typeface="Courier" charset="0"/>
+                <a:ea typeface="Courier" charset="0"/>
+                <a:cs typeface="Courier" charset="0"/>
+              </a:rPr>
+              <a:t>  NAME		TYPE	DATA	             AGE</a:t>
+            </a:r>
+            <a:br>
+              <a:rPr lang="en-US" sz="900" dirty="0" smtClean="0">
+                <a:latin typeface="Courier" charset="0"/>
+                <a:ea typeface="Courier" charset="0"/>
+                <a:cs typeface="Courier" charset="0"/>
+              </a:rPr>
+            </a:br>
+            <a:r>
+              <a:rPr lang="en-US" sz="900" dirty="0" smtClean="0">
+                <a:latin typeface="Courier" charset="0"/>
+                <a:ea typeface="Courier" charset="0"/>
+                <a:cs typeface="Courier" charset="0"/>
+              </a:rPr>
+              <a:t>  loping-toad-mysql	Opaque	2	3s </a:t>
+            </a:r>
+          </a:p>
+          <a:p>
+            <a:pPr marL="0" lvl="1" indent="0">
+              <a:buNone/>
+            </a:pPr>
+            <a:r>
+              <a:rPr lang="en-US" sz="900" dirty="0" smtClean="0">
+                <a:latin typeface="Courier" charset="0"/>
+                <a:ea typeface="Courier" charset="0"/>
+                <a:cs typeface="Courier" charset="0"/>
+              </a:rPr>
+              <a:t>  ==&gt; v1/Service</a:t>
+            </a:r>
+            <a:br>
+              <a:rPr lang="en-US" sz="900" dirty="0" smtClean="0">
+                <a:latin typeface="Courier" charset="0"/>
+                <a:ea typeface="Courier" charset="0"/>
+                <a:cs typeface="Courier" charset="0"/>
+              </a:rPr>
+            </a:br>
+            <a:r>
+              <a:rPr lang="en-US" sz="900" dirty="0" smtClean="0">
+                <a:latin typeface="Courier" charset="0"/>
+                <a:ea typeface="Courier" charset="0"/>
+                <a:cs typeface="Courier" charset="0"/>
+              </a:rPr>
+              <a:t>  NAME		  CLUSTER-IP	  EXTERNAL-IP	PORT(S)	AGE</a:t>
+            </a:r>
+            <a:br>
+              <a:rPr lang="en-US" sz="900" dirty="0" smtClean="0">
+                <a:latin typeface="Courier" charset="0"/>
+                <a:ea typeface="Courier" charset="0"/>
+                <a:cs typeface="Courier" charset="0"/>
+              </a:rPr>
+            </a:br>
+            <a:r>
+              <a:rPr lang="en-US" sz="900" dirty="0" smtClean="0">
+                <a:latin typeface="Courier" charset="0"/>
+                <a:ea typeface="Courier" charset="0"/>
+                <a:cs typeface="Courier" charset="0"/>
+              </a:rPr>
+              <a:t>  loping-toad-mysql  192.168.1.5	  &lt;none&gt;		3306/TCP	3s</a:t>
+            </a:r>
+          </a:p>
+          <a:p>
+            <a:pPr marL="0" lvl="1" indent="0">
+              <a:buNone/>
+            </a:pPr>
+            <a:r>
+              <a:rPr lang="en-US" sz="900" dirty="0" smtClean="0">
+                <a:latin typeface="Courier" charset="0"/>
+                <a:ea typeface="Courier" charset="0"/>
+                <a:cs typeface="Courier" charset="0"/>
+              </a:rPr>
+              <a:t>  ==&gt; extensions/Deployment</a:t>
+            </a:r>
+            <a:br>
+              <a:rPr lang="en-US" sz="900" dirty="0" smtClean="0">
+                <a:latin typeface="Courier" charset="0"/>
+                <a:ea typeface="Courier" charset="0"/>
+                <a:cs typeface="Courier" charset="0"/>
+              </a:rPr>
+            </a:br>
+            <a:r>
+              <a:rPr lang="en-US" sz="900" dirty="0" smtClean="0">
+                <a:latin typeface="Courier" charset="0"/>
+                <a:ea typeface="Courier" charset="0"/>
+                <a:cs typeface="Courier" charset="0"/>
+              </a:rPr>
+              <a:t>  NAME		DESIRED	CURRENT	UP-TO-DATE	AVAILABLE	AGE</a:t>
+            </a:r>
+            <a:br>
+              <a:rPr lang="en-US" sz="900" dirty="0" smtClean="0">
+                <a:latin typeface="Courier" charset="0"/>
+                <a:ea typeface="Courier" charset="0"/>
+                <a:cs typeface="Courier" charset="0"/>
+              </a:rPr>
+            </a:br>
+            <a:r>
+              <a:rPr lang="en-US" sz="900" dirty="0" smtClean="0">
+                <a:latin typeface="Courier" charset="0"/>
+                <a:ea typeface="Courier" charset="0"/>
+                <a:cs typeface="Courier" charset="0"/>
+              </a:rPr>
+              <a:t>  loping-toad-mysql</a:t>
+            </a:r>
+            <a:r>
+              <a:rPr lang="en-US" sz="900" dirty="0">
+                <a:latin typeface="Courier" charset="0"/>
+                <a:ea typeface="Courier" charset="0"/>
+                <a:cs typeface="Courier" charset="0"/>
+              </a:rPr>
+              <a:t> </a:t>
+            </a:r>
+            <a:r>
+              <a:rPr lang="en-US" sz="900" dirty="0" smtClean="0">
+                <a:latin typeface="Courier" charset="0"/>
+                <a:ea typeface="Courier" charset="0"/>
+                <a:cs typeface="Courier" charset="0"/>
+              </a:rPr>
+              <a:t>   1		     0		      0                            0	              3s</a:t>
+            </a:r>
+          </a:p>
+          <a:p>
+            <a:pPr marL="0" lvl="1" indent="0">
+              <a:buNone/>
+            </a:pPr>
+            <a:r>
+              <a:rPr lang="en-US" sz="900" dirty="0" smtClean="0">
+                <a:latin typeface="Courier" charset="0"/>
+                <a:ea typeface="Courier" charset="0"/>
+                <a:cs typeface="Courier" charset="0"/>
+              </a:rPr>
+              <a:t>  ==&gt; v1/PersistentVolumeClaim</a:t>
+            </a:r>
+            <a:br>
+              <a:rPr lang="en-US" sz="900" dirty="0" smtClean="0">
+                <a:latin typeface="Courier" charset="0"/>
+                <a:ea typeface="Courier" charset="0"/>
+                <a:cs typeface="Courier" charset="0"/>
+              </a:rPr>
+            </a:br>
+            <a:r>
+              <a:rPr lang="en-US" sz="900" dirty="0" smtClean="0">
+                <a:latin typeface="Courier" charset="0"/>
+                <a:ea typeface="Courier" charset="0"/>
+                <a:cs typeface="Courier" charset="0"/>
+              </a:rPr>
+              <a:t>  NAME		  STATUS	VOLUME	CAPACITY	ACCESSMODES	AGE</a:t>
+            </a:r>
+            <a:br>
+              <a:rPr lang="en-US" sz="900" dirty="0" smtClean="0">
+                <a:latin typeface="Courier" charset="0"/>
+                <a:ea typeface="Courier" charset="0"/>
+                <a:cs typeface="Courier" charset="0"/>
+              </a:rPr>
+            </a:br>
+            <a:r>
+              <a:rPr lang="en-US" sz="900" dirty="0" smtClean="0">
+                <a:latin typeface="Courier" charset="0"/>
+                <a:ea typeface="Courier" charset="0"/>
+                <a:cs typeface="Courier" charset="0"/>
+              </a:rPr>
+              <a:t>  loping-toad-mysql Pending </a:t>
+            </a:r>
+          </a:p>
+          <a:p>
+            <a:r>
+              <a:rPr lang="en-US" sz="900" dirty="0" smtClean="0"/>
+              <a:t> </a:t>
+            </a:r>
+            <a:endParaRPr lang="en-US" sz="900" dirty="0"/>
+          </a:p>
+        </p:txBody>
+      </p:sp>
+      <p:sp>
+        <p:nvSpPr>
+          <p:cNvPr id="8" name="Content Placeholder 7"/>
+          <p:cNvSpPr>
+            <a:spLocks noGrp="1"/>
+          </p:cNvSpPr>
+          <p:nvPr>
+            <p:ph sz="half" idx="2"/>
+          </p:nvPr>
+        </p:nvSpPr>
+        <p:spPr>
+          <a:xfrm>
+            <a:off x="6071383" y="1018156"/>
+            <a:ext cx="2734218" cy="3667904"/>
+          </a:xfrm>
+        </p:spPr>
+        <p:txBody>
+          <a:bodyPr/>
           <a:lstStyle/>
           <a:p>
             <a:r>
-              <a:rPr lang="en-US" sz="844" dirty="0">
-                <a:latin typeface="IBM Plex Mono" panose="020B0509050000000000" pitchFamily="49" charset="0"/>
+              <a:rPr lang="en-US" dirty="0" smtClean="0"/>
+              <a:t>Install output</a:t>
+            </a:r>
+          </a:p>
+          <a:p>
+            <a:pPr lvl="2">
+              <a:buFont typeface="Arial" pitchFamily="34" charset="0"/>
+              <a:buChar char="•"/>
+            </a:pPr>
+            <a:r>
+              <a:rPr lang="en-US" dirty="0" smtClean="0"/>
+              <a:t>Details about the release</a:t>
+            </a:r>
+          </a:p>
+          <a:p>
+            <a:pPr lvl="2">
+              <a:buFont typeface="Arial" pitchFamily="34" charset="0"/>
+              <a:buChar char="•"/>
+            </a:pPr>
+            <a:r>
+              <a:rPr lang="en-US" dirty="0" smtClean="0"/>
+              <a:t>Details about its resources</a:t>
+            </a:r>
+          </a:p>
+          <a:p>
+            <a:r>
+              <a:rPr lang="en-US" dirty="0" smtClean="0"/>
+              <a:t>Chart</a:t>
+            </a:r>
+          </a:p>
+          <a:p>
+            <a:pPr lvl="2">
+              <a:buFont typeface="Arial" pitchFamily="34" charset="0"/>
+              <a:buChar char="•"/>
+            </a:pPr>
+            <a:r>
+              <a:rPr lang="en-US" dirty="0">
+                <a:latin typeface="Courier" charset="0"/>
+                <a:ea typeface="Courier" charset="0"/>
+                <a:cs typeface="Courier" charset="0"/>
               </a:rPr>
-              <a:t>https://&lt;master&gt;:8443/catalog</a:t>
-            </a:r>
+              <a:t>stable/mysql</a:t>
+            </a:r>
+            <a:endParaRPr lang="en-US" dirty="0"/>
+          </a:p>
+          <a:p>
+            <a:r>
+              <a:rPr lang="en-US" dirty="0" smtClean="0"/>
+              <a:t>Release name</a:t>
+            </a:r>
+          </a:p>
+          <a:p>
+            <a:pPr lvl="2">
+              <a:buFont typeface="Arial" pitchFamily="34" charset="0"/>
+              <a:buChar char="•"/>
+            </a:pPr>
+            <a:r>
+              <a:rPr lang="en-US" dirty="0">
+                <a:latin typeface="Courier" charset="0"/>
+                <a:ea typeface="Courier" charset="0"/>
+                <a:cs typeface="Courier" charset="0"/>
+              </a:rPr>
+              <a:t>loping-toad</a:t>
+            </a:r>
+            <a:r>
+              <a:rPr lang="en-US" dirty="0" smtClean="0"/>
+              <a:t> (</a:t>
+            </a:r>
+            <a:r>
+              <a:rPr lang="en-US" dirty="0"/>
+              <a:t>a</a:t>
+            </a:r>
+            <a:r>
+              <a:rPr lang="en-US" dirty="0" smtClean="0"/>
+              <a:t>uto generated)</a:t>
+            </a:r>
+            <a:endParaRPr lang="en-US" dirty="0"/>
+          </a:p>
+          <a:p>
+            <a:r>
+              <a:rPr lang="en-US" dirty="0" smtClean="0"/>
+              <a:t>Resources</a:t>
+            </a:r>
+          </a:p>
+          <a:p>
+            <a:pPr lvl="2">
+              <a:buFont typeface="Arial" pitchFamily="34" charset="0"/>
+              <a:buChar char="•"/>
+            </a:pPr>
+            <a:r>
+              <a:rPr lang="en-US" dirty="0" smtClean="0"/>
+              <a:t>Four total, one of each type</a:t>
+            </a:r>
+          </a:p>
+          <a:p>
+            <a:pPr lvl="2">
+              <a:buFont typeface="Arial" pitchFamily="34" charset="0"/>
+              <a:buChar char="•"/>
+            </a:pPr>
+            <a:r>
+              <a:rPr lang="en-US" dirty="0" smtClean="0"/>
+              <a:t>All named </a:t>
+            </a:r>
+            <a:r>
+              <a:rPr lang="en-US" dirty="0">
+                <a:latin typeface="Courier" charset="0"/>
+                <a:ea typeface="Courier" charset="0"/>
+                <a:cs typeface="Courier" charset="0"/>
+              </a:rPr>
+              <a:t>loping-toad-mysql</a:t>
+            </a:r>
+            <a:endParaRPr lang="en-US" dirty="0" smtClean="0"/>
+          </a:p>
+          <a:p>
+            <a:pPr lvl="2">
+              <a:buFont typeface="Arial" pitchFamily="34" charset="0"/>
+              <a:buChar char="•"/>
+            </a:pPr>
+            <a:r>
+              <a:rPr lang="en-US" dirty="0">
+                <a:latin typeface="Courier" charset="0"/>
+                <a:ea typeface="Courier" charset="0"/>
+                <a:cs typeface="Courier" charset="0"/>
+              </a:rPr>
+              <a:t>Secret</a:t>
+            </a:r>
+          </a:p>
+          <a:p>
+            <a:pPr lvl="2">
+              <a:buFont typeface="Arial" pitchFamily="34" charset="0"/>
+              <a:buChar char="•"/>
+            </a:pPr>
+            <a:r>
+              <a:rPr lang="en-US" dirty="0">
+                <a:latin typeface="Courier" charset="0"/>
+                <a:ea typeface="Courier" charset="0"/>
+                <a:cs typeface="Courier" charset="0"/>
+              </a:rPr>
+              <a:t>Service</a:t>
+            </a:r>
+          </a:p>
+          <a:p>
+            <a:pPr lvl="1"/>
+            <a:r>
+              <a:rPr lang="en-US" dirty="0">
+                <a:latin typeface="Courier" charset="0"/>
+                <a:ea typeface="Courier" charset="0"/>
+                <a:cs typeface="Courier" charset="0"/>
+              </a:rPr>
+              <a:t>Deployment</a:t>
+            </a:r>
+          </a:p>
+          <a:p>
+            <a:pPr lvl="1"/>
+            <a:r>
+              <a:rPr lang="en-US" dirty="0">
+                <a:latin typeface="Courier" charset="0"/>
+                <a:ea typeface="Courier" charset="0"/>
+                <a:cs typeface="Courier" charset="0"/>
+              </a:rPr>
+              <a:t>PersistentVolumeClaim</a:t>
+            </a:r>
+          </a:p>
+          <a:p>
+            <a:endParaRPr lang="en-US" dirty="0"/>
           </a:p>
         </p:txBody>
       </p:sp>
     </p:spTree>
     <p:extLst>
       <p:ext uri="{BB962C8B-B14F-4D97-AF65-F5344CB8AC3E}">
-        <p14:creationId xmlns:p14="http://schemas.microsoft.com/office/powerpoint/2010/main" val="2627593251"/>
+        <p14:creationId xmlns:p14="http://schemas.microsoft.com/office/powerpoint/2010/main" val="1727165011"/>
       </p:ext>
     </p:extLst>
   </p:cSld>
   <p:clrMapOvr>
     <a:masterClrMapping/>
   </p:clrMapOvr>
+</p:sld>
+</file>
+
+<file path=ppt/slides/slide11.xml><?xml version="1.0" encoding="utf-8"?>
+<p:sld xmlns:a="http://schemas.openxmlformats.org/drawingml/2006/main" xmlns:r="http://schemas.openxmlformats.org/officeDocument/2006/relationships" xmlns:p="http://schemas.openxmlformats.org/presentationml/2006/main">
+  <p:cSld>
+    <p:spTree>
+      <p:nvGrpSpPr>
+        <p:cNvPr id="1" name=""/>
+        <p:cNvGrpSpPr/>
+        <p:nvPr/>
+      </p:nvGrpSpPr>
+      <p:grpSpPr>
+        <a:xfrm>
+          <a:off x="0" y="0"/>
+          <a:ext cx="0" cy="0"/>
+          <a:chOff x="0" y="0"/>
+          <a:chExt cx="0" cy="0"/>
+        </a:xfrm>
+      </p:grpSpPr>
+      <p:sp>
+        <p:nvSpPr>
+          <p:cNvPr id="2" name="Title 1"/>
+          <p:cNvSpPr>
+            <a:spLocks noGrp="1"/>
+          </p:cNvSpPr>
+          <p:nvPr>
+            <p:ph type="title"/>
+          </p:nvPr>
+        </p:nvSpPr>
+        <p:spPr/>
+        <p:txBody>
+          <a:bodyPr/>
+          <a:lstStyle/>
+          <a:p>
+            <a:r>
+              <a:rPr lang="en-US" dirty="0" smtClean="0"/>
+              <a:t>Overriding </a:t>
+            </a:r>
+            <a:r>
+              <a:rPr lang="en-US" dirty="0" smtClean="0"/>
+              <a:t>values</a:t>
+            </a:r>
+            <a:endParaRPr lang="en-US" dirty="0"/>
+          </a:p>
+        </p:txBody>
+      </p:sp>
+      <p:sp>
+        <p:nvSpPr>
+          <p:cNvPr id="3" name="Content Placeholder 2"/>
+          <p:cNvSpPr>
+            <a:spLocks noGrp="1"/>
+          </p:cNvSpPr>
+          <p:nvPr>
+            <p:ph idx="1"/>
+          </p:nvPr>
+        </p:nvSpPr>
+        <p:spPr>
+          <a:xfrm>
+            <a:off x="266772" y="765751"/>
+            <a:ext cx="8439080" cy="3845719"/>
+          </a:xfrm>
+        </p:spPr>
+        <p:txBody>
+          <a:bodyPr/>
+          <a:lstStyle/>
+          <a:p>
+            <a:r>
+              <a:rPr lang="en-US" sz="1400" dirty="0" smtClean="0"/>
+              <a:t>Default values are stored in the chart</a:t>
+            </a:r>
+          </a:p>
+          <a:p>
+            <a:pPr marL="171399" lvl="1" indent="0">
+              <a:buNone/>
+            </a:pPr>
+            <a:r>
+              <a:rPr lang="en-US" sz="1200" dirty="0" smtClean="0">
+                <a:latin typeface="Courier New" pitchFamily="49" charset="0"/>
+                <a:ea typeface="Courier" charset="0"/>
+                <a:cs typeface="Courier New" pitchFamily="49" charset="0"/>
+              </a:rPr>
+              <a:t>&lt;chart-path&gt;/values.yaml</a:t>
+            </a:r>
+          </a:p>
+          <a:p>
+            <a:r>
+              <a:rPr lang="en-US" sz="1400" dirty="0" smtClean="0"/>
+              <a:t>Helm CLI uses Kubernetes CLI’s configuration to connect to your current cluster</a:t>
+            </a:r>
+          </a:p>
+          <a:p>
+            <a:pPr marL="171399" lvl="1" indent="0">
+              <a:buNone/>
+            </a:pPr>
+            <a:r>
+              <a:rPr lang="en-US" sz="1200" dirty="0">
+                <a:latin typeface="Courier New" pitchFamily="49" charset="0"/>
+                <a:ea typeface="Courier" charset="0"/>
+                <a:cs typeface="Courier New" pitchFamily="49" charset="0"/>
+              </a:rPr>
+              <a:t>~/.kube/config</a:t>
+            </a:r>
+          </a:p>
+          <a:p>
+            <a:pPr marL="171399" lvl="1" indent="0">
+              <a:buNone/>
+            </a:pPr>
+            <a:r>
+              <a:rPr lang="en-US" sz="1200" dirty="0" smtClean="0">
+                <a:latin typeface="Courier New" pitchFamily="49" charset="0"/>
+                <a:ea typeface="Courier" charset="0"/>
+                <a:cs typeface="Courier New" pitchFamily="49" charset="0"/>
+              </a:rPr>
+              <a:t>$ </a:t>
+            </a:r>
+            <a:r>
+              <a:rPr lang="en-US" sz="1200" dirty="0">
+                <a:latin typeface="Courier New" pitchFamily="49" charset="0"/>
+                <a:ea typeface="Courier" charset="0"/>
+                <a:cs typeface="Courier New" pitchFamily="49" charset="0"/>
+              </a:rPr>
+              <a:t>kubectl config view</a:t>
+            </a:r>
+          </a:p>
+          <a:p>
+            <a:r>
+              <a:rPr lang="en-US" sz="1400" dirty="0" smtClean="0"/>
+              <a:t>To </a:t>
+            </a:r>
+            <a:r>
+              <a:rPr lang="en-US" sz="1400" dirty="0" smtClean="0"/>
+              <a:t>specify a </a:t>
+            </a:r>
+            <a:r>
+              <a:rPr lang="en-US" sz="1400" dirty="0"/>
+              <a:t>release’s name, use the </a:t>
+            </a:r>
+            <a:r>
+              <a:rPr lang="en-US" sz="1400" i="1" dirty="0" smtClean="0">
+                <a:latin typeface="Courier New" pitchFamily="49" charset="0"/>
+                <a:cs typeface="Courier New" pitchFamily="49" charset="0"/>
+              </a:rPr>
+              <a:t>name</a:t>
+            </a:r>
+            <a:r>
+              <a:rPr lang="en-US" sz="1400" dirty="0" smtClean="0"/>
+              <a:t> </a:t>
+            </a:r>
+            <a:r>
+              <a:rPr lang="en-US" sz="1400" dirty="0"/>
+              <a:t>flag</a:t>
+            </a:r>
+          </a:p>
+          <a:p>
+            <a:pPr marL="171399" lvl="1" indent="0">
+              <a:buNone/>
+            </a:pPr>
+            <a:r>
+              <a:rPr lang="en-US" sz="1200" dirty="0" smtClean="0">
+                <a:latin typeface="Courier New" pitchFamily="49" charset="0"/>
+                <a:ea typeface="Courier" charset="0"/>
+                <a:cs typeface="Courier New" pitchFamily="49" charset="0"/>
+              </a:rPr>
+              <a:t>$ helm install --name CustomerDB stable/mysql</a:t>
+            </a:r>
+          </a:p>
+          <a:p>
+            <a:r>
+              <a:rPr lang="en-US" sz="1400" dirty="0" smtClean="0"/>
+              <a:t>To deploy the release into a particular Kubernetes namespace, use the </a:t>
+            </a:r>
+            <a:r>
+              <a:rPr lang="en-US" sz="1400" i="1" dirty="0" smtClean="0">
+                <a:latin typeface="Courier New" pitchFamily="49" charset="0"/>
+                <a:cs typeface="Courier New" pitchFamily="49" charset="0"/>
+              </a:rPr>
+              <a:t>namespace</a:t>
+            </a:r>
+            <a:r>
+              <a:rPr lang="en-US" sz="1400" dirty="0" smtClean="0"/>
+              <a:t> flag</a:t>
+            </a:r>
+          </a:p>
+          <a:p>
+            <a:pPr marL="171399" lvl="1" indent="0">
+              <a:buNone/>
+            </a:pPr>
+            <a:r>
+              <a:rPr lang="en-US" sz="1200" dirty="0" smtClean="0">
+                <a:latin typeface="Courier New" pitchFamily="49" charset="0"/>
+                <a:ea typeface="Courier" charset="0"/>
+                <a:cs typeface="Courier New" pitchFamily="49" charset="0"/>
+              </a:rPr>
+              <a:t>$ </a:t>
+            </a:r>
+            <a:r>
+              <a:rPr lang="en-US" sz="1200" dirty="0">
+                <a:latin typeface="Courier New" pitchFamily="49" charset="0"/>
+                <a:ea typeface="Courier" charset="0"/>
+                <a:cs typeface="Courier New" pitchFamily="49" charset="0"/>
+              </a:rPr>
+              <a:t>helm install </a:t>
+            </a:r>
+            <a:r>
+              <a:rPr lang="en-US" sz="1200" dirty="0" smtClean="0">
+                <a:latin typeface="Courier New" pitchFamily="49" charset="0"/>
+                <a:ea typeface="Courier" charset="0"/>
+                <a:cs typeface="Courier New" pitchFamily="49" charset="0"/>
+              </a:rPr>
+              <a:t>--namespace ordering-system </a:t>
+            </a:r>
+            <a:r>
+              <a:rPr lang="en-US" sz="1200" dirty="0">
+                <a:latin typeface="Courier New" pitchFamily="49" charset="0"/>
+                <a:ea typeface="Courier" charset="0"/>
+                <a:cs typeface="Courier New" pitchFamily="49" charset="0"/>
+              </a:rPr>
+              <a:t>stable/mysql</a:t>
+            </a:r>
+          </a:p>
+          <a:p>
+            <a:r>
+              <a:rPr lang="en-US" sz="1400" dirty="0" smtClean="0"/>
+              <a:t>To override an individual value, use the </a:t>
+            </a:r>
+            <a:r>
+              <a:rPr lang="en-US" sz="1400" i="1" dirty="0" smtClean="0">
+                <a:latin typeface="Courier New" pitchFamily="49" charset="0"/>
+                <a:cs typeface="Courier New" pitchFamily="49" charset="0"/>
+              </a:rPr>
+              <a:t>set</a:t>
+            </a:r>
+            <a:r>
+              <a:rPr lang="en-US" sz="1400" dirty="0" smtClean="0"/>
+              <a:t> flag</a:t>
+            </a:r>
+            <a:endParaRPr lang="en-US" sz="1400" dirty="0"/>
+          </a:p>
+          <a:p>
+            <a:pPr marL="171399" lvl="1" indent="0">
+              <a:buNone/>
+            </a:pPr>
+            <a:r>
+              <a:rPr lang="en-US" sz="1200" dirty="0" smtClean="0">
+                <a:latin typeface="Courier New" pitchFamily="49" charset="0"/>
+                <a:ea typeface="Courier" charset="0"/>
+                <a:cs typeface="Courier New" pitchFamily="49" charset="0"/>
+              </a:rPr>
+              <a:t>$ </a:t>
+            </a:r>
+            <a:r>
+              <a:rPr lang="en-US" sz="1200" dirty="0">
+                <a:latin typeface="Courier New" pitchFamily="49" charset="0"/>
+                <a:ea typeface="Courier" charset="0"/>
+                <a:cs typeface="Courier New" pitchFamily="49" charset="0"/>
+              </a:rPr>
+              <a:t>helm install </a:t>
+            </a:r>
+            <a:r>
+              <a:rPr lang="en-US" sz="1200" dirty="0" smtClean="0">
+                <a:latin typeface="Courier New" pitchFamily="49" charset="0"/>
+                <a:ea typeface="Courier" charset="0"/>
+                <a:cs typeface="Courier New" pitchFamily="49" charset="0"/>
+              </a:rPr>
+              <a:t>--</a:t>
+            </a:r>
+            <a:r>
+              <a:rPr lang="en-US" sz="1200" dirty="0">
+                <a:latin typeface="Courier New" pitchFamily="49" charset="0"/>
+                <a:ea typeface="Courier" charset="0"/>
+                <a:cs typeface="Courier New" pitchFamily="49" charset="0"/>
+              </a:rPr>
+              <a:t>set </a:t>
+            </a:r>
+            <a:r>
+              <a:rPr lang="en-US" sz="1200" dirty="0" smtClean="0">
+                <a:latin typeface="Courier New" pitchFamily="49" charset="0"/>
+                <a:ea typeface="Courier" charset="0"/>
+                <a:cs typeface="Courier New" pitchFamily="49" charset="0"/>
+              </a:rPr>
+              <a:t>user.name</a:t>
+            </a:r>
+            <a:r>
+              <a:rPr lang="en-US" sz="1200" dirty="0">
+                <a:latin typeface="Courier New" pitchFamily="49" charset="0"/>
+                <a:ea typeface="Courier" charset="0"/>
+                <a:cs typeface="Courier New" pitchFamily="49" charset="0"/>
+              </a:rPr>
+              <a:t>='student',</a:t>
+            </a:r>
+            <a:r>
+              <a:rPr lang="en-US" sz="1200" dirty="0" smtClean="0">
+                <a:latin typeface="Courier New" pitchFamily="49" charset="0"/>
+                <a:ea typeface="Courier" charset="0"/>
+                <a:cs typeface="Courier New" pitchFamily="49" charset="0"/>
+              </a:rPr>
+              <a:t>user.password</a:t>
+            </a:r>
+            <a:r>
+              <a:rPr lang="en-US" sz="1200" dirty="0">
+                <a:latin typeface="Courier New" pitchFamily="49" charset="0"/>
+                <a:ea typeface="Courier" charset="0"/>
+                <a:cs typeface="Courier New" pitchFamily="49" charset="0"/>
+              </a:rPr>
+              <a:t>=</a:t>
+            </a:r>
+            <a:r>
+              <a:rPr lang="en-US" sz="1200" dirty="0" smtClean="0">
+                <a:latin typeface="Courier New" pitchFamily="49" charset="0"/>
+                <a:ea typeface="Courier" charset="0"/>
+                <a:cs typeface="Courier New" pitchFamily="49" charset="0"/>
+              </a:rPr>
+              <a:t>'passw0rd</a:t>
+            </a:r>
+            <a:r>
+              <a:rPr lang="en-US" sz="1200" dirty="0">
+                <a:latin typeface="Courier New" pitchFamily="49" charset="0"/>
+                <a:ea typeface="Courier" charset="0"/>
+                <a:cs typeface="Courier New" pitchFamily="49" charset="0"/>
+              </a:rPr>
+              <a:t>'</a:t>
+            </a:r>
+            <a:r>
+              <a:rPr lang="en-US" sz="1200" dirty="0" smtClean="0">
+                <a:latin typeface="Courier New" pitchFamily="49" charset="0"/>
+                <a:ea typeface="Courier" charset="0"/>
+                <a:cs typeface="Courier New" pitchFamily="49" charset="0"/>
+              </a:rPr>
+              <a:t> stable/mysql</a:t>
+            </a:r>
+            <a:endParaRPr lang="en-US" sz="1200" dirty="0">
+              <a:latin typeface="Courier New" pitchFamily="49" charset="0"/>
+              <a:ea typeface="Courier" charset="0"/>
+              <a:cs typeface="Courier New" pitchFamily="49" charset="0"/>
+            </a:endParaRPr>
+          </a:p>
+          <a:p>
+            <a:r>
+              <a:rPr lang="en-US" sz="1400" dirty="0" smtClean="0"/>
+              <a:t>To override values with a values file, use the </a:t>
+            </a:r>
+            <a:r>
+              <a:rPr lang="en-US" sz="1400" i="1" dirty="0" smtClean="0">
+                <a:latin typeface="Courier New" pitchFamily="49" charset="0"/>
+                <a:cs typeface="Courier New" pitchFamily="49" charset="0"/>
+              </a:rPr>
+              <a:t>values</a:t>
+            </a:r>
+            <a:r>
+              <a:rPr lang="en-US" sz="1400" dirty="0" smtClean="0"/>
+              <a:t> </a:t>
+            </a:r>
+            <a:r>
+              <a:rPr lang="en-US" sz="1400" dirty="0" smtClean="0"/>
+              <a:t> or </a:t>
+            </a:r>
+            <a:r>
+              <a:rPr lang="en-US" sz="1400" i="1" dirty="0" smtClean="0">
+                <a:latin typeface="Courier New" pitchFamily="49" charset="0"/>
+                <a:cs typeface="Courier New" pitchFamily="49" charset="0"/>
+              </a:rPr>
+              <a:t>f</a:t>
+            </a:r>
+            <a:r>
+              <a:rPr lang="en-US" sz="1400" dirty="0" smtClean="0"/>
+              <a:t> </a:t>
+            </a:r>
+            <a:r>
+              <a:rPr lang="en-US" sz="1400" dirty="0" smtClean="0"/>
+              <a:t> flag</a:t>
+            </a:r>
+            <a:endParaRPr lang="en-US" sz="1400" dirty="0" smtClean="0"/>
+          </a:p>
+          <a:p>
+            <a:pPr marL="171399" lvl="1" indent="0">
+              <a:buNone/>
+            </a:pPr>
+            <a:r>
+              <a:rPr lang="en-US" sz="1200" dirty="0">
+                <a:latin typeface="Courier New" pitchFamily="49" charset="0"/>
+                <a:ea typeface="Courier" charset="0"/>
+                <a:cs typeface="Courier New" pitchFamily="49" charset="0"/>
+              </a:rPr>
+              <a:t>$ helm install </a:t>
+            </a:r>
+            <a:r>
+              <a:rPr lang="en-US" sz="1200" dirty="0" smtClean="0">
+                <a:latin typeface="Courier New" pitchFamily="49" charset="0"/>
+                <a:ea typeface="Courier" charset="0"/>
+                <a:cs typeface="Courier New" pitchFamily="49" charset="0"/>
+              </a:rPr>
+              <a:t>--</a:t>
+            </a:r>
+            <a:r>
+              <a:rPr lang="en-US" sz="1200" dirty="0">
+                <a:latin typeface="Courier New" pitchFamily="49" charset="0"/>
+                <a:ea typeface="Courier" charset="0"/>
+                <a:cs typeface="Courier New" pitchFamily="49" charset="0"/>
+              </a:rPr>
+              <a:t>values myvalues.yaml stable/mysql</a:t>
+            </a:r>
+          </a:p>
+          <a:p>
+            <a:endParaRPr lang="en-US" dirty="0"/>
+          </a:p>
+          <a:p>
+            <a:endParaRPr lang="en-US" dirty="0" smtClean="0"/>
+          </a:p>
+          <a:p>
+            <a:endParaRPr lang="en-US" dirty="0" smtClean="0"/>
+          </a:p>
+        </p:txBody>
+      </p:sp>
+    </p:spTree>
+    <p:extLst>
+      <p:ext uri="{BB962C8B-B14F-4D97-AF65-F5344CB8AC3E}">
+        <p14:creationId xmlns:p14="http://schemas.microsoft.com/office/powerpoint/2010/main" val="1238765201"/>
+      </p:ext>
+    </p:extLst>
+  </p:cSld>
+  <p:clrMapOvr>
+    <a:masterClrMapping/>
+  </p:clrMapOvr>
+  <p:transition>
+    <p:fade/>
+  </p:transition>
 </p:sld>
 </file>
 
@@ -36746,7 +36904,12 @@
             <p:ph idx="1"/>
           </p:nvPr>
         </p:nvSpPr>
-        <p:spPr/>
+        <p:spPr>
+          <a:xfrm>
+            <a:off x="256052" y="853442"/>
+            <a:ext cx="8439080" cy="3845719"/>
+          </a:xfrm>
+        </p:spPr>
         <p:txBody>
           <a:bodyPr>
             <a:normAutofit fontScale="85000" lnSpcReduction="20000"/>
@@ -36754,140 +36917,185 @@
           <a:lstStyle/>
           <a:p>
             <a:r>
-              <a:rPr lang="en-US" sz="1500" dirty="0"/>
+              <a:rPr lang="en-US" sz="1500" dirty="0">
+                <a:solidFill>
+                  <a:schemeClr val="tx1"/>
+                </a:solidFill>
+              </a:rPr>
               <a:t>What is a package manager?</a:t>
             </a:r>
           </a:p>
           <a:p>
             <a:pPr lvl="1"/>
             <a:r>
-              <a:rPr lang="en-US" sz="1500" dirty="0"/>
+              <a:rPr lang="en-US" sz="1500" dirty="0">
+                <a:solidFill>
+                  <a:schemeClr val="tx1"/>
+                </a:solidFill>
+              </a:rPr>
               <a:t>Automates the process of installing, configuring, upgrading, and removing computer programs</a:t>
             </a:r>
           </a:p>
           <a:p>
             <a:pPr lvl="2"/>
             <a:r>
-              <a:rPr lang="en-US" sz="1250" dirty="0"/>
-              <a:t>Examples: Red Hat Package Manager (RPM), Homebrew, Windows </a:t>
-            </a:r>
-            <a:r>
-              <a:rPr lang="en-US" sz="1250" dirty="0" err="1"/>
-              <a:t>Pkgmgr</a:t>
-            </a:r>
-            <a:r>
-              <a:rPr lang="en-US" sz="1250" dirty="0"/>
-              <a:t>/</a:t>
-            </a:r>
-            <a:r>
-              <a:rPr lang="en-US" sz="1250" dirty="0" err="1"/>
-              <a:t>PackageManagement</a:t>
-            </a:r>
-            <a:endParaRPr lang="en-US" sz="1250" dirty="0"/>
-          </a:p>
-          <a:p>
-            <a:r>
-              <a:rPr lang="en-US" sz="1500" dirty="0"/>
+              <a:rPr lang="en-US" sz="1250" dirty="0">
+                <a:solidFill>
+                  <a:schemeClr val="tx1"/>
+                </a:solidFill>
+              </a:rPr>
+              <a:t>Examples: Red Hat Package Manager (RPM), Homebrew, Windows Pkgmgr/PackageManagement</a:t>
+            </a:r>
+          </a:p>
+          <a:p>
+            <a:r>
+              <a:rPr lang="en-US" sz="1500" dirty="0">
+                <a:solidFill>
+                  <a:schemeClr val="tx1"/>
+                </a:solidFill>
+              </a:rPr>
               <a:t>Helm enables multiple Kubernetes resources to be created with a single command</a:t>
             </a:r>
           </a:p>
           <a:p>
             <a:pPr lvl="1"/>
             <a:r>
-              <a:rPr lang="en-US" sz="1500" dirty="0"/>
+              <a:rPr lang="en-US" sz="1500" dirty="0">
+                <a:solidFill>
+                  <a:schemeClr val="tx1"/>
+                </a:solidFill>
+              </a:rPr>
               <a:t>Deploying an application often involves creating and configuring multiple resources</a:t>
             </a:r>
           </a:p>
           <a:p>
             <a:pPr lvl="1"/>
             <a:r>
-              <a:rPr lang="en-US" sz="1500" dirty="0"/>
+              <a:rPr lang="en-US" sz="1500" dirty="0">
+                <a:solidFill>
+                  <a:schemeClr val="tx1"/>
+                </a:solidFill>
+              </a:rPr>
               <a:t>A Helm chart defines multiple resources as a set</a:t>
             </a:r>
           </a:p>
           <a:p>
             <a:r>
-              <a:rPr lang="en-US" sz="1500" dirty="0"/>
+              <a:rPr lang="en-US" sz="1500" dirty="0">
+                <a:solidFill>
+                  <a:schemeClr val="tx1"/>
+                </a:solidFill>
+              </a:rPr>
               <a:t>An application in Kubernetes typically consists of (at least) two resource types</a:t>
             </a:r>
           </a:p>
           <a:p>
             <a:pPr lvl="1"/>
             <a:r>
-              <a:rPr lang="en-US" sz="1500" dirty="0"/>
+              <a:rPr lang="en-US" sz="1500" dirty="0">
+                <a:solidFill>
+                  <a:schemeClr val="tx1"/>
+                </a:solidFill>
+              </a:rPr>
               <a:t>Deployment </a:t>
             </a:r>
             <a:r>
-              <a:rPr lang="mr-IN" sz="1500" dirty="0"/>
+              <a:rPr lang="mr-IN" sz="1500" dirty="0">
+                <a:solidFill>
+                  <a:schemeClr val="tx1"/>
+                </a:solidFill>
+              </a:rPr>
               <a:t>–</a:t>
             </a:r>
             <a:r>
-              <a:rPr lang="en-US" sz="1500" dirty="0"/>
+              <a:rPr lang="en-US" sz="1500" dirty="0">
+                <a:solidFill>
+                  <a:schemeClr val="tx1"/>
+                </a:solidFill>
+              </a:rPr>
               <a:t> Describes a set of pods to be deployed together</a:t>
             </a:r>
           </a:p>
           <a:p>
             <a:pPr lvl="1"/>
             <a:r>
-              <a:rPr lang="en-US" sz="1500" dirty="0"/>
+              <a:rPr lang="en-US" sz="1500" dirty="0">
+                <a:solidFill>
+                  <a:schemeClr val="tx1"/>
+                </a:solidFill>
+              </a:rPr>
               <a:t>Services </a:t>
             </a:r>
             <a:r>
-              <a:rPr lang="mr-IN" sz="1500" dirty="0"/>
+              <a:rPr lang="mr-IN" sz="1500" dirty="0">
+                <a:solidFill>
+                  <a:schemeClr val="tx1"/>
+                </a:solidFill>
+              </a:rPr>
               <a:t>–</a:t>
             </a:r>
             <a:r>
-              <a:rPr lang="en-US" sz="1500" dirty="0"/>
+              <a:rPr lang="en-US" sz="1500" dirty="0">
+                <a:solidFill>
+                  <a:schemeClr val="tx1"/>
+                </a:solidFill>
+              </a:rPr>
               <a:t> Endpoints for accessing the APIs in those pods</a:t>
             </a:r>
           </a:p>
           <a:p>
             <a:pPr lvl="1"/>
             <a:r>
-              <a:rPr lang="en-US" sz="1500" dirty="0"/>
-              <a:t>Could also include </a:t>
-            </a:r>
-            <a:r>
-              <a:rPr lang="en-US" sz="1500" dirty="0" err="1"/>
-              <a:t>ConfigMaps</a:t>
-            </a:r>
-            <a:r>
-              <a:rPr lang="en-US" sz="1500" dirty="0"/>
-              <a:t>, Secrets, Ingress, etc.</a:t>
-            </a:r>
-          </a:p>
-          <a:p>
-            <a:r>
-              <a:rPr lang="en-US" sz="1500" dirty="0"/>
+              <a:rPr lang="en-US" sz="1500" dirty="0">
+                <a:solidFill>
+                  <a:schemeClr val="tx1"/>
+                </a:solidFill>
+              </a:rPr>
+              <a:t>Could also include ConfigMaps, Secrets, Ingress, etc.</a:t>
+            </a:r>
+          </a:p>
+          <a:p>
+            <a:r>
+              <a:rPr lang="en-US" sz="1500" dirty="0">
+                <a:solidFill>
+                  <a:schemeClr val="tx1"/>
+                </a:solidFill>
+              </a:rPr>
               <a:t>A default chart for an application consists of a deployment template and a service template</a:t>
             </a:r>
           </a:p>
           <a:p>
             <a:pPr lvl="1"/>
             <a:r>
-              <a:rPr lang="en-US" sz="1500" dirty="0"/>
+              <a:rPr lang="en-US" sz="1500" dirty="0">
+                <a:solidFill>
+                  <a:schemeClr val="tx1"/>
+                </a:solidFill>
+              </a:rPr>
               <a:t>The chart creates all of these resources in a Kubernetes cluster as a set</a:t>
             </a:r>
           </a:p>
           <a:p>
             <a:pPr lvl="1"/>
             <a:r>
-              <a:rPr lang="en-US" sz="1500" dirty="0"/>
+              <a:rPr lang="en-US" sz="1500" dirty="0">
+                <a:solidFill>
+                  <a:schemeClr val="tx1"/>
+                </a:solidFill>
+              </a:rPr>
               <a:t>Rather than manually having to create each one separately via </a:t>
             </a:r>
             <a:r>
-              <a:rPr lang="en-US" sz="1500" dirty="0" err="1">
+              <a:rPr lang="en-US" sz="1500" dirty="0">
+                <a:solidFill>
+                  <a:schemeClr val="tx1"/>
+                </a:solidFill>
                 <a:latin typeface="Courier" charset="0"/>
                 <a:ea typeface="Courier" charset="0"/>
                 <a:cs typeface="Courier" charset="0"/>
               </a:rPr>
               <a:t>kubectl</a:t>
             </a:r>
-            <a:endParaRPr lang="en-US" sz="1500" dirty="0">
-              <a:latin typeface="Courier" charset="0"/>
-              <a:ea typeface="Courier" charset="0"/>
-              <a:cs typeface="Courier" charset="0"/>
-            </a:endParaRPr>
           </a:p>
         </p:txBody>
       </p:sp>
@@ -37014,93 +37222,100 @@
             <p:ph sz="quarter" idx="11"/>
           </p:nvPr>
         </p:nvSpPr>
-        <p:spPr/>
+        <p:spPr>
+          <a:xfrm>
+            <a:off x="293091" y="635617"/>
+            <a:ext cx="8165110" cy="3810051"/>
+          </a:xfrm>
+        </p:spPr>
         <p:txBody>
           <a:bodyPr>
-            <a:normAutofit fontScale="70000" lnSpcReduction="20000"/>
+            <a:noAutofit/>
           </a:bodyPr>
           <a:lstStyle/>
           <a:p>
             <a:r>
-              <a:rPr lang="en-US" sz="1125" b="1" dirty="0"/>
+              <a:rPr lang="en-US" dirty="0"/>
               <a:t>Helm </a:t>
             </a:r>
             <a:r>
-              <a:rPr lang="mr-IN" sz="1125" b="1" dirty="0"/>
+              <a:rPr lang="mr-IN" dirty="0"/>
               <a:t>–</a:t>
             </a:r>
             <a:r>
-              <a:rPr lang="en-US" sz="1125" b="1" dirty="0"/>
+              <a:rPr lang="en-US" dirty="0"/>
               <a:t> The CLI</a:t>
             </a:r>
           </a:p>
           <a:p>
             <a:pPr lvl="1"/>
             <a:r>
-              <a:rPr lang="en-US" sz="1125" dirty="0"/>
+              <a:rPr lang="en-US" sz="1100" dirty="0"/>
               <a:t>Helm installs charts into Kubernetes, creating a new release for each installation</a:t>
             </a:r>
           </a:p>
           <a:p>
+            <a:r>
+              <a:rPr lang="en-US" dirty="0" smtClean="0"/>
+              <a:t>Chart </a:t>
+            </a:r>
+            <a:r>
+              <a:rPr lang="mr-IN" dirty="0"/>
+              <a:t>–</a:t>
+            </a:r>
+            <a:r>
+              <a:rPr lang="en-US" dirty="0"/>
+              <a:t> The application package</a:t>
+            </a:r>
+          </a:p>
+          <a:p>
             <a:pPr lvl="1"/>
             <a:r>
-              <a:rPr lang="en-US" sz="1125" dirty="0"/>
-              <a:t>To find new charts, search Helm chart repositories</a:t>
-            </a:r>
-          </a:p>
-          <a:p>
-            <a:r>
-              <a:rPr lang="en-US" sz="1125" b="1" dirty="0"/>
-              <a:t>Chart </a:t>
-            </a:r>
-            <a:r>
-              <a:rPr lang="mr-IN" sz="1125" b="1" dirty="0"/>
+              <a:rPr lang="en-US" sz="1100" dirty="0"/>
+              <a:t>Templates for a set of resources necessary to run an application</a:t>
+            </a:r>
+          </a:p>
+          <a:p>
+            <a:pPr lvl="1"/>
+            <a:r>
+              <a:rPr lang="en-US" sz="1100" dirty="0" smtClean="0"/>
+              <a:t>Includes </a:t>
+            </a:r>
+            <a:r>
+              <a:rPr lang="en-US" sz="1100" dirty="0"/>
+              <a:t>a values file </a:t>
+            </a:r>
+            <a:r>
+              <a:rPr lang="en-US" sz="1100" dirty="0" smtClean="0"/>
+              <a:t>to configure resources</a:t>
+            </a:r>
+            <a:endParaRPr lang="en-US" sz="1100" dirty="0"/>
+          </a:p>
+          <a:p>
+            <a:r>
+              <a:rPr lang="en-US" dirty="0"/>
+              <a:t>Repository </a:t>
+            </a:r>
+            <a:r>
+              <a:rPr lang="mr-IN" dirty="0"/>
               <a:t>–</a:t>
             </a:r>
             <a:r>
-              <a:rPr lang="en-US" sz="1125" b="1" dirty="0"/>
-              <a:t> The application package</a:t>
+              <a:rPr lang="en-US" dirty="0"/>
+              <a:t> The library</a:t>
             </a:r>
           </a:p>
           <a:p>
             <a:pPr lvl="1"/>
             <a:r>
-              <a:rPr lang="en-US" sz="1125" dirty="0"/>
-              <a:t>Templates for a set of resources necessary to run an application</a:t>
+              <a:rPr lang="en-US" sz="1100" dirty="0"/>
+              <a:t>Storage for Helm charts</a:t>
             </a:r>
           </a:p>
           <a:p>
             <a:pPr lvl="1"/>
             <a:r>
-              <a:rPr lang="en-US" sz="1125" dirty="0"/>
-              <a:t>The chart includes a values file that configures the resources</a:t>
-            </a:r>
-          </a:p>
-          <a:p>
-            <a:r>
-              <a:rPr lang="en-US" sz="1125" b="1" dirty="0"/>
-              <a:t>Repository </a:t>
-            </a:r>
-            <a:r>
-              <a:rPr lang="mr-IN" sz="1125" b="1" dirty="0"/>
-              <a:t>–</a:t>
-            </a:r>
-            <a:r>
-              <a:rPr lang="en-US" sz="1125" b="1" dirty="0"/>
-              <a:t> The library</a:t>
-            </a:r>
-          </a:p>
-          <a:p>
-            <a:pPr lvl="1"/>
-            <a:r>
-              <a:rPr lang="en-US" sz="1125" dirty="0"/>
-              <a:t>Storage for Helm charts</a:t>
-            </a:r>
-          </a:p>
-          <a:p>
-            <a:pPr lvl="1"/>
-            <a:r>
-              <a:rPr lang="en-US" sz="1125" dirty="0">
+              <a:rPr lang="en-US" sz="1100" dirty="0">
                 <a:latin typeface="Courier" charset="0"/>
                 <a:ea typeface="Courier" charset="0"/>
                 <a:cs typeface="Courier" charset="0"/>
@@ -37108,91 +37323,84 @@
               <a:t>stable</a:t>
             </a:r>
             <a:r>
-              <a:rPr lang="en-US" sz="1125" dirty="0"/>
+              <a:rPr lang="en-US" sz="1100" dirty="0"/>
               <a:t> </a:t>
             </a:r>
             <a:r>
-              <a:rPr lang="mr-IN" sz="1125" dirty="0"/>
+              <a:rPr lang="mr-IN" sz="1100" dirty="0"/>
               <a:t>–</a:t>
             </a:r>
             <a:r>
-              <a:rPr lang="en-US" sz="1125" dirty="0"/>
+              <a:rPr lang="en-US" sz="1100" dirty="0"/>
               <a:t> The namespace of the hub for official charts</a:t>
             </a:r>
           </a:p>
           <a:p>
             <a:r>
-              <a:rPr lang="en-US" sz="1125" b="1" dirty="0"/>
+              <a:rPr lang="en-US" dirty="0"/>
               <a:t>Release </a:t>
             </a:r>
             <a:r>
-              <a:rPr lang="mr-IN" sz="1125" b="1" dirty="0"/>
+              <a:rPr lang="mr-IN" dirty="0"/>
               <a:t>–</a:t>
             </a:r>
             <a:r>
-              <a:rPr lang="en-US" sz="1125" b="1" dirty="0"/>
+              <a:rPr lang="en-US" dirty="0"/>
               <a:t> The application runtime</a:t>
             </a:r>
           </a:p>
           <a:p>
             <a:pPr lvl="1"/>
             <a:r>
-              <a:rPr lang="en-US" sz="1125" dirty="0"/>
+              <a:rPr lang="en-US" sz="1100" dirty="0"/>
               <a:t>An instance of a chart running in a Kubernetes cluster</a:t>
             </a:r>
           </a:p>
           <a:p>
+            <a:r>
+              <a:rPr lang="en-US" dirty="0" smtClean="0"/>
+              <a:t>Tiller </a:t>
+            </a:r>
+            <a:r>
+              <a:rPr lang="mr-IN" dirty="0"/>
+              <a:t>–</a:t>
+            </a:r>
+            <a:r>
+              <a:rPr lang="en-US" dirty="0"/>
+              <a:t> The server-side engine</a:t>
+            </a:r>
+          </a:p>
+          <a:p>
             <a:pPr lvl="1"/>
             <a:r>
-              <a:rPr lang="en-US" sz="1125" dirty="0"/>
-              <a:t>The same chart installed multiple times creates many releases</a:t>
-            </a:r>
-          </a:p>
-          <a:p>
-            <a:r>
-              <a:rPr lang="en-US" sz="1125" b="1" dirty="0"/>
-              <a:t>Tiller </a:t>
-            </a:r>
-            <a:r>
-              <a:rPr lang="mr-IN" sz="1125" b="1" dirty="0"/>
-              <a:t>–</a:t>
-            </a:r>
-            <a:r>
-              <a:rPr lang="en-US" sz="1125" b="1" dirty="0"/>
-              <a:t> The server-side engine</a:t>
+              <a:rPr lang="en-US" sz="1100" dirty="0"/>
+              <a:t>Helm templating engine, runs in a pod in a Kubernetes cluster</a:t>
             </a:r>
           </a:p>
           <a:p>
             <a:pPr lvl="1"/>
             <a:r>
-              <a:rPr lang="en-US" sz="1125" dirty="0"/>
-              <a:t>Helm templating engine, runs in a pod in a Kubernetes cluster</a:t>
+              <a:rPr lang="en-US" sz="1100" dirty="0" smtClean="0"/>
+              <a:t>Processes </a:t>
+            </a:r>
+            <a:r>
+              <a:rPr lang="en-US" sz="1100" dirty="0"/>
+              <a:t>the chart to generate the resource manifests, then installs the release into the cluster</a:t>
             </a:r>
           </a:p>
           <a:p>
             <a:pPr lvl="1"/>
             <a:r>
-              <a:rPr lang="en-US" sz="1125" dirty="0"/>
-              <a:t>Tiller processes the chart to generate the resource manifests, then installs the release into the cluster</a:t>
-            </a:r>
-          </a:p>
-          <a:p>
-            <a:pPr lvl="1"/>
-            <a:r>
-              <a:rPr lang="en-US" sz="1125" dirty="0"/>
-              <a:t>Tiller stores each release as a Kubernetes </a:t>
-            </a:r>
-            <a:r>
-              <a:rPr lang="en-US" sz="1125" dirty="0" err="1"/>
-              <a:t>config</a:t>
-            </a:r>
-            <a:r>
-              <a:rPr lang="en-US" sz="1125" dirty="0"/>
-              <a:t> map</a:t>
-            </a:r>
-          </a:p>
-          <a:p>
-            <a:endParaRPr lang="en-US" sz="1125" dirty="0"/>
+              <a:rPr lang="en-US" sz="1100" dirty="0" smtClean="0"/>
+              <a:t>Stores </a:t>
+            </a:r>
+            <a:r>
+              <a:rPr lang="en-US" sz="1100" dirty="0"/>
+              <a:t>each release as a Kubernetes config map</a:t>
+            </a:r>
+          </a:p>
+          <a:p>
+            <a:endParaRPr lang="en-US" sz="1100" dirty="0"/>
           </a:p>
         </p:txBody>
       </p:sp>
@@ -37254,18 +37462,18 @@
                 </a:spcAft>
               </a:pPr>
               <a:r>
-                <a:rPr lang="en-US" sz="750" b="1" dirty="0">
+                <a:rPr lang="en-US" sz="1000" dirty="0">
                   <a:latin typeface="Arial" panose="020B0604020202020204" pitchFamily="34" charset="0"/>
                 </a:rPr>
                 <a:t>Kubernetes </a:t>
               </a:r>
               <a:br>
-                <a:rPr lang="en-US" sz="750" b="1" dirty="0">
+                <a:rPr lang="en-US" sz="1000" dirty="0">
                   <a:latin typeface="Arial" panose="020B0604020202020204" pitchFamily="34" charset="0"/>
                 </a:rPr>
               </a:br>
               <a:r>
-                <a:rPr lang="en-US" sz="750" b="1" dirty="0">
+                <a:rPr lang="en-US" sz="1000" dirty="0">
                   <a:latin typeface="Arial" panose="020B0604020202020204" pitchFamily="34" charset="0"/>
                 </a:rPr>
                 <a:t>cluster</a:t>
@@ -37465,19 +37673,7 @@
                 <a:rPr lang="en-US" sz="1250" dirty="0">
                   <a:latin typeface="Arial" panose="020B0604020202020204" pitchFamily="34" charset="0"/>
                 </a:rPr>
-                <a:t>(</a:t>
-              </a:r>
-              <a:r>
-                <a:rPr lang="en-US" sz="1250" dirty="0" err="1">
-                  <a:latin typeface="Arial" panose="020B0604020202020204" pitchFamily="34" charset="0"/>
-                </a:rPr>
-                <a:t>config</a:t>
-              </a:r>
-              <a:r>
-                <a:rPr lang="en-US" sz="1250" dirty="0">
-                  <a:latin typeface="Arial" panose="020B0604020202020204" pitchFamily="34" charset="0"/>
-                </a:rPr>
-                <a:t>)</a:t>
+                <a:t>(config)</a:t>
               </a:r>
             </a:p>
           </p:txBody>
@@ -38002,7 +38198,15 @@
           <a:p>
             <a:r>
               <a:rPr lang="en-US" dirty="0"/>
-              <a:t>Advantages of Using Helm</a:t>
+              <a:t>Advantages of </a:t>
+            </a:r>
+            <a:r>
+              <a:rPr lang="en-US" dirty="0" smtClean="0"/>
+              <a:t>using </a:t>
+            </a:r>
+            <a:r>
+              <a:rPr lang="en-US" dirty="0"/>
+              <a:t>Helm</a:t>
             </a:r>
           </a:p>
         </p:txBody>
@@ -38028,14 +38232,38 @@
           <a:lstStyle/>
           <a:p>
             <a:r>
-              <a:rPr lang="en-US" sz="1500" dirty="0"/>
-              <a:t>Deploy all of the resources for an application with a single command</a:t>
+              <a:rPr lang="en-US" sz="1500" dirty="0">
+                <a:solidFill>
+                  <a:schemeClr val="tx1"/>
+                </a:solidFill>
+              </a:rPr>
+              <a:t>Deploy all </a:t>
+            </a:r>
+            <a:r>
+              <a:rPr lang="en-US" sz="1500" dirty="0" smtClean="0">
+                <a:solidFill>
+                  <a:schemeClr val="tx1"/>
+                </a:solidFill>
+              </a:rPr>
+              <a:t>the </a:t>
+            </a:r>
+            <a:r>
+              <a:rPr lang="en-US" sz="1500" dirty="0">
+                <a:solidFill>
+                  <a:schemeClr val="tx1"/>
+                </a:solidFill>
+              </a:rPr>
+              <a:t>resources for an application with a single command</a:t>
             </a:r>
           </a:p>
           <a:p>
             <a:pPr lvl="1"/>
             <a:r>
-              <a:rPr lang="en-US" sz="1500" dirty="0"/>
+              <a:rPr lang="en-US" sz="1500" dirty="0">
+                <a:solidFill>
+                  <a:schemeClr val="tx1"/>
+                </a:solidFill>
+              </a:rPr>
               <a:t>Makes deployment easy and repeatable</a:t>
             </a:r>
           </a:p>
@@ -38044,32 +38272,52 @@
               <a:buNone/>
             </a:pPr>
             <a:r>
-              <a:rPr lang="en-US" sz="1500" dirty="0">
-                <a:latin typeface="Courier" charset="0"/>
+              <a:rPr lang="en-US" dirty="0">
+                <a:solidFill>
+                  <a:schemeClr val="tx1"/>
+                </a:solidFill>
+                <a:latin typeface="Courier New" pitchFamily="49" charset="0"/>
                 <a:ea typeface="Courier" charset="0"/>
-                <a:cs typeface="Courier" charset="0"/>
+                <a:cs typeface="Courier New" pitchFamily="49" charset="0"/>
               </a:rPr>
               <a:t>$ helm install &lt;chart&gt;</a:t>
             </a:r>
-            <a:endParaRPr lang="en-US" sz="1250" dirty="0"/>
-          </a:p>
-          <a:p>
-            <a:r>
-              <a:rPr lang="en-US" sz="1500" dirty="0"/>
+            <a:endParaRPr lang="en-US" dirty="0">
+              <a:solidFill>
+                <a:schemeClr val="tx1"/>
+              </a:solidFill>
+              <a:latin typeface="Courier New" pitchFamily="49" charset="0"/>
+              <a:cs typeface="Courier New" pitchFamily="49" charset="0"/>
+            </a:endParaRPr>
+          </a:p>
+          <a:p>
+            <a:r>
+              <a:rPr lang="en-US" sz="1500" dirty="0">
+                <a:solidFill>
+                  <a:schemeClr val="tx1"/>
+                </a:solidFill>
+              </a:rPr>
               <a:t>Separates configuration settings from manifest formats</a:t>
             </a:r>
           </a:p>
           <a:p>
             <a:pPr lvl="1"/>
             <a:r>
-              <a:rPr lang="en-US" sz="1500" dirty="0"/>
+              <a:rPr lang="en-US" sz="1500" dirty="0">
+                <a:solidFill>
+                  <a:schemeClr val="tx1"/>
+                </a:solidFill>
+              </a:rPr>
               <a:t>Edit the values without changing the rest of the manifest</a:t>
             </a:r>
           </a:p>
           <a:p>
             <a:pPr lvl="1"/>
             <a:r>
-              <a:rPr lang="en-US" sz="1500" dirty="0" err="1">
+              <a:rPr lang="en-US" sz="1500" dirty="0">
+                <a:solidFill>
+                  <a:schemeClr val="tx1"/>
+                </a:solidFill>
                 <a:latin typeface="Courier" charset="0"/>
                 <a:ea typeface="Courier" charset="0"/>
                 <a:cs typeface="Courier" charset="0"/>
@@ -38077,22 +38325,42 @@
               <a:t>values.yaml</a:t>
             </a:r>
             <a:r>
-              <a:rPr lang="en-US" sz="1500" dirty="0"/>
+              <a:rPr lang="en-US" sz="1500" dirty="0">
+                <a:solidFill>
+                  <a:schemeClr val="tx1"/>
+                </a:solidFill>
+              </a:rPr>
               <a:t> </a:t>
             </a:r>
             <a:r>
-              <a:rPr lang="mr-IN" sz="1500" dirty="0"/>
+              <a:rPr lang="mr-IN" sz="1500" dirty="0">
+                <a:solidFill>
+                  <a:schemeClr val="tx1"/>
+                </a:solidFill>
+              </a:rPr>
               <a:t>–</a:t>
             </a:r>
             <a:r>
-              <a:rPr lang="en-US" sz="1500" dirty="0"/>
+              <a:rPr lang="en-US" sz="1500" dirty="0">
+                <a:solidFill>
+                  <a:schemeClr val="tx1"/>
+                </a:solidFill>
+              </a:rPr>
               <a:t> Update to deploy the application differently</a:t>
             </a:r>
-            <a:endParaRPr lang="en-US" sz="1250" dirty="0"/>
-          </a:p>
-          <a:p>
-            <a:r>
-              <a:rPr lang="en-US" sz="1500" dirty="0"/>
+            <a:endParaRPr lang="en-US" sz="1250" dirty="0">
+              <a:solidFill>
+                <a:schemeClr val="tx1"/>
+              </a:solidFill>
+            </a:endParaRPr>
+          </a:p>
+          <a:p>
+            <a:r>
+              <a:rPr lang="en-US" sz="1500" dirty="0">
+                <a:solidFill>
+                  <a:schemeClr val="tx1"/>
+                </a:solidFill>
+              </a:rPr>
               <a:t>Upgrade a running release to a new chart version</a:t>
             </a:r>
           </a:p>
@@ -38101,18 +38369,31 @@
               <a:buNone/>
             </a:pPr>
             <a:r>
-              <a:rPr lang="en-US" sz="1500" dirty="0">
-                <a:latin typeface="Courier" charset="0"/>
+              <a:rPr lang="en-US" dirty="0">
+                <a:solidFill>
+                  <a:schemeClr val="tx1"/>
+                </a:solidFill>
+                <a:latin typeface="Courier New" pitchFamily="49" charset="0"/>
                 <a:ea typeface="Courier" charset="0"/>
-                <a:cs typeface="Courier" charset="0"/>
+                <a:cs typeface="Courier New" pitchFamily="49" charset="0"/>
               </a:rPr>
               <a:t>$ helm upgrade &lt;release&gt; &lt;chart&gt;</a:t>
             </a:r>
-            <a:endParaRPr lang="en-US" sz="1250" dirty="0"/>
-          </a:p>
-          <a:p>
-            <a:r>
-              <a:rPr lang="en-US" sz="1500" dirty="0"/>
+            <a:endParaRPr lang="en-US" dirty="0">
+              <a:solidFill>
+                <a:schemeClr val="tx1"/>
+              </a:solidFill>
+              <a:latin typeface="Courier New" pitchFamily="49" charset="0"/>
+              <a:cs typeface="Courier New" pitchFamily="49" charset="0"/>
+            </a:endParaRPr>
+          </a:p>
+          <a:p>
+            <a:r>
+              <a:rPr lang="en-US" sz="1500" dirty="0">
+                <a:solidFill>
+                  <a:schemeClr val="tx1"/>
+                </a:solidFill>
+              </a:rPr>
               <a:t>Rollback a running release to a previous revision</a:t>
             </a:r>
           </a:p>
@@ -38121,18 +38402,31 @@
               <a:buNone/>
             </a:pPr>
             <a:r>
-              <a:rPr lang="en-US" sz="1125" dirty="0">
-                <a:latin typeface="Courier" charset="0"/>
+              <a:rPr lang="en-US" dirty="0">
+                <a:solidFill>
+                  <a:schemeClr val="tx1"/>
+                </a:solidFill>
+                <a:latin typeface="Courier New" pitchFamily="49" charset="0"/>
                 <a:ea typeface="Courier" charset="0"/>
-                <a:cs typeface="Courier" charset="0"/>
+                <a:cs typeface="Courier New" pitchFamily="49" charset="0"/>
               </a:rPr>
               <a:t>$ helm rollback &lt;release&gt; &lt;revision&gt;</a:t>
             </a:r>
-            <a:endParaRPr lang="en-US" sz="1250" dirty="0"/>
-          </a:p>
-          <a:p>
-            <a:r>
-              <a:rPr lang="en-US" sz="1500" dirty="0"/>
+            <a:endParaRPr lang="en-US" dirty="0">
+              <a:solidFill>
+                <a:schemeClr val="tx1"/>
+              </a:solidFill>
+              <a:latin typeface="Courier New" pitchFamily="49" charset="0"/>
+              <a:cs typeface="Courier New" pitchFamily="49" charset="0"/>
+            </a:endParaRPr>
+          </a:p>
+          <a:p>
+            <a:r>
+              <a:rPr lang="en-US" sz="1500" dirty="0">
+                <a:solidFill>
+                  <a:schemeClr val="tx1"/>
+                </a:solidFill>
+              </a:rPr>
               <a:t>Delete a running release</a:t>
             </a:r>
           </a:p>
@@ -38141,10 +38435,13 @@
               <a:buNone/>
             </a:pPr>
             <a:r>
-              <a:rPr lang="en-US" sz="1500" dirty="0">
-                <a:latin typeface="Courier" charset="0"/>
+              <a:rPr lang="en-US" dirty="0">
+                <a:solidFill>
+                  <a:schemeClr val="tx1"/>
+                </a:solidFill>
+                <a:latin typeface="Courier New" pitchFamily="49" charset="0"/>
                 <a:ea typeface="Courier" charset="0"/>
-                <a:cs typeface="Courier" charset="0"/>
+                <a:cs typeface="Courier New" pitchFamily="49" charset="0"/>
               </a:rPr>
               <a:t>$ helm delete &lt;release&gt;</a:t>
             </a:r>
@@ -38244,7 +38541,7 @@
                   <a:spcPct val="0"/>
                 </a:spcAft>
               </a:pPr>
-              <a:endParaRPr lang="en-US" sz="688">
+              <a:endParaRPr lang="en-US" sz="688" dirty="0">
                 <a:latin typeface="Arial" panose="020B0604020202020204" pitchFamily="34" charset="0"/>
               </a:endParaRPr>
             </a:p>
@@ -38299,7 +38596,7 @@
           <p:spPr>
             <a:xfrm>
               <a:off x="4367404" y="4614558"/>
-              <a:ext cx="937845" cy="264261"/>
+              <a:ext cx="937845" cy="328295"/>
             </a:xfrm>
             <a:prstGeom prst="rect">
               <a:avLst/>
@@ -38313,7 +38610,7 @@
             <a:lstStyle/>
             <a:p>
               <a:r>
-                <a:rPr lang="en-US" sz="688" dirty="0"/>
+                <a:rPr lang="en-US" sz="1000" dirty="0"/>
                 <a:t>delete</a:t>
               </a:r>
             </a:p>
@@ -38363,18 +38660,18 @@
                 </a:spcAft>
               </a:pPr>
               <a:r>
-                <a:rPr lang="en-US" sz="875" b="1" dirty="0">
+                <a:rPr lang="en-US" sz="1000" dirty="0">
                   <a:latin typeface="Arial" panose="020B0604020202020204" pitchFamily="34" charset="0"/>
                 </a:rPr>
                 <a:t>Kubernetes </a:t>
               </a:r>
               <a:br>
-                <a:rPr lang="en-US" sz="875" b="1" dirty="0">
+                <a:rPr lang="en-US" sz="1000" dirty="0">
                   <a:latin typeface="Arial" panose="020B0604020202020204" pitchFamily="34" charset="0"/>
                 </a:rPr>
               </a:br>
               <a:r>
-                <a:rPr lang="en-US" sz="875" b="1" dirty="0">
+                <a:rPr lang="en-US" sz="1000" dirty="0">
                   <a:latin typeface="Arial" panose="020B0604020202020204" pitchFamily="34" charset="0"/>
                 </a:rPr>
                 <a:t>cluster</a:t>
@@ -38444,16 +38741,10 @@
                 </a:spcAft>
               </a:pPr>
               <a:r>
-                <a:rPr lang="en-US" sz="1500" dirty="0" err="1">
-                  <a:latin typeface="Arial" panose="020B0604020202020204" pitchFamily="34" charset="0"/>
-                </a:rPr>
-                <a:t>myapp</a:t>
-              </a:r>
-              <a:r>
                 <a:rPr lang="en-US" sz="1500" dirty="0">
                   <a:latin typeface="Arial" panose="020B0604020202020204" pitchFamily="34" charset="0"/>
                 </a:rPr>
-                <a:t> r1</a:t>
+                <a:t>myapp r1</a:t>
               </a:r>
             </a:p>
           </p:txBody>
@@ -38520,16 +38811,10 @@
                 </a:spcAft>
               </a:pPr>
               <a:r>
-                <a:rPr lang="en-US" sz="1500" dirty="0" err="1">
-                  <a:latin typeface="Arial" panose="020B0604020202020204" pitchFamily="34" charset="0"/>
-                </a:rPr>
-                <a:t>myapp</a:t>
-              </a:r>
-              <a:r>
                 <a:rPr lang="en-US" sz="1500" dirty="0">
                   <a:latin typeface="Arial" panose="020B0604020202020204" pitchFamily="34" charset="0"/>
                 </a:rPr>
-                <a:t> r2</a:t>
+                <a:t>myapp r2</a:t>
               </a:r>
             </a:p>
           </p:txBody>
@@ -38581,7 +38866,7 @@
                 </a:spcAft>
               </a:pPr>
               <a:r>
-                <a:rPr lang="en-US" sz="688" dirty="0">
+                <a:rPr lang="en-US" sz="1000" dirty="0">
                   <a:latin typeface="Arial" panose="020B0604020202020204" pitchFamily="34" charset="0"/>
                 </a:rPr>
                 <a:t>upgrade</a:t>
@@ -38636,7 +38921,7 @@
                 </a:spcAft>
               </a:pPr>
               <a:r>
-                <a:rPr lang="en-US" sz="688" dirty="0">
+                <a:rPr lang="en-US" sz="1000" dirty="0">
                   <a:latin typeface="Arial" panose="020B0604020202020204" pitchFamily="34" charset="0"/>
                 </a:rPr>
                 <a:t>rollback</a:t>
@@ -38719,16 +39004,10 @@
                 </a:spcAft>
               </a:pPr>
               <a:r>
-                <a:rPr lang="en-US" sz="1500" dirty="0" err="1">
-                  <a:latin typeface="Arial" panose="020B0604020202020204" pitchFamily="34" charset="0"/>
-                </a:rPr>
-                <a:t>myapp</a:t>
-              </a:r>
-              <a:r>
                 <a:rPr lang="en-US" sz="1500" dirty="0">
                   <a:latin typeface="Arial" panose="020B0604020202020204" pitchFamily="34" charset="0"/>
                 </a:rPr>
-                <a:t> v1</a:t>
+                <a:t>myapp v1</a:t>
               </a:r>
             </a:p>
           </p:txBody>
@@ -38782,7 +39061,7 @@
           <p:spPr>
             <a:xfrm>
               <a:off x="2321821" y="1533372"/>
-              <a:ext cx="937845" cy="264261"/>
+              <a:ext cx="937845" cy="328295"/>
             </a:xfrm>
             <a:prstGeom prst="rect">
               <a:avLst/>
@@ -38797,7 +39076,7 @@
             <a:p>
               <a:pPr algn="ctr"/>
               <a:r>
-                <a:rPr lang="en-US" sz="688" dirty="0"/>
+                <a:rPr lang="en-US" sz="1000" dirty="0"/>
                 <a:t>install</a:t>
               </a:r>
             </a:p>
@@ -38878,16 +39157,10 @@
                 </a:spcAft>
               </a:pPr>
               <a:r>
-                <a:rPr lang="en-US" sz="1500" dirty="0" err="1">
-                  <a:latin typeface="Arial" panose="020B0604020202020204" pitchFamily="34" charset="0"/>
-                </a:rPr>
-                <a:t>myapp</a:t>
-              </a:r>
-              <a:r>
                 <a:rPr lang="en-US" sz="1500" dirty="0">
                   <a:latin typeface="Arial" panose="020B0604020202020204" pitchFamily="34" charset="0"/>
                 </a:rPr>
-                <a:t> v2</a:t>
+                <a:t>myapp v2</a:t>
               </a:r>
             </a:p>
           </p:txBody>
@@ -38941,7 +39214,7 @@
           <p:spPr>
             <a:xfrm>
               <a:off x="2314883" y="2658272"/>
-              <a:ext cx="937845" cy="264261"/>
+              <a:ext cx="1045096" cy="328295"/>
             </a:xfrm>
             <a:prstGeom prst="rect">
               <a:avLst/>
@@ -38956,7 +39229,7 @@
             <a:p>
               <a:pPr algn="ctr"/>
               <a:r>
-                <a:rPr lang="en-US" sz="688" dirty="0"/>
+                <a:rPr lang="en-US" sz="1000" dirty="0"/>
                 <a:t>(upgrade)</a:t>
               </a:r>
             </a:p>
@@ -38998,7 +39271,7 @@
       </p:grpSpPr>
       <p:sp>
         <p:nvSpPr>
-          <p:cNvPr id="7" name="Title 6"/>
+          <p:cNvPr id="2" name="Title 1"/>
           <p:cNvSpPr>
             <a:spLocks noGrp="1"/>
           </p:cNvSpPr>
@@ -39012,15 +39285,16 @@
           <a:lstStyle/>
           <a:p>
             <a:r>
-              <a:rPr lang="en-US" dirty="0"/>
-              <a:t>Creating a Chart</a:t>
-            </a:r>
-          </a:p>
-        </p:txBody>
-      </p:sp>
-      <p:sp>
-        <p:nvSpPr>
-          <p:cNvPr id="8" name="Content Placeholder 7"/>
+              <a:rPr lang="en-US" dirty="0" smtClean="0"/>
+              <a:t>Installing Helm</a:t>
+            </a:r>
+            <a:endParaRPr lang="en-US" dirty="0"/>
+          </a:p>
+        </p:txBody>
+      </p:sp>
+      <p:sp>
+        <p:nvSpPr>
+          <p:cNvPr id="3" name="Content Placeholder 2"/>
           <p:cNvSpPr>
             <a:spLocks noGrp="1"/>
           </p:cNvSpPr>
@@ -39034,317 +39308,258 @@
           <a:lstStyle/>
           <a:p>
             <a:r>
-              <a:rPr lang="en-US" dirty="0"/>
-              <a:t>Creating a new chart generates a directory with sample files</a:t>
-            </a:r>
-          </a:p>
-          <a:p>
-            <a:pPr marL="171399" lvl="1" indent="0">
+              <a:rPr lang="en-US" dirty="0" smtClean="0">
+                <a:solidFill>
+                  <a:schemeClr val="tx1"/>
+                </a:solidFill>
+              </a:rPr>
+              <a:t>Helm runs as a CLI client</a:t>
+            </a:r>
+          </a:p>
+          <a:p>
+            <a:pPr lvl="1"/>
+            <a:r>
+              <a:rPr lang="en-US" dirty="0" smtClean="0">
+                <a:solidFill>
+                  <a:schemeClr val="tx1"/>
+                </a:solidFill>
+              </a:rPr>
+              <a:t>Typically installed on your laptop</a:t>
+            </a:r>
+          </a:p>
+          <a:p>
+            <a:pPr lvl="1"/>
+            <a:r>
+              <a:rPr lang="en-US" dirty="0" smtClean="0">
+                <a:solidFill>
+                  <a:schemeClr val="tx1"/>
+                </a:solidFill>
+                <a:hlinkClick r:id="rId2"/>
+              </a:rPr>
+              <a:t>https</a:t>
+            </a:r>
+            <a:r>
+              <a:rPr lang="en-US" dirty="0">
+                <a:solidFill>
+                  <a:schemeClr val="tx1"/>
+                </a:solidFill>
+                <a:hlinkClick r:id="rId2"/>
+              </a:rPr>
+              <a:t>://docs.helm.sh/using_helm/#installing-helm</a:t>
+            </a:r>
+            <a:endParaRPr lang="en-US" dirty="0">
+              <a:solidFill>
+                <a:schemeClr val="tx1"/>
+              </a:solidFill>
+            </a:endParaRPr>
+          </a:p>
+          <a:p>
+            <a:r>
+              <a:rPr lang="en-US" dirty="0" smtClean="0">
+                <a:solidFill>
+                  <a:schemeClr val="tx1"/>
+                </a:solidFill>
+              </a:rPr>
+              <a:t>Options </a:t>
+            </a:r>
+            <a:r>
+              <a:rPr lang="en-US" dirty="0" smtClean="0">
+                <a:solidFill>
+                  <a:schemeClr val="tx1"/>
+                </a:solidFill>
+              </a:rPr>
+              <a:t>for installing Helm</a:t>
+            </a:r>
+          </a:p>
+          <a:p>
+            <a:pPr marL="428574" lvl="1" indent="-257175">
+              <a:buFont typeface="+mj-lt"/>
+              <a:buAutoNum type="arabicPeriod"/>
+            </a:pPr>
+            <a:r>
+              <a:rPr lang="en-US" dirty="0" smtClean="0">
+                <a:solidFill>
+                  <a:schemeClr val="tx1"/>
+                </a:solidFill>
+              </a:rPr>
+              <a:t>Download the release, including the </a:t>
+            </a:r>
+            <a:r>
+              <a:rPr lang="en-US" dirty="0" smtClean="0">
+                <a:solidFill>
+                  <a:schemeClr val="tx1"/>
+                </a:solidFill>
+              </a:rPr>
+              <a:t>binary from:</a:t>
+            </a:r>
+            <a:endParaRPr lang="en-US" dirty="0" smtClean="0">
+              <a:solidFill>
+                <a:schemeClr val="tx1"/>
+              </a:solidFill>
+            </a:endParaRPr>
+          </a:p>
+          <a:p>
+            <a:pPr marL="474644" lvl="2" indent="0">
               <a:buNone/>
             </a:pPr>
             <a:r>
-              <a:rPr lang="en-US" sz="1250" dirty="0">
-                <a:latin typeface="Courier" charset="0"/>
+              <a:rPr lang="en-US" dirty="0" smtClean="0">
+                <a:solidFill>
+                  <a:schemeClr val="tx1"/>
+                </a:solidFill>
+                <a:hlinkClick r:id="rId3"/>
+              </a:rPr>
+              <a:t>https</a:t>
+            </a:r>
+            <a:r>
+              <a:rPr lang="en-US" dirty="0">
+                <a:solidFill>
+                  <a:schemeClr val="tx1"/>
+                </a:solidFill>
+                <a:hlinkClick r:id="rId3"/>
+              </a:rPr>
+              <a:t>://</a:t>
+            </a:r>
+            <a:r>
+              <a:rPr lang="en-US" dirty="0" smtClean="0">
+                <a:solidFill>
+                  <a:schemeClr val="tx1"/>
+                </a:solidFill>
+                <a:hlinkClick r:id="rId3"/>
+              </a:rPr>
+              <a:t>github.com/kubernetes/helm/releases</a:t>
+            </a:r>
+            <a:endParaRPr lang="en-US" dirty="0" smtClean="0">
+              <a:solidFill>
+                <a:schemeClr val="tx1"/>
+              </a:solidFill>
+            </a:endParaRPr>
+          </a:p>
+          <a:p>
+            <a:pPr marL="428574" lvl="1" indent="-257175">
+              <a:buFont typeface="+mj-lt"/>
+              <a:buAutoNum type="arabicPeriod"/>
+            </a:pPr>
+            <a:r>
+              <a:rPr lang="en-US" dirty="0" smtClean="0">
+                <a:solidFill>
+                  <a:schemeClr val="tx1"/>
+                </a:solidFill>
+              </a:rPr>
+              <a:t>Homebrew on MacOS</a:t>
+            </a:r>
+          </a:p>
+          <a:p>
+            <a:pPr marL="474644" lvl="2" indent="0">
+              <a:buNone/>
+            </a:pPr>
+            <a:r>
+              <a:rPr lang="en-US" dirty="0" smtClean="0">
+                <a:solidFill>
+                  <a:schemeClr val="tx1"/>
+                </a:solidFill>
+                <a:latin typeface="Courier New" pitchFamily="49" charset="0"/>
                 <a:ea typeface="Courier" charset="0"/>
-                <a:cs typeface="Courier" charset="0"/>
+                <a:cs typeface="Courier New" pitchFamily="49" charset="0"/>
               </a:rPr>
-              <a:t>$ </a:t>
-            </a:r>
-            <a:r>
-              <a:rPr lang="en-US" sz="1250" b="1" dirty="0">
-                <a:latin typeface="Courier" charset="0"/>
+              <a:t>brew </a:t>
+            </a:r>
+            <a:r>
+              <a:rPr lang="en-US" dirty="0">
+                <a:solidFill>
+                  <a:schemeClr val="tx1"/>
+                </a:solidFill>
+                <a:latin typeface="Courier New" pitchFamily="49" charset="0"/>
                 <a:ea typeface="Courier" charset="0"/>
-                <a:cs typeface="Courier" charset="0"/>
+                <a:cs typeface="Courier New" pitchFamily="49" charset="0"/>
               </a:rPr>
-              <a:t>helm create my-chart</a:t>
-            </a:r>
-            <a:r>
-              <a:rPr lang="en-US" sz="1250" dirty="0">
-                <a:latin typeface="Courier" charset="0"/>
+              <a:t>install </a:t>
+            </a:r>
+            <a:r>
+              <a:rPr lang="en-US" dirty="0" smtClean="0">
+                <a:solidFill>
+                  <a:schemeClr val="tx1"/>
+                </a:solidFill>
+                <a:latin typeface="Courier New" pitchFamily="49" charset="0"/>
                 <a:ea typeface="Courier" charset="0"/>
-                <a:cs typeface="Courier" charset="0"/>
+                <a:cs typeface="Courier New" pitchFamily="49" charset="0"/>
               </a:rPr>
-              <a:t/>
-            </a:r>
-            <a:br>
-              <a:rPr lang="en-US" sz="1250" dirty="0">
-                <a:latin typeface="Courier" charset="0"/>
+              <a:t>kubernetes-helm</a:t>
+            </a:r>
+          </a:p>
+          <a:p>
+            <a:pPr marL="428574" lvl="1" indent="-257175">
+              <a:buFont typeface="+mj-lt"/>
+              <a:buAutoNum type="arabicPeriod"/>
+            </a:pPr>
+            <a:r>
+              <a:rPr lang="en-US" dirty="0">
+                <a:solidFill>
+                  <a:schemeClr val="tx1"/>
+                </a:solidFill>
+              </a:rPr>
+              <a:t>Installer </a:t>
+            </a:r>
+            <a:r>
+              <a:rPr lang="en-US" dirty="0" smtClean="0">
+                <a:solidFill>
+                  <a:schemeClr val="tx1"/>
+                </a:solidFill>
+              </a:rPr>
+              <a:t>script</a:t>
+            </a:r>
+          </a:p>
+          <a:p>
+            <a:pPr marL="474644" lvl="2" indent="0">
+              <a:buNone/>
+            </a:pPr>
+            <a:r>
+              <a:rPr lang="en-US" dirty="0" smtClean="0">
+                <a:solidFill>
+                  <a:schemeClr val="tx1"/>
+                </a:solidFill>
+                <a:latin typeface="Courier New" pitchFamily="49" charset="0"/>
                 <a:ea typeface="Courier" charset="0"/>
-                <a:cs typeface="Courier" charset="0"/>
+                <a:cs typeface="Courier New" pitchFamily="49" charset="0"/>
               </a:rPr>
-            </a:br>
-            <a:r>
-              <a:rPr lang="en-US" sz="1250" dirty="0">
-                <a:latin typeface="Courier" charset="0"/>
+              <a:t>curl </a:t>
+            </a:r>
+            <a:r>
+              <a:rPr lang="en-US" dirty="0">
+                <a:solidFill>
+                  <a:schemeClr val="tx1"/>
+                </a:solidFill>
+                <a:latin typeface="Courier New" pitchFamily="49" charset="0"/>
                 <a:ea typeface="Courier" charset="0"/>
-                <a:cs typeface="Courier" charset="0"/>
+                <a:cs typeface="Courier New" pitchFamily="49" charset="0"/>
               </a:rPr>
-              <a:t>$ </a:t>
-            </a:r>
-            <a:r>
-              <a:rPr lang="en-US" sz="1250" b="1" dirty="0">
-                <a:latin typeface="Courier" charset="0"/>
+              <a:t>https://raw.githubusercontent.com/kubernetes/helm/master/scripts/get &gt; </a:t>
+            </a:r>
+            <a:r>
+              <a:rPr lang="en-US" dirty="0" smtClean="0">
+                <a:solidFill>
+                  <a:schemeClr val="tx1"/>
+                </a:solidFill>
+                <a:latin typeface="Courier New" pitchFamily="49" charset="0"/>
                 <a:ea typeface="Courier" charset="0"/>
-                <a:cs typeface="Courier" charset="0"/>
+                <a:cs typeface="Courier New" pitchFamily="49" charset="0"/>
               </a:rPr>
-              <a:t>tree my-chart</a:t>
-            </a:r>
-          </a:p>
-          <a:p>
-            <a:pPr marL="171399" lvl="1" indent="0">
-              <a:buNone/>
-              <a:tabLst>
-                <a:tab pos="336948" algn="l"/>
-                <a:tab pos="682229" algn="l"/>
-                <a:tab pos="1709738" algn="l"/>
-              </a:tabLst>
-            </a:pPr>
-            <a:r>
-              <a:rPr lang="en-US" sz="1000" dirty="0">
-                <a:latin typeface="Courier" charset="0"/>
-                <a:ea typeface="Courier" charset="0"/>
-                <a:cs typeface="Courier" charset="0"/>
-              </a:rPr>
-              <a:t>my-chart/			# The content of this directory is the chart</a:t>
-            </a:r>
-            <a:br>
-              <a:rPr lang="en-US" sz="1000" dirty="0">
-                <a:latin typeface="Courier" charset="0"/>
-                <a:ea typeface="Courier" charset="0"/>
-                <a:cs typeface="Courier" charset="0"/>
-              </a:rPr>
-            </a:br>
-            <a:r>
-              <a:rPr lang="en-US" sz="1000" dirty="0">
-                <a:latin typeface="Courier" charset="0"/>
-                <a:ea typeface="Courier" charset="0"/>
-                <a:cs typeface="Courier" charset="0"/>
-              </a:rPr>
-              <a:t>	|- </a:t>
-            </a:r>
-            <a:r>
-              <a:rPr lang="en-US" sz="1000" dirty="0" err="1">
-                <a:latin typeface="Courier" charset="0"/>
-                <a:ea typeface="Courier" charset="0"/>
-                <a:cs typeface="Courier" charset="0"/>
-              </a:rPr>
-              <a:t>Chart.yaml</a:t>
-            </a:r>
-            <a:r>
-              <a:rPr lang="en-US" sz="1000" dirty="0">
-                <a:latin typeface="Courier" charset="0"/>
-                <a:ea typeface="Courier" charset="0"/>
-                <a:cs typeface="Courier" charset="0"/>
-              </a:rPr>
-              <a:t>			# Information about the chart</a:t>
-            </a:r>
-            <a:br>
-              <a:rPr lang="en-US" sz="1000" dirty="0">
-                <a:latin typeface="Courier" charset="0"/>
-                <a:ea typeface="Courier" charset="0"/>
-                <a:cs typeface="Courier" charset="0"/>
-              </a:rPr>
-            </a:br>
-            <a:r>
-              <a:rPr lang="en-US" sz="1000" dirty="0">
-                <a:latin typeface="Courier" charset="0"/>
-                <a:ea typeface="Courier" charset="0"/>
-                <a:cs typeface="Courier" charset="0"/>
-              </a:rPr>
-              <a:t>	|- </a:t>
-            </a:r>
-            <a:r>
-              <a:rPr lang="en-US" sz="1000" dirty="0" err="1">
-                <a:latin typeface="Courier" charset="0"/>
-                <a:ea typeface="Courier" charset="0"/>
-                <a:cs typeface="Courier" charset="0"/>
-              </a:rPr>
-              <a:t>values.yaml</a:t>
-            </a:r>
-            <a:r>
-              <a:rPr lang="en-US" sz="1000" dirty="0">
-                <a:latin typeface="Courier" charset="0"/>
-                <a:ea typeface="Courier" charset="0"/>
-                <a:cs typeface="Courier" charset="0"/>
-              </a:rPr>
-              <a:t>			# The default configuration values for this chart</a:t>
-            </a:r>
-            <a:br>
-              <a:rPr lang="en-US" sz="1000" dirty="0">
-                <a:latin typeface="Courier" charset="0"/>
-                <a:ea typeface="Courier" charset="0"/>
-                <a:cs typeface="Courier" charset="0"/>
-              </a:rPr>
-            </a:br>
-            <a:r>
-              <a:rPr lang="en-US" sz="1000" dirty="0">
-                <a:latin typeface="Courier" charset="0"/>
-                <a:ea typeface="Courier" charset="0"/>
-                <a:cs typeface="Courier" charset="0"/>
-              </a:rPr>
-              <a:t>	|- charts/			# Charts that this chart depends on</a:t>
-            </a:r>
-            <a:br>
-              <a:rPr lang="en-US" sz="1000" dirty="0">
-                <a:latin typeface="Courier" charset="0"/>
-                <a:ea typeface="Courier" charset="0"/>
-                <a:cs typeface="Courier" charset="0"/>
-              </a:rPr>
-            </a:br>
-            <a:r>
-              <a:rPr lang="en-US" sz="1000" dirty="0">
-                <a:latin typeface="Courier" charset="0"/>
-                <a:ea typeface="Courier" charset="0"/>
-                <a:cs typeface="Courier" charset="0"/>
-              </a:rPr>
-              <a:t>	|- templates/			# This chart's template files</a:t>
-            </a:r>
-            <a:br>
-              <a:rPr lang="en-US" sz="1000" dirty="0">
-                <a:latin typeface="Courier" charset="0"/>
-                <a:ea typeface="Courier" charset="0"/>
-                <a:cs typeface="Courier" charset="0"/>
-              </a:rPr>
-            </a:br>
-            <a:r>
-              <a:rPr lang="en-US" sz="1000" dirty="0">
-                <a:latin typeface="Courier" charset="0"/>
-                <a:ea typeface="Courier" charset="0"/>
-                <a:cs typeface="Courier" charset="0"/>
-              </a:rPr>
-              <a:t>		|- NOTES.txt		      # OPTIONAL: A plain text file containing short usage notes</a:t>
-            </a:r>
-            <a:br>
-              <a:rPr lang="en-US" sz="1000" dirty="0">
-                <a:latin typeface="Courier" charset="0"/>
-                <a:ea typeface="Courier" charset="0"/>
-                <a:cs typeface="Courier" charset="0"/>
-              </a:rPr>
-            </a:br>
-            <a:r>
-              <a:rPr lang="en-US" sz="1000" dirty="0">
-                <a:latin typeface="Courier" charset="0"/>
-                <a:ea typeface="Courier" charset="0"/>
-                <a:cs typeface="Courier" charset="0"/>
-              </a:rPr>
-              <a:t>		|- _</a:t>
-            </a:r>
-            <a:r>
-              <a:rPr lang="en-US" sz="1000" dirty="0" err="1">
-                <a:latin typeface="Courier" charset="0"/>
-                <a:ea typeface="Courier" charset="0"/>
-                <a:cs typeface="Courier" charset="0"/>
-              </a:rPr>
-              <a:t>helpers.tpl</a:t>
-            </a:r>
-            <a:r>
-              <a:rPr lang="en-US" sz="1000" dirty="0">
-                <a:latin typeface="Courier" charset="0"/>
-                <a:ea typeface="Courier" charset="0"/>
-                <a:cs typeface="Courier" charset="0"/>
-              </a:rPr>
-              <a:t>	# OPTIONAL: The default location for template partials</a:t>
-            </a:r>
-            <a:br>
-              <a:rPr lang="en-US" sz="1000" dirty="0">
-                <a:latin typeface="Courier" charset="0"/>
-                <a:ea typeface="Courier" charset="0"/>
-                <a:cs typeface="Courier" charset="0"/>
-              </a:rPr>
-            </a:br>
-            <a:r>
-              <a:rPr lang="en-US" sz="1000" dirty="0">
-                <a:latin typeface="Courier" charset="0"/>
-                <a:ea typeface="Courier" charset="0"/>
-                <a:cs typeface="Courier" charset="0"/>
-              </a:rPr>
-              <a:t>		|- </a:t>
-            </a:r>
-            <a:r>
-              <a:rPr lang="en-US" sz="1000" dirty="0" err="1">
-                <a:latin typeface="Courier" charset="0"/>
-                <a:ea typeface="Courier" charset="0"/>
-                <a:cs typeface="Courier" charset="0"/>
-              </a:rPr>
-              <a:t>deployment.yaml</a:t>
-            </a:r>
-            <a:r>
-              <a:rPr lang="en-US" sz="1000" dirty="0">
-                <a:latin typeface="Courier" charset="0"/>
-                <a:ea typeface="Courier" charset="0"/>
-                <a:cs typeface="Courier" charset="0"/>
-              </a:rPr>
-              <a:t>	# Sample template for a deployment resource</a:t>
-            </a:r>
-            <a:br>
-              <a:rPr lang="en-US" sz="1000" dirty="0">
-                <a:latin typeface="Courier" charset="0"/>
-                <a:ea typeface="Courier" charset="0"/>
-                <a:cs typeface="Courier" charset="0"/>
-              </a:rPr>
-            </a:br>
-            <a:r>
-              <a:rPr lang="en-US" sz="1000" dirty="0">
-                <a:latin typeface="Courier" charset="0"/>
-                <a:ea typeface="Courier" charset="0"/>
-                <a:cs typeface="Courier" charset="0"/>
-              </a:rPr>
-              <a:t>		|- </a:t>
-            </a:r>
-            <a:r>
-              <a:rPr lang="en-US" sz="1000" dirty="0" err="1">
-                <a:latin typeface="Courier" charset="0"/>
-                <a:ea typeface="Courier" charset="0"/>
-                <a:cs typeface="Courier" charset="0"/>
-              </a:rPr>
-              <a:t>service.yaml</a:t>
-            </a:r>
-            <a:r>
-              <a:rPr lang="en-US" sz="1000" dirty="0">
-                <a:latin typeface="Courier" charset="0"/>
-                <a:ea typeface="Courier" charset="0"/>
-                <a:cs typeface="Courier" charset="0"/>
-              </a:rPr>
-              <a:t>	# Sample template for a service resource</a:t>
-            </a:r>
-            <a:endParaRPr lang="en-US" dirty="0"/>
-          </a:p>
-          <a:p>
-            <a:r>
-              <a:rPr lang="en-US" dirty="0"/>
-              <a:t>Chart starts with sample templates for a Kubernetes deployment and service</a:t>
-            </a:r>
-          </a:p>
-          <a:p>
-            <a:pPr lvl="1"/>
-            <a:r>
-              <a:rPr lang="en-US" sz="1750" dirty="0"/>
-              <a:t>In the simplest case, just edit the </a:t>
-            </a:r>
-            <a:r>
-              <a:rPr lang="en-US" sz="1750" dirty="0" err="1">
-                <a:latin typeface="Courier" charset="0"/>
-                <a:ea typeface="Courier" charset="0"/>
-                <a:cs typeface="Courier" charset="0"/>
-              </a:rPr>
-              <a:t>values.yaml</a:t>
-            </a:r>
-            <a:r>
-              <a:rPr lang="en-US" sz="1750" dirty="0"/>
-              <a:t> file</a:t>
-            </a:r>
-          </a:p>
-          <a:p>
-            <a:endParaRPr lang="en-US" dirty="0"/>
-          </a:p>
-          <a:p>
-            <a:endParaRPr lang="en-US" dirty="0"/>
-          </a:p>
-        </p:txBody>
-      </p:sp>
-      <p:sp>
-        <p:nvSpPr>
-          <p:cNvPr id="5" name="Slide Number Placeholder 4"/>
+              <a:t>get_helm.sh</a:t>
+            </a:r>
+          </a:p>
+          <a:p>
+            <a:endParaRPr lang="en-US" dirty="0" smtClean="0">
+              <a:solidFill>
+                <a:schemeClr val="tx1"/>
+              </a:solidFill>
+              <a:hlinkClick r:id="rId2"/>
+            </a:endParaRPr>
+          </a:p>
+        </p:txBody>
+      </p:sp>
+      <p:sp>
+        <p:nvSpPr>
+          <p:cNvPr id="4" name="Slide Number Placeholder 3"/>
           <p:cNvSpPr>
             <a:spLocks noGrp="1"/>
           </p:cNvSpPr>
@@ -39354,8 +39569,8 @@
         </p:nvSpPr>
         <p:spPr>
           <a:xfrm>
-            <a:off x="8830892" y="4927472"/>
-            <a:ext cx="38472" cy="92333"/>
+            <a:off x="8826083" y="4927472"/>
+            <a:ext cx="43281" cy="92333"/>
           </a:xfrm>
         </p:spPr>
         <p:txBody>
@@ -39365,7 +39580,7 @@
             <a:pPr>
               <a:defRPr/>
             </a:pPr>
-            <a:fld id="{F6195F61-18A5-496F-99BC-14D9FC7ECCF8}" type="slidenum">
+            <a:fld id="{11A68DD8-55F1-4DDB-A894-47428CF80362}" type="slidenum">
               <a:rPr lang="en-US" smtClean="0"/>
               <a:pPr>
                 <a:defRPr/>
@@ -39376,10 +39591,44 @@
           </a:p>
         </p:txBody>
       </p:sp>
+      <p:sp>
+        <p:nvSpPr>
+          <p:cNvPr id="5" name="Footer Placeholder 4"/>
+          <p:cNvSpPr>
+            <a:spLocks noGrp="1"/>
+          </p:cNvSpPr>
+          <p:nvPr>
+            <p:ph type="ftr" sz="quarter" idx="4294967295"/>
+          </p:nvPr>
+        </p:nvSpPr>
+        <p:spPr>
+          <a:xfrm>
+            <a:off x="7584964" y="5011255"/>
+            <a:ext cx="1439975" cy="132245"/>
+          </a:xfrm>
+          <a:prstGeom prst="rect">
+            <a:avLst/>
+          </a:prstGeom>
+        </p:spPr>
+        <p:txBody>
+          <a:bodyPr lIns="68580" tIns="34290" rIns="68580" bIns="34290"/>
+          <a:lstStyle/>
+          <a:p>
+            <a:pPr>
+              <a:defRPr/>
+            </a:pPr>
+            <a:r>
+              <a:rPr lang="en-US" dirty="0" smtClean="0"/>
+              <a:t>© Copyright IBM Corporation 2017</a:t>
+            </a:r>
+            <a:endParaRPr lang="en-US" dirty="0"/>
+          </a:p>
+        </p:txBody>
+      </p:sp>
     </p:spTree>
     <p:extLst>
       <p:ext uri="{BB962C8B-B14F-4D97-AF65-F5344CB8AC3E}">
-        <p14:creationId xmlns:p14="http://schemas.microsoft.com/office/powerpoint/2010/main" val="3192999551"/>
+        <p14:creationId xmlns:p14="http://schemas.microsoft.com/office/powerpoint/2010/main" val="3704698502"/>
       </p:ext>
     </p:extLst>
   </p:cSld>
@@ -39411,7 +39660,7 @@
       </p:grpSpPr>
       <p:sp>
         <p:nvSpPr>
-          <p:cNvPr id="16" name="Title 15"/>
+          <p:cNvPr id="2" name="Title 1"/>
           <p:cNvSpPr>
             <a:spLocks noGrp="1"/>
           </p:cNvSpPr>
@@ -39425,138 +39674,650 @@
           <a:lstStyle/>
           <a:p>
             <a:r>
-              <a:rPr lang="en-US" dirty="0"/>
-              <a:t>Packaging Charts</a:t>
-            </a:r>
-          </a:p>
-        </p:txBody>
-      </p:sp>
-      <p:sp>
-        <p:nvSpPr>
-          <p:cNvPr id="17" name="Content Placeholder 16"/>
-          <p:cNvSpPr>
-            <a:spLocks noGrp="1"/>
-          </p:cNvSpPr>
-          <p:nvPr>
-            <p:ph idx="1"/>
-          </p:nvPr>
-        </p:nvSpPr>
-        <p:spPr/>
+              <a:rPr lang="en-US" dirty="0" smtClean="0"/>
+              <a:t>Helm </a:t>
+            </a:r>
+            <a:r>
+              <a:rPr lang="en-US" dirty="0" smtClean="0"/>
+              <a:t>commands</a:t>
+            </a:r>
+            <a:endParaRPr lang="en-US" dirty="0"/>
+          </a:p>
+        </p:txBody>
+      </p:sp>
+      <p:sp>
+        <p:nvSpPr>
+          <p:cNvPr id="3" name="Content Placeholder 2"/>
+          <p:cNvSpPr>
+            <a:spLocks noGrp="1"/>
+          </p:cNvSpPr>
+          <p:nvPr>
+            <p:ph sz="half" idx="1"/>
+          </p:nvPr>
+        </p:nvSpPr>
+        <p:spPr>
+          <a:xfrm>
+            <a:off x="328874" y="877824"/>
+            <a:ext cx="4257143" cy="4026028"/>
+          </a:xfrm>
+        </p:spPr>
         <p:txBody>
           <a:bodyPr/>
           <a:lstStyle/>
           <a:p>
-            <a:r>
-              <a:rPr lang="en-US" dirty="0"/>
-              <a:t>A chart is a directory</a:t>
-            </a:r>
-          </a:p>
-          <a:p>
-            <a:pPr lvl="1"/>
-            <a:r>
-              <a:rPr lang="en-US" dirty="0"/>
-              <a:t>Easy for a Helm client to use the chart directories on the same computer</a:t>
-            </a:r>
-          </a:p>
-          <a:p>
-            <a:pPr lvl="1"/>
-            <a:r>
-              <a:rPr lang="en-US" dirty="0"/>
-              <a:t>Difficult to share with other users on other computers</a:t>
-            </a:r>
-          </a:p>
-          <a:p>
-            <a:r>
-              <a:rPr lang="en-US" dirty="0"/>
-              <a:t>Packaging a chart</a:t>
-            </a:r>
-          </a:p>
-          <a:p>
-            <a:pPr lvl="1"/>
-            <a:r>
-              <a:rPr lang="en-US" dirty="0"/>
-              <a:t>Bundle </a:t>
-            </a:r>
-            <a:r>
-              <a:rPr lang="en-US" dirty="0" err="1"/>
-              <a:t>Chart.yaml</a:t>
-            </a:r>
-            <a:r>
-              <a:rPr lang="en-US" dirty="0"/>
-              <a:t> and related files into a tar file </a:t>
-            </a:r>
-          </a:p>
-          <a:p>
-            <a:pPr marL="342798" lvl="2" indent="0">
+            <a:pPr>
+              <a:spcBef>
+                <a:spcPts val="0"/>
+              </a:spcBef>
+            </a:pPr>
+            <a:r>
+              <a:rPr lang="en-US" dirty="0"/>
+              <a:t>Install Tiller</a:t>
+            </a:r>
+            <a:endParaRPr lang="en-US" dirty="0"/>
+          </a:p>
+          <a:p>
+            <a:pPr marL="280973">
+              <a:spcBef>
+                <a:spcPts val="0"/>
+              </a:spcBef>
+            </a:pPr>
+            <a:r>
+              <a:rPr lang="en-US" dirty="0">
+                <a:latin typeface="Courier New" pitchFamily="49" charset="0"/>
+                <a:ea typeface="Courier" charset="0"/>
+                <a:cs typeface="Courier New" pitchFamily="49" charset="0"/>
+              </a:rPr>
+              <a:t>$ helm </a:t>
+            </a:r>
+            <a:r>
+              <a:rPr lang="en-US" dirty="0" smtClean="0">
+                <a:latin typeface="Courier New" pitchFamily="49" charset="0"/>
+                <a:ea typeface="Courier" charset="0"/>
+                <a:cs typeface="Courier New" pitchFamily="49" charset="0"/>
+              </a:rPr>
+              <a:t>init</a:t>
+            </a:r>
+            <a:endParaRPr lang="en-US" dirty="0">
+              <a:latin typeface="Courier New" pitchFamily="49" charset="0"/>
+              <a:ea typeface="Courier" charset="0"/>
+              <a:cs typeface="Courier New" pitchFamily="49" charset="0"/>
+            </a:endParaRPr>
+          </a:p>
+          <a:p>
+            <a:pPr marL="623770" lvl="2" indent="0">
+              <a:spcBef>
+                <a:spcPts val="0"/>
+              </a:spcBef>
               <a:buNone/>
             </a:pPr>
-            <a:r>
-              <a:rPr lang="en-US" sz="1250" dirty="0">
-                <a:latin typeface="IBM Plex Mono" panose="020B0509050000000000" pitchFamily="49" charset="0"/>
+            <a:endParaRPr lang="en-US" dirty="0"/>
+          </a:p>
+          <a:p>
+            <a:pPr>
+              <a:spcBef>
+                <a:spcPts val="0"/>
+              </a:spcBef>
+            </a:pPr>
+            <a:r>
+              <a:rPr lang="en-US" dirty="0"/>
+              <a:t>Create a chart</a:t>
+            </a:r>
+          </a:p>
+          <a:p>
+            <a:pPr marL="280973">
+              <a:spcBef>
+                <a:spcPts val="0"/>
+              </a:spcBef>
+            </a:pPr>
+            <a:r>
+              <a:rPr lang="en-US" dirty="0">
+                <a:latin typeface="Courier New" pitchFamily="49" charset="0"/>
+                <a:ea typeface="Courier" charset="0"/>
+                <a:cs typeface="Courier New" pitchFamily="49" charset="0"/>
               </a:rPr>
-              <a:t>$ helm package &lt;chart-path&gt;		# Bundles chart directory into a tar file</a:t>
-            </a:r>
-          </a:p>
-          <a:p>
-            <a:pPr marL="342798" lvl="2" indent="0">
+              <a:t>$ helm </a:t>
+            </a:r>
+            <a:r>
+              <a:rPr lang="en-US" dirty="0" smtClean="0">
+                <a:latin typeface="Courier New" pitchFamily="49" charset="0"/>
+                <a:ea typeface="Courier" charset="0"/>
+                <a:cs typeface="Courier New" pitchFamily="49" charset="0"/>
+              </a:rPr>
+              <a:t>create &lt;chart&gt;</a:t>
+            </a:r>
+            <a:endParaRPr lang="en-US" dirty="0">
+              <a:latin typeface="Courier New" pitchFamily="49" charset="0"/>
+              <a:ea typeface="Courier" charset="0"/>
+              <a:cs typeface="Courier New" pitchFamily="49" charset="0"/>
+            </a:endParaRPr>
+          </a:p>
+          <a:p>
+            <a:pPr marL="623770" lvl="2" indent="0">
+              <a:spcBef>
+                <a:spcPts val="0"/>
+              </a:spcBef>
               <a:buNone/>
             </a:pPr>
-            <a:r>
-              <a:rPr lang="en-US" sz="1250" dirty="0">
-                <a:latin typeface="IBM Plex Mono" panose="020B0509050000000000" pitchFamily="49" charset="0"/>
+            <a:endParaRPr lang="en-US" dirty="0"/>
+          </a:p>
+          <a:p>
+            <a:pPr>
+              <a:spcBef>
+                <a:spcPts val="0"/>
+              </a:spcBef>
+            </a:pPr>
+            <a:r>
+              <a:rPr lang="en-US" dirty="0"/>
+              <a:t>List </a:t>
+            </a:r>
+            <a:r>
+              <a:rPr lang="en-US" dirty="0"/>
+              <a:t>the repositories</a:t>
+            </a:r>
+          </a:p>
+          <a:p>
+            <a:pPr marL="280973">
+              <a:spcBef>
+                <a:spcPts val="0"/>
+              </a:spcBef>
+            </a:pPr>
+            <a:r>
+              <a:rPr lang="en-US" dirty="0">
+                <a:latin typeface="Courier New" pitchFamily="49" charset="0"/>
+                <a:ea typeface="Courier" charset="0"/>
+                <a:cs typeface="Courier New" pitchFamily="49" charset="0"/>
               </a:rPr>
-              <a:t>$ helm install &lt;chart-name&gt;.</a:t>
-            </a:r>
-            <a:r>
-              <a:rPr lang="en-US" sz="1250" dirty="0" err="1">
-                <a:latin typeface="IBM Plex Mono" panose="020B0509050000000000" pitchFamily="49" charset="0"/>
+              <a:t>$ helm repo list</a:t>
+            </a:r>
+          </a:p>
+          <a:p>
+            <a:pPr marL="623770" lvl="2" indent="0">
+              <a:spcBef>
+                <a:spcPts val="0"/>
+              </a:spcBef>
+              <a:buNone/>
+            </a:pPr>
+            <a:endParaRPr lang="en-US" dirty="0"/>
+          </a:p>
+          <a:p>
+            <a:pPr>
+              <a:spcBef>
+                <a:spcPts val="0"/>
+              </a:spcBef>
+            </a:pPr>
+            <a:r>
+              <a:rPr lang="en-US" dirty="0"/>
+              <a:t>Search for a chart</a:t>
+            </a:r>
+            <a:endParaRPr lang="en-US" dirty="0"/>
+          </a:p>
+          <a:p>
+            <a:pPr marL="280973">
+              <a:spcBef>
+                <a:spcPts val="0"/>
+              </a:spcBef>
+            </a:pPr>
+            <a:r>
+              <a:rPr lang="en-US" dirty="0">
+                <a:latin typeface="Courier New" pitchFamily="49" charset="0"/>
+                <a:ea typeface="Courier" charset="0"/>
+                <a:cs typeface="Courier New" pitchFamily="49" charset="0"/>
               </a:rPr>
-              <a:t>tgz</a:t>
-            </a:r>
-            <a:r>
-              <a:rPr lang="en-US" sz="1250" dirty="0">
-                <a:latin typeface="IBM Plex Mono" panose="020B0509050000000000" pitchFamily="49" charset="0"/>
+              <a:t>$ helm </a:t>
+            </a:r>
+            <a:r>
+              <a:rPr lang="en-US" dirty="0" smtClean="0">
+                <a:latin typeface="Courier New" pitchFamily="49" charset="0"/>
+                <a:ea typeface="Courier" charset="0"/>
+                <a:cs typeface="Courier New" pitchFamily="49" charset="0"/>
               </a:rPr>
-              <a:t>		# Installs the chart in the chart file</a:t>
-            </a:r>
-          </a:p>
-          <a:p>
-            <a:r>
-              <a:rPr lang="en-US" dirty="0"/>
-              <a:t>Packaged charts can be shared in a chart repository </a:t>
-            </a:r>
-          </a:p>
-          <a:p>
-            <a:r>
-              <a:rPr lang="en-US" dirty="0"/>
-              <a:t>Sub-charts: </a:t>
-            </a:r>
-          </a:p>
-          <a:p>
-            <a:pPr lvl="1"/>
-            <a:r>
-              <a:rPr lang="en-US" dirty="0"/>
-              <a:t>Chart can reference other charts using </a:t>
-            </a:r>
-            <a:r>
-              <a:rPr lang="en-US" sz="1500" dirty="0" err="1">
-                <a:latin typeface="IBM Plex Mono" panose="020B0509050000000000" pitchFamily="49" charset="0"/>
+              <a:t>search &lt;keyword&gt;</a:t>
+            </a:r>
+            <a:endParaRPr lang="en-US" dirty="0">
+              <a:latin typeface="Courier New" pitchFamily="49" charset="0"/>
+              <a:ea typeface="Courier" charset="0"/>
+              <a:cs typeface="Courier New" pitchFamily="49" charset="0"/>
+            </a:endParaRPr>
+          </a:p>
+          <a:p>
+            <a:pPr marL="623770" lvl="2" indent="0">
+              <a:spcBef>
+                <a:spcPts val="0"/>
+              </a:spcBef>
+              <a:buNone/>
+            </a:pPr>
+            <a:endParaRPr lang="en-US" dirty="0"/>
+          </a:p>
+          <a:p>
+            <a:pPr>
+              <a:spcBef>
+                <a:spcPts val="0"/>
+              </a:spcBef>
+            </a:pPr>
+            <a:r>
+              <a:rPr lang="en-US" dirty="0"/>
+              <a:t>Info about a </a:t>
+            </a:r>
+            <a:r>
+              <a:rPr lang="en-US" dirty="0"/>
+              <a:t>chart</a:t>
+            </a:r>
+          </a:p>
+          <a:p>
+            <a:pPr marL="280973">
+              <a:spcBef>
+                <a:spcPts val="0"/>
+              </a:spcBef>
+            </a:pPr>
+            <a:r>
+              <a:rPr lang="en-US" dirty="0">
+                <a:latin typeface="Courier New" pitchFamily="49" charset="0"/>
+                <a:ea typeface="Courier" charset="0"/>
+                <a:cs typeface="Courier New" pitchFamily="49" charset="0"/>
               </a:rPr>
-              <a:t>requirements.yaml</a:t>
-            </a:r>
-            <a:r>
-              <a:rPr lang="en-US" dirty="0"/>
-              <a:t> file, these sub-charts will be installed with the current chart</a:t>
-            </a:r>
-          </a:p>
-          <a:p>
+              <a:t>$ helm </a:t>
+            </a:r>
+            <a:r>
+              <a:rPr lang="en-US" dirty="0" smtClean="0">
+                <a:latin typeface="Courier New" pitchFamily="49" charset="0"/>
+                <a:ea typeface="Courier" charset="0"/>
+                <a:cs typeface="Courier New" pitchFamily="49" charset="0"/>
+              </a:rPr>
+              <a:t>inspect &lt;chart&gt;</a:t>
+            </a:r>
+            <a:endParaRPr lang="en-US" dirty="0">
+              <a:latin typeface="Courier New" pitchFamily="49" charset="0"/>
+              <a:ea typeface="Courier" charset="0"/>
+              <a:cs typeface="Courier New" pitchFamily="49" charset="0"/>
+            </a:endParaRPr>
+          </a:p>
+          <a:p>
+            <a:pPr marL="623770" lvl="2" indent="0">
+              <a:spcBef>
+                <a:spcPts val="0"/>
+              </a:spcBef>
+              <a:buNone/>
+            </a:pPr>
             <a:endParaRPr lang="en-US" dirty="0"/>
           </a:p>
-        </p:txBody>
-      </p:sp>
-      <p:sp>
-        <p:nvSpPr>
-          <p:cNvPr id="7" name="Slide Number Placeholder 6"/>
+          <a:p>
+            <a:pPr>
+              <a:spcBef>
+                <a:spcPts val="0"/>
+              </a:spcBef>
+            </a:pPr>
+            <a:r>
+              <a:rPr lang="en-US" dirty="0"/>
+              <a:t>Deploy a chart (creates a release)</a:t>
+            </a:r>
+            <a:endParaRPr lang="en-US" dirty="0"/>
+          </a:p>
+          <a:p>
+            <a:pPr marL="280973">
+              <a:spcBef>
+                <a:spcPts val="0"/>
+              </a:spcBef>
+            </a:pPr>
+            <a:r>
+              <a:rPr lang="en-US" dirty="0">
+                <a:latin typeface="Courier New" pitchFamily="49" charset="0"/>
+                <a:ea typeface="Courier" charset="0"/>
+                <a:cs typeface="Courier New" pitchFamily="49" charset="0"/>
+              </a:rPr>
+              <a:t>$ </a:t>
+            </a:r>
+            <a:r>
+              <a:rPr lang="en-US" dirty="0" smtClean="0">
+                <a:latin typeface="Courier New" pitchFamily="49" charset="0"/>
+                <a:ea typeface="Courier" charset="0"/>
+                <a:cs typeface="Courier New" pitchFamily="49" charset="0"/>
+              </a:rPr>
+              <a:t>helm install &lt;chart&gt;</a:t>
+            </a:r>
+            <a:endParaRPr lang="en-US" dirty="0">
+              <a:latin typeface="Courier New" pitchFamily="49" charset="0"/>
+              <a:ea typeface="Courier" charset="0"/>
+              <a:cs typeface="Courier New" pitchFamily="49" charset="0"/>
+            </a:endParaRPr>
+          </a:p>
+          <a:p>
+            <a:pPr marL="623770" lvl="2" indent="0">
+              <a:spcBef>
+                <a:spcPts val="0"/>
+              </a:spcBef>
+              <a:buNone/>
+            </a:pPr>
+            <a:endParaRPr lang="en-US" dirty="0"/>
+          </a:p>
+          <a:p>
+            <a:endParaRPr lang="en-US" dirty="0"/>
+          </a:p>
+        </p:txBody>
+      </p:sp>
+      <p:sp>
+        <p:nvSpPr>
+          <p:cNvPr id="4" name="Content Placeholder 3"/>
+          <p:cNvSpPr>
+            <a:spLocks noGrp="1"/>
+          </p:cNvSpPr>
+          <p:nvPr>
+            <p:ph sz="half" idx="2"/>
+          </p:nvPr>
+        </p:nvSpPr>
+        <p:spPr>
+          <a:xfrm>
+            <a:off x="4768547" y="877824"/>
+            <a:ext cx="4257143" cy="4026028"/>
+          </a:xfrm>
+        </p:spPr>
+        <p:txBody>
+          <a:bodyPr/>
+          <a:lstStyle/>
+          <a:p>
+            <a:pPr>
+              <a:spcBef>
+                <a:spcPts val="0"/>
+              </a:spcBef>
+            </a:pPr>
+            <a:r>
+              <a:rPr lang="en-US" dirty="0"/>
+              <a:t>List all releases</a:t>
+            </a:r>
+          </a:p>
+          <a:p>
+            <a:pPr marL="280973">
+              <a:spcBef>
+                <a:spcPts val="0"/>
+              </a:spcBef>
+            </a:pPr>
+            <a:r>
+              <a:rPr lang="en-US" dirty="0">
+                <a:latin typeface="Courier New" pitchFamily="49" charset="0"/>
+                <a:ea typeface="Courier" charset="0"/>
+                <a:cs typeface="Courier New" pitchFamily="49" charset="0"/>
+              </a:rPr>
+              <a:t>$ helm list --all</a:t>
+            </a:r>
+          </a:p>
+          <a:p>
+            <a:pPr marL="623770" lvl="2" indent="0">
+              <a:spcBef>
+                <a:spcPts val="0"/>
+              </a:spcBef>
+              <a:buNone/>
+            </a:pPr>
+            <a:endParaRPr lang="en-US" dirty="0"/>
+          </a:p>
+          <a:p>
+            <a:pPr>
+              <a:spcBef>
+                <a:spcPts val="0"/>
+              </a:spcBef>
+            </a:pPr>
+            <a:r>
+              <a:rPr lang="en-US" dirty="0"/>
+              <a:t>Get </a:t>
+            </a:r>
+            <a:r>
+              <a:rPr lang="en-US" dirty="0"/>
+              <a:t>the status of a release</a:t>
+            </a:r>
+          </a:p>
+          <a:p>
+            <a:pPr marL="280973">
+              <a:spcBef>
+                <a:spcPts val="0"/>
+              </a:spcBef>
+            </a:pPr>
+            <a:r>
+              <a:rPr lang="en-US" dirty="0">
+                <a:latin typeface="Courier New" pitchFamily="49" charset="0"/>
+                <a:ea typeface="Courier" charset="0"/>
+                <a:cs typeface="Courier New" pitchFamily="49" charset="0"/>
+              </a:rPr>
+              <a:t>$ helm status &lt;release&gt;</a:t>
+            </a:r>
+          </a:p>
+          <a:p>
+            <a:pPr marL="623770" lvl="2" indent="0">
+              <a:spcBef>
+                <a:spcPts val="0"/>
+              </a:spcBef>
+              <a:buNone/>
+            </a:pPr>
+            <a:endParaRPr lang="en-US" dirty="0"/>
+          </a:p>
+          <a:p>
+            <a:pPr>
+              <a:spcBef>
+                <a:spcPts val="0"/>
+              </a:spcBef>
+            </a:pPr>
+            <a:r>
+              <a:rPr lang="en-US" dirty="0"/>
+              <a:t>Get the details about a release</a:t>
+            </a:r>
+          </a:p>
+          <a:p>
+            <a:pPr marL="280973">
+              <a:spcBef>
+                <a:spcPts val="0"/>
+              </a:spcBef>
+            </a:pPr>
+            <a:r>
+              <a:rPr lang="en-US" dirty="0">
+                <a:latin typeface="Courier New" pitchFamily="49" charset="0"/>
+                <a:ea typeface="Courier" charset="0"/>
+                <a:cs typeface="Courier New" pitchFamily="49" charset="0"/>
+              </a:rPr>
+              <a:t>$ helm get &lt;release&gt;</a:t>
+            </a:r>
+          </a:p>
+          <a:p>
+            <a:pPr marL="623770" lvl="2" indent="0">
+              <a:spcBef>
+                <a:spcPts val="0"/>
+              </a:spcBef>
+              <a:buNone/>
+            </a:pPr>
+            <a:endParaRPr lang="en-US" dirty="0"/>
+          </a:p>
+          <a:p>
+            <a:pPr>
+              <a:spcBef>
+                <a:spcPts val="0"/>
+              </a:spcBef>
+            </a:pPr>
+            <a:r>
+              <a:rPr lang="en-US" dirty="0"/>
+              <a:t>Upgrade </a:t>
+            </a:r>
+            <a:r>
+              <a:rPr lang="en-US" dirty="0"/>
+              <a:t>a release</a:t>
+            </a:r>
+          </a:p>
+          <a:p>
+            <a:pPr marL="280973">
+              <a:spcBef>
+                <a:spcPts val="0"/>
+              </a:spcBef>
+            </a:pPr>
+            <a:r>
+              <a:rPr lang="en-US" dirty="0">
+                <a:latin typeface="Courier New" pitchFamily="49" charset="0"/>
+                <a:ea typeface="Courier" charset="0"/>
+                <a:cs typeface="Courier New" pitchFamily="49" charset="0"/>
+              </a:rPr>
+              <a:t>$ helm upgrade &lt;release&gt; &lt;chart&gt;</a:t>
+            </a:r>
+          </a:p>
+          <a:p>
+            <a:pPr marL="623770" lvl="2" indent="0">
+              <a:spcBef>
+                <a:spcPts val="0"/>
+              </a:spcBef>
+              <a:buNone/>
+            </a:pPr>
+            <a:endParaRPr lang="en-US" dirty="0"/>
+          </a:p>
+          <a:p>
+            <a:pPr>
+              <a:spcBef>
+                <a:spcPts val="0"/>
+              </a:spcBef>
+            </a:pPr>
+            <a:r>
+              <a:rPr lang="en-US" dirty="0"/>
+              <a:t>Rollback a </a:t>
+            </a:r>
+            <a:r>
+              <a:rPr lang="en-US" dirty="0"/>
+              <a:t>release</a:t>
+            </a:r>
+          </a:p>
+          <a:p>
+            <a:pPr marL="280973">
+              <a:spcBef>
+                <a:spcPts val="0"/>
+              </a:spcBef>
+            </a:pPr>
+            <a:r>
+              <a:rPr lang="en-US" dirty="0">
+                <a:latin typeface="Courier New" pitchFamily="49" charset="0"/>
+                <a:ea typeface="Courier" charset="0"/>
+                <a:cs typeface="Courier New" pitchFamily="49" charset="0"/>
+              </a:rPr>
+              <a:t>$ helm </a:t>
+            </a:r>
+            <a:r>
+              <a:rPr lang="en-US" dirty="0">
+                <a:latin typeface="Courier New" pitchFamily="49" charset="0"/>
+                <a:ea typeface="Courier" charset="0"/>
+                <a:cs typeface="Courier New" pitchFamily="49" charset="0"/>
+              </a:rPr>
+              <a:t>rollback &lt;release</a:t>
+            </a:r>
+            <a:r>
+              <a:rPr lang="en-US" dirty="0">
+                <a:latin typeface="Courier New" pitchFamily="49" charset="0"/>
+                <a:ea typeface="Courier" charset="0"/>
+                <a:cs typeface="Courier New" pitchFamily="49" charset="0"/>
+              </a:rPr>
+              <a:t>&gt; </a:t>
+            </a:r>
+            <a:r>
+              <a:rPr lang="en-US" dirty="0">
+                <a:latin typeface="Courier New" pitchFamily="49" charset="0"/>
+                <a:ea typeface="Courier" charset="0"/>
+                <a:cs typeface="Courier New" pitchFamily="49" charset="0"/>
+              </a:rPr>
+              <a:t>&lt;revision&gt;</a:t>
+            </a:r>
+            <a:endParaRPr lang="en-US" dirty="0">
+              <a:latin typeface="Courier New" pitchFamily="49" charset="0"/>
+              <a:ea typeface="Courier" charset="0"/>
+              <a:cs typeface="Courier New" pitchFamily="49" charset="0"/>
+            </a:endParaRPr>
+          </a:p>
+          <a:p>
+            <a:pPr marL="623770" lvl="2" indent="0">
+              <a:spcBef>
+                <a:spcPts val="0"/>
+              </a:spcBef>
+              <a:buNone/>
+            </a:pPr>
+            <a:endParaRPr lang="en-US" dirty="0"/>
+          </a:p>
+          <a:p>
+            <a:pPr>
+              <a:spcBef>
+                <a:spcPts val="0"/>
+              </a:spcBef>
+            </a:pPr>
+            <a:r>
+              <a:rPr lang="en-US" dirty="0"/>
+              <a:t>Delete a release</a:t>
+            </a:r>
+            <a:endParaRPr lang="en-US" dirty="0"/>
+          </a:p>
+          <a:p>
+            <a:pPr marL="280973">
+              <a:spcBef>
+                <a:spcPts val="0"/>
+              </a:spcBef>
+            </a:pPr>
+            <a:r>
+              <a:rPr lang="en-US" dirty="0">
+                <a:latin typeface="Courier New" pitchFamily="49" charset="0"/>
+                <a:ea typeface="Courier" charset="0"/>
+                <a:cs typeface="Courier New" pitchFamily="49" charset="0"/>
+              </a:rPr>
+              <a:t>$ </a:t>
+            </a:r>
+            <a:r>
+              <a:rPr lang="en-US" dirty="0" smtClean="0">
+                <a:latin typeface="Courier New" pitchFamily="49" charset="0"/>
+                <a:ea typeface="Courier" charset="0"/>
+                <a:cs typeface="Courier New" pitchFamily="49" charset="0"/>
+              </a:rPr>
+              <a:t>helm delete &lt;release&gt;</a:t>
+            </a:r>
+            <a:endParaRPr lang="en-US" dirty="0">
+              <a:latin typeface="Courier New" pitchFamily="49" charset="0"/>
+              <a:ea typeface="Courier" charset="0"/>
+              <a:cs typeface="Courier New" pitchFamily="49" charset="0"/>
+            </a:endParaRPr>
+          </a:p>
+          <a:p>
+            <a:pPr marL="623770" lvl="2" indent="0">
+              <a:spcBef>
+                <a:spcPts val="0"/>
+              </a:spcBef>
+              <a:buNone/>
+            </a:pPr>
+            <a:endParaRPr lang="en-US" dirty="0"/>
+          </a:p>
+          <a:p>
+            <a:pPr>
+              <a:spcBef>
+                <a:spcPts val="0"/>
+              </a:spcBef>
+            </a:pPr>
+            <a:endParaRPr lang="en-US" sz="1600" dirty="0"/>
+          </a:p>
+        </p:txBody>
+      </p:sp>
+      <p:sp>
+        <p:nvSpPr>
+          <p:cNvPr id="5" name="Footer Placeholder 4"/>
+          <p:cNvSpPr>
+            <a:spLocks noGrp="1"/>
+          </p:cNvSpPr>
+          <p:nvPr>
+            <p:ph type="ftr" sz="quarter" idx="11"/>
+          </p:nvPr>
+        </p:nvSpPr>
+        <p:spPr/>
+        <p:txBody>
+          <a:bodyPr/>
+          <a:lstStyle/>
+          <a:p>
+            <a:pPr>
+              <a:defRPr/>
+            </a:pPr>
+            <a:r>
+              <a:rPr lang="en-US" dirty="0" smtClean="0"/>
+              <a:t>© Copyright IBM Corporation 2017</a:t>
+            </a:r>
+            <a:endParaRPr lang="en-US" dirty="0"/>
+          </a:p>
+        </p:txBody>
+      </p:sp>
+      <p:sp>
+        <p:nvSpPr>
+          <p:cNvPr id="6" name="Slide Number Placeholder 5"/>
           <p:cNvSpPr>
             <a:spLocks noGrp="1"/>
           </p:cNvSpPr>
@@ -39564,19 +40325,19 @@
             <p:ph type="sldNum" sz="quarter" idx="10"/>
           </p:nvPr>
         </p:nvSpPr>
-        <p:spPr>
-          <a:xfrm>
-            <a:off x="8830892" y="4927472"/>
-            <a:ext cx="38472" cy="92333"/>
-          </a:xfrm>
-        </p:spPr>
+        <p:spPr/>
         <p:txBody>
           <a:bodyPr/>
           <a:lstStyle/>
           <a:p>
-            <a:fld id="{40A031B8-DB9D-417A-AA11-302E152BB281}" type="slidenum">
+            <a:pPr>
+              <a:defRPr/>
+            </a:pPr>
+            <a:fld id="{F6195F61-18A5-496F-99BC-14D9FC7ECCF8}" type="slidenum">
               <a:rPr lang="en-US" smtClean="0"/>
-              <a:pPr/>
+              <a:pPr>
+                <a:defRPr/>
+              </a:pPr>
               <a:t>6</a:t>
             </a:fld>
             <a:endParaRPr lang="en-US" dirty="0"/>
@@ -39586,16 +40347,28 @@
     </p:spTree>
     <p:extLst>
       <p:ext uri="{BB962C8B-B14F-4D97-AF65-F5344CB8AC3E}">
-        <p14:creationId xmlns:p14="http://schemas.microsoft.com/office/powerpoint/2010/main" val="1758665020"/>
+        <p14:creationId xmlns:p14="http://schemas.microsoft.com/office/powerpoint/2010/main" val="824468478"/>
       </p:ext>
     </p:extLst>
   </p:cSld>
   <p:clrMapOvr>
     <a:masterClrMapping/>
   </p:clrMapOvr>
-  <p:transition>
-    <p:fade/>
-  </p:transition>
+  <mc:AlternateContent xmlns:mc="http://schemas.openxmlformats.org/markup-compatibility/2006" xmlns:p14="http://schemas.microsoft.com/office/powerpoint/2010/main">
+    <mc:Choice Requires="p14">
+      <p:transition p14:dur="0"/>
+    </mc:Choice>
+    <mc:Fallback xmlns="">
+      <p:transition/>
+    </mc:Fallback>
+  </mc:AlternateContent>
+  <p:timing>
+    <p:tnLst>
+      <p:par>
+        <p:cTn id="1" dur="indefinite" restart="never" nodeType="tmRoot"/>
+      </p:par>
+    </p:tnLst>
+  </p:timing>
 </p:sld>
 </file>
 
@@ -39618,7 +40391,7 @@
       </p:grpSpPr>
       <p:sp>
         <p:nvSpPr>
-          <p:cNvPr id="6" name="Title 5"/>
+          <p:cNvPr id="7" name="Title 6"/>
           <p:cNvSpPr>
             <a:spLocks noGrp="1"/>
           </p:cNvSpPr>
@@ -39632,667 +40405,351 @@
           <a:lstStyle/>
           <a:p>
             <a:r>
-              <a:rPr lang="en-US" dirty="0"/>
-              <a:t>Installing an Application</a:t>
-            </a:r>
-          </a:p>
-        </p:txBody>
-      </p:sp>
-      <p:sp>
-        <p:nvSpPr>
-          <p:cNvPr id="7" name="Content Placeholder 6"/>
-          <p:cNvSpPr>
-            <a:spLocks noGrp="1"/>
-          </p:cNvSpPr>
-          <p:nvPr>
-            <p:ph sz="half" idx="1"/>
-          </p:nvPr>
-        </p:nvSpPr>
-        <p:spPr>
-          <a:xfrm>
-            <a:off x="275709" y="1235948"/>
-            <a:ext cx="5111724" cy="3595217"/>
-          </a:xfrm>
-          <a:ln>
-            <a:solidFill>
-              <a:schemeClr val="accent1"/>
-            </a:solidFill>
-          </a:ln>
-        </p:spPr>
-        <p:txBody>
-          <a:bodyPr vert="horz" lIns="114300" tIns="0" rIns="114300" bIns="0" rtlCol="0">
-            <a:noAutofit/>
-          </a:bodyPr>
+              <a:rPr lang="en-US" dirty="0" smtClean="0"/>
+              <a:t>Working with </a:t>
+            </a:r>
+            <a:r>
+              <a:rPr lang="en-US" dirty="0" smtClean="0"/>
+              <a:t>repositories</a:t>
+            </a:r>
+            <a:endParaRPr lang="en-US" dirty="0"/>
+          </a:p>
+        </p:txBody>
+      </p:sp>
+      <p:sp>
+        <p:nvSpPr>
+          <p:cNvPr id="8" name="Content Placeholder 7"/>
+          <p:cNvSpPr>
+            <a:spLocks noGrp="1"/>
+          </p:cNvSpPr>
+          <p:nvPr>
+            <p:ph idx="1"/>
+          </p:nvPr>
+        </p:nvSpPr>
+        <p:spPr/>
+        <p:txBody>
+          <a:bodyPr/>
           <a:lstStyle/>
           <a:p>
             <a:r>
-              <a:rPr lang="en-US" sz="1125" dirty="0">
+              <a:rPr lang="en-US" dirty="0">
+                <a:solidFill>
+                  <a:schemeClr val="tx1"/>
+                </a:solidFill>
+                <a:latin typeface="Courier New" pitchFamily="49" charset="0"/>
+                <a:ea typeface="Courier" charset="0"/>
+                <a:cs typeface="Courier New" pitchFamily="49" charset="0"/>
+              </a:rPr>
+              <a:t>$ </a:t>
+            </a:r>
+            <a:r>
+              <a:rPr lang="en-US" b="1" dirty="0">
+                <a:solidFill>
+                  <a:schemeClr val="tx1"/>
+                </a:solidFill>
+                <a:latin typeface="Courier New" pitchFamily="49" charset="0"/>
+                <a:ea typeface="Courier" charset="0"/>
+                <a:cs typeface="Courier New" pitchFamily="49" charset="0"/>
+              </a:rPr>
+              <a:t>helm repo </a:t>
+            </a:r>
+            <a:r>
+              <a:rPr lang="en-US" b="1" dirty="0" smtClean="0">
+                <a:solidFill>
+                  <a:schemeClr val="tx1"/>
+                </a:solidFill>
+                <a:latin typeface="Courier New" pitchFamily="49" charset="0"/>
+                <a:ea typeface="Courier" charset="0"/>
+                <a:cs typeface="Courier New" pitchFamily="49" charset="0"/>
+              </a:rPr>
+              <a:t>list</a:t>
+            </a:r>
+          </a:p>
+          <a:p>
+            <a:pPr marL="449245" lvl="2" indent="0">
+              <a:buNone/>
+            </a:pPr>
+            <a:r>
+              <a:rPr lang="en-US" dirty="0">
                 <a:latin typeface="Courier" charset="0"/>
                 <a:ea typeface="Courier" charset="0"/>
                 <a:cs typeface="Courier" charset="0"/>
               </a:rPr>
-              <a:t>$ </a:t>
-            </a:r>
-            <a:r>
-              <a:rPr lang="en-US" sz="1125" b="1" dirty="0">
-                <a:latin typeface="Courier" charset="0"/>
-                <a:ea typeface="Courier" charset="0"/>
-                <a:cs typeface="Courier" charset="0"/>
-              </a:rPr>
-              <a:t>helm search </a:t>
-            </a:r>
-            <a:r>
-              <a:rPr lang="en-US" sz="1125" b="1" dirty="0" err="1">
-                <a:latin typeface="Courier" charset="0"/>
-                <a:ea typeface="Courier" charset="0"/>
-                <a:cs typeface="Courier" charset="0"/>
-              </a:rPr>
-              <a:t>mysql</a:t>
-            </a:r>
-            <a:endParaRPr lang="en-US" sz="1125" b="1" dirty="0">
-              <a:latin typeface="Courier" charset="0"/>
-              <a:ea typeface="Courier" charset="0"/>
-              <a:cs typeface="Courier" charset="0"/>
-            </a:endParaRPr>
-          </a:p>
-          <a:p>
-            <a:r>
-              <a:rPr lang="en-US" sz="875" dirty="0">
-                <a:latin typeface="Courier" charset="0"/>
-                <a:ea typeface="Courier" charset="0"/>
-                <a:cs typeface="Courier" charset="0"/>
-              </a:rPr>
-              <a:t>NAME               	VERSION	DESCRIPTION</a:t>
+              <a:t>NAME  	URL</a:t>
             </a:r>
             <a:br>
-              <a:rPr lang="en-US" sz="875" dirty="0">
+              <a:rPr lang="en-US" dirty="0">
                 <a:latin typeface="Courier" charset="0"/>
                 <a:ea typeface="Courier" charset="0"/>
                 <a:cs typeface="Courier" charset="0"/>
               </a:rPr>
             </a:br>
             <a:r>
-              <a:rPr lang="en-US" sz="875" dirty="0">
+              <a:rPr lang="en-US" dirty="0">
                 <a:latin typeface="Courier" charset="0"/>
                 <a:ea typeface="Courier" charset="0"/>
                 <a:cs typeface="Courier" charset="0"/>
               </a:rPr>
-              <a:t>stable/</a:t>
-            </a:r>
-            <a:r>
-              <a:rPr lang="en-US" sz="875" dirty="0" err="1">
+              <a:t>stable	https://kubernetes-charts.storage.googleapis.com/</a:t>
+            </a:r>
+          </a:p>
+          <a:p>
+            <a:endParaRPr lang="en-US" dirty="0" smtClean="0"/>
+          </a:p>
+          <a:p>
+            <a:r>
+              <a:rPr lang="en-US" dirty="0">
+                <a:solidFill>
+                  <a:schemeClr val="tx1"/>
+                </a:solidFill>
+                <a:latin typeface="Courier New" pitchFamily="49" charset="0"/>
+                <a:ea typeface="Courier" charset="0"/>
+                <a:cs typeface="Courier New" pitchFamily="49" charset="0"/>
+              </a:rPr>
+              <a:t>$ </a:t>
+            </a:r>
+            <a:r>
+              <a:rPr lang="en-US" b="1" dirty="0">
+                <a:solidFill>
+                  <a:schemeClr val="tx1"/>
+                </a:solidFill>
+                <a:latin typeface="Courier New" pitchFamily="49" charset="0"/>
+                <a:ea typeface="Courier" charset="0"/>
+                <a:cs typeface="Courier New" pitchFamily="49" charset="0"/>
+              </a:rPr>
+              <a:t>helm search jenkins</a:t>
+            </a:r>
+          </a:p>
+          <a:p>
+            <a:pPr marL="474644" lvl="2" indent="0">
+              <a:buNone/>
+            </a:pPr>
+            <a:r>
+              <a:rPr lang="en-US" dirty="0">
                 <a:latin typeface="Courier" charset="0"/>
                 <a:ea typeface="Courier" charset="0"/>
                 <a:cs typeface="Courier" charset="0"/>
               </a:rPr>
-              <a:t>mysql</a:t>
-            </a:r>
-            <a:r>
-              <a:rPr lang="en-US" sz="875" dirty="0">
-                <a:latin typeface="Courier" charset="0"/>
-                <a:ea typeface="Courier" charset="0"/>
-                <a:cs typeface="Courier" charset="0"/>
-              </a:rPr>
-              <a:t>	0.1.1	Chart for MySQL</a:t>
-            </a:r>
-          </a:p>
-          <a:p>
-            <a:r>
-              <a:rPr lang="en-US" sz="1125" dirty="0">
-                <a:latin typeface="Courier" charset="0"/>
-                <a:ea typeface="Courier" charset="0"/>
-                <a:cs typeface="Courier" charset="0"/>
-              </a:rPr>
-              <a:t>$ </a:t>
-            </a:r>
-            <a:r>
-              <a:rPr lang="en-US" sz="1125" b="1" dirty="0">
-                <a:latin typeface="Courier" charset="0"/>
-                <a:ea typeface="Courier" charset="0"/>
-                <a:cs typeface="Courier" charset="0"/>
-              </a:rPr>
-              <a:t>helm install stable/</a:t>
-            </a:r>
-            <a:r>
-              <a:rPr lang="en-US" sz="1125" b="1" dirty="0" err="1">
-                <a:latin typeface="Courier" charset="0"/>
-                <a:ea typeface="Courier" charset="0"/>
-                <a:cs typeface="Courier" charset="0"/>
-              </a:rPr>
-              <a:t>mysql</a:t>
-            </a:r>
-            <a:endParaRPr lang="en-US" sz="1125" b="1" dirty="0">
-              <a:latin typeface="Courier" charset="0"/>
-              <a:ea typeface="Courier" charset="0"/>
-              <a:cs typeface="Courier" charset="0"/>
-            </a:endParaRPr>
-          </a:p>
-          <a:p>
-            <a:r>
-              <a:rPr lang="en-US" sz="875" dirty="0">
-                <a:latin typeface="Courier" charset="0"/>
-                <a:ea typeface="Courier" charset="0"/>
-                <a:cs typeface="Courier" charset="0"/>
-              </a:rPr>
-              <a:t>Fetched stable/</a:t>
-            </a:r>
-            <a:r>
-              <a:rPr lang="en-US" sz="875" dirty="0" err="1">
-                <a:latin typeface="Courier" charset="0"/>
-                <a:ea typeface="Courier" charset="0"/>
-                <a:cs typeface="Courier" charset="0"/>
-              </a:rPr>
-              <a:t>mysql</a:t>
-            </a:r>
-            <a:r>
-              <a:rPr lang="en-US" sz="875" dirty="0">
-                <a:latin typeface="Courier" charset="0"/>
-                <a:ea typeface="Courier" charset="0"/>
-                <a:cs typeface="Courier" charset="0"/>
-              </a:rPr>
-              <a:t> to mysql-0.1.1.tgz</a:t>
+              <a:t>NAME          	VERSION	DESCRIPTION</a:t>
             </a:r>
             <a:br>
-              <a:rPr lang="en-US" sz="875" dirty="0">
+              <a:rPr lang="en-US" dirty="0">
                 <a:latin typeface="Courier" charset="0"/>
                 <a:ea typeface="Courier" charset="0"/>
                 <a:cs typeface="Courier" charset="0"/>
               </a:rPr>
             </a:br>
             <a:r>
-              <a:rPr lang="en-US" sz="875" dirty="0">
+              <a:rPr lang="en-US" dirty="0">
                 <a:latin typeface="Courier" charset="0"/>
                 <a:ea typeface="Courier" charset="0"/>
                 <a:cs typeface="Courier" charset="0"/>
               </a:rPr>
-              <a:t>NAME: loping-toad</a:t>
+              <a:t>stable/jenkins	0.1.14	</a:t>
+            </a:r>
+            <a:r>
+              <a:rPr lang="en-US" dirty="0" smtClean="0">
+                <a:latin typeface="Courier" charset="0"/>
+                <a:ea typeface="Courier" charset="0"/>
+                <a:cs typeface="Courier" charset="0"/>
+              </a:rPr>
+              <a:t>A </a:t>
+            </a:r>
+            <a:r>
+              <a:rPr lang="en-US" dirty="0">
+                <a:latin typeface="Courier" charset="0"/>
+                <a:ea typeface="Courier" charset="0"/>
+                <a:cs typeface="Courier" charset="0"/>
+              </a:rPr>
+              <a:t>Jenkins Helm chart for Kubernetes.</a:t>
+            </a:r>
+          </a:p>
+          <a:p>
+            <a:endParaRPr lang="en-US" dirty="0"/>
+          </a:p>
+          <a:p>
+            <a:r>
+              <a:rPr lang="en-US" dirty="0" smtClean="0">
+                <a:solidFill>
+                  <a:schemeClr val="tx1"/>
+                </a:solidFill>
+                <a:latin typeface="Courier New" pitchFamily="49" charset="0"/>
+                <a:ea typeface="Courier" charset="0"/>
+                <a:cs typeface="Courier New" pitchFamily="49" charset="0"/>
+              </a:rPr>
+              <a:t>$ </a:t>
+            </a:r>
+            <a:r>
+              <a:rPr lang="en-US" b="1" dirty="0">
+                <a:solidFill>
+                  <a:schemeClr val="tx1"/>
+                </a:solidFill>
+                <a:latin typeface="Courier New" pitchFamily="49" charset="0"/>
+                <a:ea typeface="Courier" charset="0"/>
+                <a:cs typeface="Courier New" pitchFamily="49" charset="0"/>
+              </a:rPr>
+              <a:t>helm repo add </a:t>
+            </a:r>
+            <a:r>
+              <a:rPr lang="en-US" b="1" dirty="0" smtClean="0">
+                <a:solidFill>
+                  <a:schemeClr val="tx1"/>
+                </a:solidFill>
+                <a:latin typeface="Courier New" pitchFamily="49" charset="0"/>
+                <a:ea typeface="Courier" charset="0"/>
+                <a:cs typeface="Courier New" pitchFamily="49" charset="0"/>
+              </a:rPr>
+              <a:t>my-charts </a:t>
+            </a:r>
+            <a:r>
+              <a:rPr lang="en-US" b="1" dirty="0">
+                <a:solidFill>
+                  <a:schemeClr val="tx1"/>
+                </a:solidFill>
+                <a:latin typeface="Courier New" pitchFamily="49" charset="0"/>
+                <a:ea typeface="Courier" charset="0"/>
+                <a:cs typeface="Courier New" pitchFamily="49" charset="0"/>
+              </a:rPr>
+              <a:t>https</a:t>
+            </a:r>
+            <a:r>
+              <a:rPr lang="en-US" b="1" dirty="0" smtClean="0">
+                <a:solidFill>
+                  <a:schemeClr val="tx1"/>
+                </a:solidFill>
+                <a:latin typeface="Courier New" pitchFamily="49" charset="0"/>
+                <a:ea typeface="Courier" charset="0"/>
+                <a:cs typeface="Courier New" pitchFamily="49" charset="0"/>
+              </a:rPr>
+              <a:t>://my-charts.storage.googleapis.com</a:t>
+            </a:r>
+            <a:r>
+              <a:rPr lang="en-US" dirty="0" smtClean="0">
+                <a:solidFill>
+                  <a:schemeClr val="tx1"/>
+                </a:solidFill>
+                <a:latin typeface="Courier New" pitchFamily="49" charset="0"/>
+                <a:ea typeface="Courier" charset="0"/>
+                <a:cs typeface="Courier New" pitchFamily="49" charset="0"/>
+              </a:rPr>
+              <a:t/>
             </a:r>
             <a:br>
-              <a:rPr lang="en-US" sz="875" dirty="0">
+              <a:rPr lang="en-US" dirty="0" smtClean="0">
+                <a:solidFill>
+                  <a:schemeClr val="tx1"/>
+                </a:solidFill>
+                <a:latin typeface="Courier New" pitchFamily="49" charset="0"/>
+                <a:ea typeface="Courier" charset="0"/>
+                <a:cs typeface="Courier New" pitchFamily="49" charset="0"/>
+              </a:rPr>
+            </a:br>
+            <a:r>
+              <a:rPr lang="en-US" dirty="0" smtClean="0">
+                <a:solidFill>
+                  <a:schemeClr val="tx1"/>
+                </a:solidFill>
+                <a:latin typeface="Courier New" pitchFamily="49" charset="0"/>
+                <a:ea typeface="Courier" charset="0"/>
+                <a:cs typeface="Courier New" pitchFamily="49" charset="0"/>
+              </a:rPr>
+              <a:t>$ </a:t>
+            </a:r>
+            <a:r>
+              <a:rPr lang="en-US" b="1" dirty="0">
+                <a:solidFill>
+                  <a:schemeClr val="tx1"/>
+                </a:solidFill>
+                <a:latin typeface="Courier New" pitchFamily="49" charset="0"/>
+                <a:ea typeface="Courier" charset="0"/>
+                <a:cs typeface="Courier New" pitchFamily="49" charset="0"/>
+              </a:rPr>
+              <a:t>helm repo list</a:t>
+            </a:r>
+          </a:p>
+          <a:p>
+            <a:pPr marL="449245" lvl="2" indent="0">
+              <a:buNone/>
+            </a:pPr>
+            <a:r>
+              <a:rPr lang="en-US" dirty="0">
+                <a:latin typeface="Courier" charset="0"/>
+                <a:ea typeface="Courier" charset="0"/>
+                <a:cs typeface="Courier" charset="0"/>
+              </a:rPr>
+              <a:t>NAME  	</a:t>
+            </a:r>
+            <a:r>
+              <a:rPr lang="en-US" dirty="0" smtClean="0">
+                <a:latin typeface="Courier" charset="0"/>
+                <a:ea typeface="Courier" charset="0"/>
+                <a:cs typeface="Courier" charset="0"/>
+              </a:rPr>
+              <a:t>URL</a:t>
+            </a:r>
+            <a:r>
+              <a:rPr lang="en-US" dirty="0">
+                <a:latin typeface="Courier" charset="0"/>
+                <a:ea typeface="Courier" charset="0"/>
+                <a:cs typeface="Courier" charset="0"/>
+              </a:rPr>
+              <a:t/>
+            </a:r>
+            <a:br>
+              <a:rPr lang="en-US" dirty="0">
                 <a:latin typeface="Courier" charset="0"/>
                 <a:ea typeface="Courier" charset="0"/>
                 <a:cs typeface="Courier" charset="0"/>
               </a:rPr>
             </a:br>
             <a:r>
-              <a:rPr lang="en-US" sz="875" dirty="0">
+              <a:rPr lang="en-US" dirty="0">
                 <a:latin typeface="Courier" charset="0"/>
                 <a:ea typeface="Courier" charset="0"/>
                 <a:cs typeface="Courier" charset="0"/>
               </a:rPr>
-              <a:t>LAST DEPLOYED: Thu Oct 20 14:54:24 2016</a:t>
+              <a:t>stable	</a:t>
+            </a:r>
+            <a:r>
+              <a:rPr lang="en-US" dirty="0" smtClean="0">
+                <a:latin typeface="Courier" charset="0"/>
+                <a:ea typeface="Courier" charset="0"/>
+                <a:cs typeface="Courier" charset="0"/>
+              </a:rPr>
+              <a:t>https</a:t>
+            </a:r>
+            <a:r>
+              <a:rPr lang="en-US" dirty="0">
+                <a:latin typeface="Courier" charset="0"/>
+                <a:ea typeface="Courier" charset="0"/>
+                <a:cs typeface="Courier" charset="0"/>
+              </a:rPr>
+              <a:t>://kubernetes-charts.storage.googleapis.com/</a:t>
             </a:r>
             <a:br>
-              <a:rPr lang="en-US" sz="875" dirty="0">
+              <a:rPr lang="en-US" dirty="0">
                 <a:latin typeface="Courier" charset="0"/>
                 <a:ea typeface="Courier" charset="0"/>
                 <a:cs typeface="Courier" charset="0"/>
               </a:rPr>
             </a:br>
             <a:r>
-              <a:rPr lang="en-US" sz="875" dirty="0">
+              <a:rPr lang="en-US" dirty="0">
                 <a:latin typeface="Courier" charset="0"/>
                 <a:ea typeface="Courier" charset="0"/>
                 <a:cs typeface="Courier" charset="0"/>
               </a:rPr>
-              <a:t>NAMESPACE: default</a:t>
-            </a:r>
-            <a:br>
-              <a:rPr lang="en-US" sz="875" dirty="0">
-                <a:latin typeface="Courier" charset="0"/>
-                <a:ea typeface="Courier" charset="0"/>
-                <a:cs typeface="Courier" charset="0"/>
-              </a:rPr>
-            </a:br>
-            <a:r>
-              <a:rPr lang="en-US" sz="875" dirty="0">
-                <a:latin typeface="Courier" charset="0"/>
-                <a:ea typeface="Courier" charset="0"/>
-                <a:cs typeface="Courier" charset="0"/>
-              </a:rPr>
-              <a:t>STATUS: DEPLOYED</a:t>
-            </a:r>
-          </a:p>
-          <a:p>
-            <a:r>
-              <a:rPr lang="en-US" sz="875" dirty="0">
-                <a:latin typeface="Courier" charset="0"/>
-                <a:ea typeface="Courier" charset="0"/>
-                <a:cs typeface="Courier" charset="0"/>
-              </a:rPr>
-              <a:t>RESOURCES:</a:t>
-            </a:r>
-            <a:br>
-              <a:rPr lang="en-US" sz="875" dirty="0">
-                <a:latin typeface="Courier" charset="0"/>
-                <a:ea typeface="Courier" charset="0"/>
-                <a:cs typeface="Courier" charset="0"/>
-              </a:rPr>
-            </a:br>
-            <a:r>
-              <a:rPr lang="en-US" sz="875" dirty="0">
-                <a:latin typeface="Courier" charset="0"/>
-                <a:ea typeface="Courier" charset="0"/>
-                <a:cs typeface="Courier" charset="0"/>
-              </a:rPr>
-              <a:t>==&gt; v1/Secret</a:t>
-            </a:r>
-            <a:br>
-              <a:rPr lang="en-US" sz="875" dirty="0">
-                <a:latin typeface="Courier" charset="0"/>
-                <a:ea typeface="Courier" charset="0"/>
-                <a:cs typeface="Courier" charset="0"/>
-              </a:rPr>
-            </a:br>
-            <a:r>
-              <a:rPr lang="en-US" sz="875" dirty="0">
-                <a:latin typeface="Courier" charset="0"/>
-                <a:ea typeface="Courier" charset="0"/>
-                <a:cs typeface="Courier" charset="0"/>
-              </a:rPr>
-              <a:t>NAME		TYPE	DATA	AGE</a:t>
-            </a:r>
-            <a:br>
-              <a:rPr lang="en-US" sz="875" dirty="0">
-                <a:latin typeface="Courier" charset="0"/>
-                <a:ea typeface="Courier" charset="0"/>
-                <a:cs typeface="Courier" charset="0"/>
-              </a:rPr>
-            </a:br>
-            <a:r>
-              <a:rPr lang="en-US" sz="875" dirty="0">
-                <a:latin typeface="Courier" charset="0"/>
-                <a:ea typeface="Courier" charset="0"/>
-                <a:cs typeface="Courier" charset="0"/>
-              </a:rPr>
-              <a:t>loping-toad-</a:t>
-            </a:r>
-            <a:r>
-              <a:rPr lang="en-US" sz="875" dirty="0" err="1">
-                <a:latin typeface="Courier" charset="0"/>
-                <a:ea typeface="Courier" charset="0"/>
-                <a:cs typeface="Courier" charset="0"/>
-              </a:rPr>
-              <a:t>mysql</a:t>
-            </a:r>
-            <a:r>
-              <a:rPr lang="en-US" sz="875" dirty="0">
-                <a:latin typeface="Courier" charset="0"/>
-                <a:ea typeface="Courier" charset="0"/>
-                <a:cs typeface="Courier" charset="0"/>
-              </a:rPr>
-              <a:t>	Opaque	2	3s</a:t>
-            </a:r>
-          </a:p>
-          <a:p>
-            <a:r>
-              <a:rPr lang="en-US" sz="875" dirty="0">
-                <a:latin typeface="Courier" charset="0"/>
-                <a:ea typeface="Courier" charset="0"/>
-                <a:cs typeface="Courier" charset="0"/>
-              </a:rPr>
-              <a:t>==&gt; v1/Service</a:t>
-            </a:r>
-            <a:br>
-              <a:rPr lang="en-US" sz="875" dirty="0">
-                <a:latin typeface="Courier" charset="0"/>
-                <a:ea typeface="Courier" charset="0"/>
-                <a:cs typeface="Courier" charset="0"/>
-              </a:rPr>
-            </a:br>
-            <a:r>
-              <a:rPr lang="en-US" sz="875" dirty="0">
-                <a:latin typeface="Courier" charset="0"/>
-                <a:ea typeface="Courier" charset="0"/>
-                <a:cs typeface="Courier" charset="0"/>
-              </a:rPr>
-              <a:t>NAME		CLUSTER-IP	EXTERNAL-IP	PORT(S)	AGE</a:t>
-            </a:r>
-            <a:br>
-              <a:rPr lang="en-US" sz="875" dirty="0">
-                <a:latin typeface="Courier" charset="0"/>
-                <a:ea typeface="Courier" charset="0"/>
-                <a:cs typeface="Courier" charset="0"/>
-              </a:rPr>
-            </a:br>
-            <a:r>
-              <a:rPr lang="en-US" sz="875" dirty="0">
-                <a:latin typeface="Courier" charset="0"/>
-                <a:ea typeface="Courier" charset="0"/>
-                <a:cs typeface="Courier" charset="0"/>
-              </a:rPr>
-              <a:t>loping-toad-</a:t>
-            </a:r>
-            <a:r>
-              <a:rPr lang="en-US" sz="875" dirty="0" err="1">
-                <a:latin typeface="Courier" charset="0"/>
-                <a:ea typeface="Courier" charset="0"/>
-                <a:cs typeface="Courier" charset="0"/>
-              </a:rPr>
-              <a:t>mysql</a:t>
-            </a:r>
-            <a:r>
-              <a:rPr lang="en-US" sz="875" dirty="0">
-                <a:latin typeface="Courier" charset="0"/>
-                <a:ea typeface="Courier" charset="0"/>
-                <a:cs typeface="Courier" charset="0"/>
-              </a:rPr>
-              <a:t>	192.168.1.5	&lt;none&gt;		3306/TCP	3s</a:t>
-            </a:r>
-          </a:p>
-          <a:p>
-            <a:r>
-              <a:rPr lang="en-US" sz="875" dirty="0">
-                <a:latin typeface="Courier" charset="0"/>
-                <a:ea typeface="Courier" charset="0"/>
-                <a:cs typeface="Courier" charset="0"/>
-              </a:rPr>
-              <a:t>==&gt; extensions/Deployment</a:t>
-            </a:r>
-            <a:br>
-              <a:rPr lang="en-US" sz="875" dirty="0">
-                <a:latin typeface="Courier" charset="0"/>
-                <a:ea typeface="Courier" charset="0"/>
-                <a:cs typeface="Courier" charset="0"/>
-              </a:rPr>
-            </a:br>
-            <a:r>
-              <a:rPr lang="en-US" sz="875" dirty="0">
-                <a:latin typeface="Courier" charset="0"/>
-                <a:ea typeface="Courier" charset="0"/>
-                <a:cs typeface="Courier" charset="0"/>
-              </a:rPr>
-              <a:t>NAME		DESIRED	CURRENT	UP-TO-DATE	AVAILABLE	AGE</a:t>
-            </a:r>
-            <a:br>
-              <a:rPr lang="en-US" sz="875" dirty="0">
-                <a:latin typeface="Courier" charset="0"/>
-                <a:ea typeface="Courier" charset="0"/>
-                <a:cs typeface="Courier" charset="0"/>
-              </a:rPr>
-            </a:br>
-            <a:r>
-              <a:rPr lang="en-US" sz="875" dirty="0">
-                <a:latin typeface="Courier" charset="0"/>
-                <a:ea typeface="Courier" charset="0"/>
-                <a:cs typeface="Courier" charset="0"/>
-              </a:rPr>
-              <a:t>loping-toad-</a:t>
-            </a:r>
-            <a:r>
-              <a:rPr lang="en-US" sz="875" dirty="0" err="1">
-                <a:latin typeface="Courier" charset="0"/>
-                <a:ea typeface="Courier" charset="0"/>
-                <a:cs typeface="Courier" charset="0"/>
-              </a:rPr>
-              <a:t>mysql</a:t>
-            </a:r>
-            <a:r>
-              <a:rPr lang="en-US" sz="875" dirty="0">
-                <a:latin typeface="Courier" charset="0"/>
-                <a:ea typeface="Courier" charset="0"/>
-                <a:cs typeface="Courier" charset="0"/>
-              </a:rPr>
-              <a:t>	1	0	0		0	3s</a:t>
-            </a:r>
-          </a:p>
-          <a:p>
-            <a:r>
-              <a:rPr lang="en-US" sz="875" dirty="0">
-                <a:latin typeface="Courier" charset="0"/>
-                <a:ea typeface="Courier" charset="0"/>
-                <a:cs typeface="Courier" charset="0"/>
-              </a:rPr>
-              <a:t>==&gt; v1/</a:t>
-            </a:r>
-            <a:r>
-              <a:rPr lang="en-US" sz="875" dirty="0" err="1">
-                <a:latin typeface="Courier" charset="0"/>
-                <a:ea typeface="Courier" charset="0"/>
-                <a:cs typeface="Courier" charset="0"/>
-              </a:rPr>
-              <a:t>PersistentVolumeClaim</a:t>
-            </a:r>
-            <a:r>
-              <a:rPr lang="en-US" sz="875" dirty="0">
-                <a:latin typeface="Courier" charset="0"/>
-                <a:ea typeface="Courier" charset="0"/>
-                <a:cs typeface="Courier" charset="0"/>
-              </a:rPr>
-              <a:t/>
-            </a:r>
-            <a:br>
-              <a:rPr lang="en-US" sz="875" dirty="0">
-                <a:latin typeface="Courier" charset="0"/>
-                <a:ea typeface="Courier" charset="0"/>
-                <a:cs typeface="Courier" charset="0"/>
-              </a:rPr>
-            </a:br>
-            <a:r>
-              <a:rPr lang="en-US" sz="875" dirty="0">
-                <a:latin typeface="Courier" charset="0"/>
-                <a:ea typeface="Courier" charset="0"/>
-                <a:cs typeface="Courier" charset="0"/>
-              </a:rPr>
-              <a:t>NAME		STATUS	VOLUME	CAPACITY	ACCESSMODES	AGE</a:t>
-            </a:r>
-            <a:br>
-              <a:rPr lang="en-US" sz="875" dirty="0">
-                <a:latin typeface="Courier" charset="0"/>
-                <a:ea typeface="Courier" charset="0"/>
-                <a:cs typeface="Courier" charset="0"/>
-              </a:rPr>
-            </a:br>
-            <a:r>
-              <a:rPr lang="en-US" sz="875" dirty="0">
-                <a:latin typeface="Courier" charset="0"/>
-                <a:ea typeface="Courier" charset="0"/>
-                <a:cs typeface="Courier" charset="0"/>
-              </a:rPr>
-              <a:t>loping-toad-</a:t>
-            </a:r>
-            <a:r>
-              <a:rPr lang="en-US" sz="875" dirty="0" err="1">
-                <a:latin typeface="Courier" charset="0"/>
-                <a:ea typeface="Courier" charset="0"/>
-                <a:cs typeface="Courier" charset="0"/>
-              </a:rPr>
-              <a:t>mysql</a:t>
-            </a:r>
-            <a:r>
-              <a:rPr lang="en-US" sz="875" dirty="0">
-                <a:latin typeface="Courier" charset="0"/>
-                <a:ea typeface="Courier" charset="0"/>
-                <a:cs typeface="Courier" charset="0"/>
-              </a:rPr>
-              <a:t>	Pending </a:t>
-            </a:r>
-          </a:p>
-          <a:p>
-            <a:endParaRPr lang="en-US" sz="875" dirty="0"/>
-          </a:p>
-        </p:txBody>
-      </p:sp>
-      <p:sp>
-        <p:nvSpPr>
-          <p:cNvPr id="8" name="Content Placeholder 7"/>
-          <p:cNvSpPr>
-            <a:spLocks noGrp="1"/>
-          </p:cNvSpPr>
-          <p:nvPr>
-            <p:ph sz="half" idx="2"/>
-          </p:nvPr>
-        </p:nvSpPr>
-        <p:spPr>
-          <a:xfrm>
-            <a:off x="5659244" y="1235949"/>
-            <a:ext cx="3229646" cy="3667904"/>
-          </a:xfrm>
-        </p:spPr>
-        <p:txBody>
-          <a:bodyPr/>
-          <a:lstStyle/>
-          <a:p>
-            <a:r>
-              <a:rPr lang="en-US" sz="1250" dirty="0"/>
-              <a:t>Install output</a:t>
-            </a:r>
-          </a:p>
-          <a:p>
-            <a:pPr lvl="1"/>
-            <a:r>
-              <a:rPr lang="en-US" sz="1250" dirty="0"/>
-              <a:t>Details about the release</a:t>
-            </a:r>
-          </a:p>
-          <a:p>
-            <a:pPr lvl="1"/>
-            <a:r>
-              <a:rPr lang="en-US" sz="1250" dirty="0"/>
-              <a:t>Details about its resources</a:t>
-            </a:r>
-          </a:p>
-          <a:p>
-            <a:r>
-              <a:rPr lang="en-US" sz="1250" dirty="0"/>
-              <a:t>Chart</a:t>
-            </a:r>
-          </a:p>
-          <a:p>
-            <a:pPr lvl="1"/>
-            <a:r>
-              <a:rPr lang="en-US" sz="1250" dirty="0">
-                <a:latin typeface="Courier" charset="0"/>
-                <a:ea typeface="Courier" charset="0"/>
-                <a:cs typeface="Courier" charset="0"/>
-              </a:rPr>
-              <a:t>stable/</a:t>
-            </a:r>
-            <a:r>
-              <a:rPr lang="en-US" sz="1250" dirty="0" err="1">
-                <a:latin typeface="Courier" charset="0"/>
-                <a:ea typeface="Courier" charset="0"/>
-                <a:cs typeface="Courier" charset="0"/>
-              </a:rPr>
-              <a:t>mysql</a:t>
-            </a:r>
-            <a:endParaRPr lang="en-US" sz="1250" dirty="0"/>
-          </a:p>
-          <a:p>
-            <a:r>
-              <a:rPr lang="en-US" sz="1250" dirty="0"/>
-              <a:t>Release name</a:t>
-            </a:r>
-          </a:p>
-          <a:p>
-            <a:pPr lvl="1"/>
-            <a:r>
-              <a:rPr lang="en-US" sz="1000" dirty="0">
-                <a:latin typeface="Courier" charset="0"/>
-                <a:ea typeface="Courier" charset="0"/>
-                <a:cs typeface="Courier" charset="0"/>
-              </a:rPr>
-              <a:t>loping-toad</a:t>
-            </a:r>
-            <a:r>
-              <a:rPr lang="en-US" sz="1250" dirty="0"/>
-              <a:t> (auto generated)</a:t>
-            </a:r>
-          </a:p>
-          <a:p>
-            <a:r>
-              <a:rPr lang="en-US" sz="1250" dirty="0"/>
-              <a:t>Resources</a:t>
-            </a:r>
-          </a:p>
-          <a:p>
-            <a:pPr lvl="1"/>
-            <a:r>
-              <a:rPr lang="en-US" sz="1250" dirty="0"/>
-              <a:t>Four total, one of each type</a:t>
-            </a:r>
-          </a:p>
-          <a:p>
-            <a:pPr lvl="1"/>
-            <a:r>
-              <a:rPr lang="en-US" sz="1250" dirty="0"/>
-              <a:t>All named </a:t>
-            </a:r>
-            <a:r>
-              <a:rPr lang="en-US" sz="1000" dirty="0">
-                <a:latin typeface="Courier" charset="0"/>
-                <a:ea typeface="Courier" charset="0"/>
-                <a:cs typeface="Courier" charset="0"/>
-              </a:rPr>
-              <a:t>loping-toad-</a:t>
-            </a:r>
-            <a:r>
-              <a:rPr lang="en-US" sz="1000" dirty="0" err="1">
-                <a:latin typeface="Courier" charset="0"/>
-                <a:ea typeface="Courier" charset="0"/>
-                <a:cs typeface="Courier" charset="0"/>
-              </a:rPr>
-              <a:t>mysql</a:t>
-            </a:r>
-            <a:endParaRPr lang="en-US" sz="1250" dirty="0"/>
-          </a:p>
-          <a:p>
-            <a:pPr lvl="2"/>
-            <a:r>
-              <a:rPr lang="en-US" sz="800" dirty="0">
-                <a:latin typeface="Courier" charset="0"/>
-                <a:ea typeface="Courier" charset="0"/>
-                <a:cs typeface="Courier" charset="0"/>
-              </a:rPr>
-              <a:t>Secret</a:t>
-            </a:r>
-          </a:p>
-          <a:p>
-            <a:pPr lvl="2"/>
-            <a:r>
-              <a:rPr lang="en-US" sz="800" dirty="0">
-                <a:latin typeface="Courier" charset="0"/>
-                <a:ea typeface="Courier" charset="0"/>
-                <a:cs typeface="Courier" charset="0"/>
-              </a:rPr>
-              <a:t>Service</a:t>
-            </a:r>
-          </a:p>
-          <a:p>
-            <a:pPr lvl="2"/>
-            <a:r>
-              <a:rPr lang="en-US" sz="800" dirty="0">
-                <a:latin typeface="Courier" charset="0"/>
-                <a:ea typeface="Courier" charset="0"/>
-                <a:cs typeface="Courier" charset="0"/>
-              </a:rPr>
-              <a:t>Deployment</a:t>
-            </a:r>
-          </a:p>
-          <a:p>
-            <a:pPr lvl="2"/>
-            <a:r>
-              <a:rPr lang="en-US" sz="800" dirty="0" err="1">
-                <a:latin typeface="Courier" charset="0"/>
-                <a:ea typeface="Courier" charset="0"/>
-                <a:cs typeface="Courier" charset="0"/>
-              </a:rPr>
-              <a:t>PersistentVolumeClaim</a:t>
-            </a:r>
-            <a:endParaRPr lang="en-US" sz="800" dirty="0">
-              <a:latin typeface="Courier" charset="0"/>
-              <a:ea typeface="Courier" charset="0"/>
-              <a:cs typeface="Courier" charset="0"/>
-            </a:endParaRPr>
-          </a:p>
-          <a:p>
-            <a:endParaRPr lang="en-US" sz="1250" dirty="0"/>
-          </a:p>
-        </p:txBody>
-      </p:sp>
-      <p:sp>
-        <p:nvSpPr>
-          <p:cNvPr id="4" name="Slide Number Placeholder 3"/>
+              <a:t>my-charts	https://my-charts.storage.googleapis.com</a:t>
+            </a:r>
+          </a:p>
+          <a:p>
+            <a:endParaRPr lang="en-US" dirty="0" smtClean="0"/>
+          </a:p>
+        </p:txBody>
+      </p:sp>
+      <p:sp>
+        <p:nvSpPr>
+          <p:cNvPr id="5" name="Slide Number Placeholder 4"/>
           <p:cNvSpPr>
             <a:spLocks noGrp="1"/>
           </p:cNvSpPr>
@@ -40300,7 +40757,12 @@
             <p:ph type="sldNum" sz="quarter" idx="10"/>
           </p:nvPr>
         </p:nvSpPr>
-        <p:spPr/>
+        <p:spPr>
+          <a:xfrm>
+            <a:off x="8826083" y="4927472"/>
+            <a:ext cx="43281" cy="92333"/>
+          </a:xfrm>
+        </p:spPr>
         <p:txBody>
           <a:bodyPr/>
           <a:lstStyle/>
@@ -40308,7 +40770,7 @@
             <a:pPr>
               <a:defRPr/>
             </a:pPr>
-            <a:fld id="{11A68DD8-55F1-4DDB-A894-47428CF80362}" type="slidenum">
+            <a:fld id="{F6195F61-18A5-496F-99BC-14D9FC7ECCF8}" type="slidenum">
               <a:rPr lang="en-US" smtClean="0"/>
               <a:pPr>
                 <a:defRPr/>
@@ -40321,16 +40783,205 @@
       </p:sp>
       <p:sp>
         <p:nvSpPr>
-          <p:cNvPr id="9" name="Content Placeholder 2"/>
-          <p:cNvSpPr txBox="1">
-            <a:spLocks/>
-          </p:cNvSpPr>
+          <p:cNvPr id="6" name="Footer Placeholder 5"/>
+          <p:cNvSpPr>
+            <a:spLocks noGrp="1"/>
+          </p:cNvSpPr>
+          <p:nvPr>
+            <p:ph type="ftr" sz="quarter" idx="4294967295"/>
+          </p:nvPr>
+        </p:nvSpPr>
+        <p:spPr>
+          <a:xfrm>
+            <a:off x="7584964" y="5011255"/>
+            <a:ext cx="1439975" cy="132245"/>
+          </a:xfrm>
+          <a:prstGeom prst="rect">
+            <a:avLst/>
+          </a:prstGeom>
+        </p:spPr>
+        <p:txBody>
+          <a:bodyPr lIns="68580" tIns="34290" rIns="68580" bIns="34290"/>
+          <a:lstStyle/>
+          <a:p>
+            <a:pPr>
+              <a:defRPr/>
+            </a:pPr>
+            <a:r>
+              <a:rPr lang="en-US" dirty="0" smtClean="0"/>
+              <a:t>© Copyright IBM Corporation 2017</a:t>
+            </a:r>
+            <a:endParaRPr lang="en-US" dirty="0"/>
+          </a:p>
+        </p:txBody>
+      </p:sp>
+    </p:spTree>
+    <p:extLst>
+      <p:ext uri="{BB962C8B-B14F-4D97-AF65-F5344CB8AC3E}">
+        <p14:creationId xmlns:p14="http://schemas.microsoft.com/office/powerpoint/2010/main" val="3459386298"/>
+      </p:ext>
+    </p:extLst>
+  </p:cSld>
+  <p:clrMapOvr>
+    <a:masterClrMapping/>
+  </p:clrMapOvr>
+  <p:transition>
+    <p:fade/>
+  </p:transition>
+</p:sld>
+</file>
+
+<file path=ppt/slides/slide8.xml><?xml version="1.0" encoding="utf-8"?>
+<p:sld xmlns:a="http://schemas.openxmlformats.org/drawingml/2006/main" xmlns:r="http://schemas.openxmlformats.org/officeDocument/2006/relationships" xmlns:p="http://schemas.openxmlformats.org/presentationml/2006/main">
+  <p:cSld>
+    <p:spTree>
+      <p:nvGrpSpPr>
+        <p:cNvPr id="1" name=""/>
+        <p:cNvGrpSpPr/>
+        <p:nvPr/>
+      </p:nvGrpSpPr>
+      <p:grpSpPr>
+        <a:xfrm>
+          <a:off x="0" y="0"/>
+          <a:ext cx="0" cy="0"/>
+          <a:chOff x="0" y="0"/>
+          <a:chExt cx="0" cy="0"/>
+        </a:xfrm>
+      </p:grpSpPr>
+      <p:sp>
+        <p:nvSpPr>
+          <p:cNvPr id="6" name="Title 5"/>
+          <p:cNvSpPr>
+            <a:spLocks noGrp="1"/>
+          </p:cNvSpPr>
+          <p:nvPr>
+            <p:ph type="title"/>
+          </p:nvPr>
+        </p:nvSpPr>
+        <p:spPr/>
+        <p:txBody>
+          <a:bodyPr/>
+          <a:lstStyle/>
+          <a:p>
+            <a:r>
+              <a:rPr lang="en-US" dirty="0"/>
+              <a:t>Helm and IBM Cloud Private</a:t>
+            </a:r>
+          </a:p>
+        </p:txBody>
+      </p:sp>
+      <p:sp>
+        <p:nvSpPr>
+          <p:cNvPr id="5" name="Slide Number Placeholder 4"/>
+          <p:cNvSpPr>
+            <a:spLocks noGrp="1"/>
+          </p:cNvSpPr>
+          <p:nvPr>
+            <p:ph type="sldNum" sz="quarter" idx="10"/>
+          </p:nvPr>
+        </p:nvSpPr>
+        <p:spPr/>
+        <p:txBody>
+          <a:bodyPr/>
+          <a:lstStyle/>
+          <a:p>
+            <a:pPr>
+              <a:defRPr/>
+            </a:pPr>
+            <a:fld id="{F6195F61-18A5-496F-99BC-14D9FC7ECCF8}" type="slidenum">
+              <a:rPr lang="en-US" smtClean="0"/>
+              <a:pPr>
+                <a:defRPr/>
+              </a:pPr>
+              <a:t>8</a:t>
+            </a:fld>
+            <a:endParaRPr lang="en-US" dirty="0"/>
+          </a:p>
+        </p:txBody>
+      </p:sp>
+      <p:sp>
+        <p:nvSpPr>
+          <p:cNvPr id="10" name="TextBox 9"/>
+          <p:cNvSpPr txBox="1"/>
           <p:nvPr/>
         </p:nvSpPr>
-        <p:spPr bwMode="gray">
-          <a:xfrm>
-            <a:off x="192074" y="874291"/>
-            <a:ext cx="8849125" cy="361656"/>
+        <p:spPr>
+          <a:xfrm>
+            <a:off x="407266" y="1072360"/>
+            <a:ext cx="3394333" cy="784830"/>
+          </a:xfrm>
+          <a:prstGeom prst="rect">
+            <a:avLst/>
+          </a:prstGeom>
+          <a:noFill/>
+        </p:spPr>
+        <p:txBody>
+          <a:bodyPr wrap="square" rtlCol="0">
+            <a:spAutoFit/>
+          </a:bodyPr>
+          <a:lstStyle/>
+          <a:p>
+            <a:r>
+              <a:rPr lang="en-US" sz="1500" dirty="0" smtClean="0">
+                <a:latin typeface="IBM Plex Sans Regular"/>
+              </a:rPr>
+              <a:t>Catalog </a:t>
+            </a:r>
+            <a:r>
+              <a:rPr lang="en-US" sz="1500" dirty="0">
+                <a:latin typeface="IBM Plex Sans Regular"/>
+              </a:rPr>
+              <a:t>entries are </a:t>
+            </a:r>
+            <a:r>
+              <a:rPr lang="en-US" sz="1500" dirty="0" smtClean="0">
+                <a:latin typeface="IBM Plex Sans Regular"/>
+              </a:rPr>
+              <a:t>Helm </a:t>
+            </a:r>
+            <a:r>
+              <a:rPr lang="en-US" sz="1500" dirty="0">
+                <a:latin typeface="IBM Plex Sans Regular"/>
+              </a:rPr>
+              <a:t>charts that can be deployed from the chart repositories</a:t>
+            </a:r>
+            <a:r>
+              <a:rPr lang="en-US" sz="1500" dirty="0" smtClean="0">
+                <a:latin typeface="IBM Plex Sans Regular"/>
+              </a:rPr>
+              <a:t>.  </a:t>
+            </a:r>
+            <a:endParaRPr lang="en-US" sz="1500" dirty="0">
+              <a:latin typeface="IBM Plex Sans Regular"/>
+            </a:endParaRPr>
+          </a:p>
+        </p:txBody>
+      </p:sp>
+      <p:pic>
+        <p:nvPicPr>
+          <p:cNvPr id="12" name="Picture 3"/>
+          <p:cNvPicPr>
+            <a:picLocks noChangeAspect="1" noChangeArrowheads="1"/>
+          </p:cNvPicPr>
+          <p:nvPr/>
+        </p:nvPicPr>
+        <p:blipFill>
+          <a:blip r:embed="rId3">
+            <a:extLst>
+              <a:ext uri="{28A0092B-C50C-407E-A947-70E740481C1C}">
+                <a14:useLocalDpi xmlns:a14="http://schemas.microsoft.com/office/drawing/2010/main" val="0"/>
+              </a:ext>
+            </a:extLst>
+          </a:blip>
+          <a:srcRect/>
+          <a:stretch>
+            <a:fillRect/>
+          </a:stretch>
+        </p:blipFill>
+        <p:spPr bwMode="auto">
+          <a:xfrm>
+            <a:off x="224555" y="2448230"/>
+            <a:ext cx="6051263" cy="2499145"/>
           </a:xfrm>
           <a:prstGeom prst="rect">
             <a:avLst/>
@@ -40369,385 +41020,71 @@
             </a:ext>
           </a:extLst>
         </p:spPr>
-        <p:txBody>
-          <a:bodyPr vert="horz" wrap="square" lIns="68580" tIns="13497" rIns="0" bIns="0" numCol="1" anchor="t" anchorCtr="0" compatLnSpc="1">
-            <a:prstTxWarp prst="textNoShape">
-              <a:avLst/>
-            </a:prstTxWarp>
-          </a:bodyPr>
-          <a:lstStyle>
-            <a:lvl1pPr marL="228531" indent="-228531" algn="l" defTabSz="896669" rtl="0" eaLnBrk="1" fontAlgn="base" hangingPunct="1">
-              <a:lnSpc>
-                <a:spcPct val="100000"/>
-              </a:lnSpc>
-              <a:spcBef>
-                <a:spcPts val="900"/>
-              </a:spcBef>
-              <a:spcAft>
-                <a:spcPts val="0"/>
-              </a:spcAft>
-              <a:buClr>
-                <a:srgbClr val="00649D"/>
-              </a:buClr>
-              <a:buSzPct val="100000"/>
-              <a:buFont typeface="Arial" panose="020B0604020202020204" pitchFamily="34" charset="0"/>
-              <a:buChar char="•"/>
-              <a:defRPr sz="1999" kern="1200">
-                <a:solidFill>
-                  <a:schemeClr val="tx1"/>
-                </a:solidFill>
-                <a:latin typeface="Arial" panose="020B0604020202020204" pitchFamily="34" charset="0"/>
-                <a:ea typeface="+mn-ea"/>
-                <a:cs typeface="Arial" panose="020B0604020202020204" pitchFamily="34" charset="0"/>
-              </a:defRPr>
-            </a:lvl1pPr>
-            <a:lvl2pPr marL="457063" indent="-228531" algn="l" defTabSz="896669" rtl="0" eaLnBrk="1" fontAlgn="base" hangingPunct="1">
-              <a:lnSpc>
-                <a:spcPct val="100000"/>
-              </a:lnSpc>
-              <a:spcBef>
-                <a:spcPts val="300"/>
-              </a:spcBef>
-              <a:spcAft>
-                <a:spcPts val="0"/>
-              </a:spcAft>
-              <a:buClr>
-                <a:srgbClr val="00649D"/>
-              </a:buClr>
-              <a:buSzPct val="80000"/>
-              <a:buFont typeface="Wingdings" panose="05000000000000000000" pitchFamily="2" charset="2"/>
-              <a:buChar char="§"/>
-              <a:defRPr sz="1799" b="0" i="0" u="none" kern="1200">
-                <a:solidFill>
-                  <a:schemeClr val="tx1"/>
-                </a:solidFill>
-                <a:latin typeface="Arial" panose="020B0604020202020204" pitchFamily="34" charset="0"/>
-                <a:ea typeface="+mn-ea"/>
-                <a:cs typeface="Arial" panose="020B0604020202020204" pitchFamily="34" charset="0"/>
-              </a:defRPr>
-            </a:lvl2pPr>
-            <a:lvl3pPr marL="685594" indent="-228531" algn="l" defTabSz="896669" rtl="0" eaLnBrk="1" fontAlgn="base" hangingPunct="1">
-              <a:lnSpc>
-                <a:spcPct val="100000"/>
-              </a:lnSpc>
-              <a:spcBef>
-                <a:spcPts val="200"/>
-              </a:spcBef>
-              <a:spcAft>
-                <a:spcPts val="0"/>
-              </a:spcAft>
-              <a:buClr>
-                <a:srgbClr val="00649D"/>
-              </a:buClr>
-              <a:buSzPct val="80000"/>
-              <a:buFont typeface="Arial" panose="020B0604020202020204" pitchFamily="34" charset="0"/>
-              <a:buChar char="−"/>
-              <a:defRPr sz="1600" kern="1200">
-                <a:solidFill>
-                  <a:schemeClr val="tx1"/>
-                </a:solidFill>
-                <a:latin typeface="Arial" panose="020B0604020202020204" pitchFamily="34" charset="0"/>
-                <a:ea typeface="+mn-ea"/>
-                <a:cs typeface="Arial" panose="020B0604020202020204" pitchFamily="34" charset="0"/>
-              </a:defRPr>
-            </a:lvl3pPr>
-            <a:lvl4pPr marL="679780" indent="0" algn="l" defTabSz="896669" rtl="0" eaLnBrk="1" fontAlgn="base" hangingPunct="1">
-              <a:spcBef>
-                <a:spcPct val="0"/>
-              </a:spcBef>
-              <a:spcAft>
-                <a:spcPct val="25000"/>
-              </a:spcAft>
-              <a:buClr>
-                <a:srgbClr val="1966B2"/>
-              </a:buClr>
-              <a:buFont typeface="Arial" panose="020B0604020202020204" pitchFamily="34" charset="0"/>
-              <a:buNone/>
-              <a:defRPr sz="1699" kern="1200">
-                <a:solidFill>
-                  <a:schemeClr val="tx1"/>
-                </a:solidFill>
-                <a:latin typeface="Arial" panose="020B0604020202020204" pitchFamily="34" charset="0"/>
-                <a:ea typeface="+mn-ea"/>
-                <a:cs typeface="Arial" panose="020B0604020202020204" pitchFamily="34" charset="0"/>
-              </a:defRPr>
-            </a:lvl4pPr>
-            <a:lvl5pPr marL="1122026" indent="-223771" algn="l" defTabSz="896669" rtl="0" eaLnBrk="1" fontAlgn="base" hangingPunct="1">
-              <a:spcBef>
-                <a:spcPct val="0"/>
-              </a:spcBef>
-              <a:spcAft>
-                <a:spcPct val="25000"/>
-              </a:spcAft>
-              <a:buClr>
-                <a:srgbClr val="1966B2"/>
-              </a:buClr>
-              <a:buFont typeface="Arial" panose="020B0604020202020204" pitchFamily="34" charset="0"/>
-              <a:buChar char="&gt;"/>
-              <a:defRPr sz="1600" kern="1200">
-                <a:solidFill>
-                  <a:schemeClr val="tx1"/>
-                </a:solidFill>
-                <a:latin typeface="+mn-lt"/>
-                <a:ea typeface="+mn-ea"/>
-                <a:cs typeface="+mn-cs"/>
-              </a:defRPr>
-            </a:lvl5pPr>
-            <a:lvl6pPr marL="3674991" indent="-334090" algn="l" defTabSz="1336360" rtl="0" eaLnBrk="1" latinLnBrk="0" hangingPunct="1">
-              <a:lnSpc>
-                <a:spcPct val="90000"/>
-              </a:lnSpc>
-              <a:spcBef>
-                <a:spcPts val="731"/>
-              </a:spcBef>
-              <a:buFont typeface="Arial" panose="020B0604020202020204" pitchFamily="34" charset="0"/>
-              <a:buChar char="•"/>
-              <a:defRPr sz="2630" kern="1200">
-                <a:solidFill>
-                  <a:schemeClr val="tx1"/>
-                </a:solidFill>
-                <a:latin typeface="+mn-lt"/>
-                <a:ea typeface="+mn-ea"/>
-                <a:cs typeface="+mn-cs"/>
-              </a:defRPr>
-            </a:lvl6pPr>
-            <a:lvl7pPr marL="4343171" indent="-334090" algn="l" defTabSz="1336360" rtl="0" eaLnBrk="1" latinLnBrk="0" hangingPunct="1">
-              <a:lnSpc>
-                <a:spcPct val="90000"/>
-              </a:lnSpc>
-              <a:spcBef>
-                <a:spcPts val="731"/>
-              </a:spcBef>
-              <a:buFont typeface="Arial" panose="020B0604020202020204" pitchFamily="34" charset="0"/>
-              <a:buChar char="•"/>
-              <a:defRPr sz="2630" kern="1200">
-                <a:solidFill>
-                  <a:schemeClr val="tx1"/>
-                </a:solidFill>
-                <a:latin typeface="+mn-lt"/>
-                <a:ea typeface="+mn-ea"/>
-                <a:cs typeface="+mn-cs"/>
-              </a:defRPr>
-            </a:lvl7pPr>
-            <a:lvl8pPr marL="5011351" indent="-334090" algn="l" defTabSz="1336360" rtl="0" eaLnBrk="1" latinLnBrk="0" hangingPunct="1">
-              <a:lnSpc>
-                <a:spcPct val="90000"/>
-              </a:lnSpc>
-              <a:spcBef>
-                <a:spcPts val="731"/>
-              </a:spcBef>
-              <a:buFont typeface="Arial" panose="020B0604020202020204" pitchFamily="34" charset="0"/>
-              <a:buChar char="•"/>
-              <a:defRPr sz="2630" kern="1200">
-                <a:solidFill>
-                  <a:schemeClr val="tx1"/>
-                </a:solidFill>
-                <a:latin typeface="+mn-lt"/>
-                <a:ea typeface="+mn-ea"/>
-                <a:cs typeface="+mn-cs"/>
-              </a:defRPr>
-            </a:lvl8pPr>
-            <a:lvl9pPr marL="5679532" indent="-334090" algn="l" defTabSz="1336360" rtl="0" eaLnBrk="1" latinLnBrk="0" hangingPunct="1">
-              <a:lnSpc>
-                <a:spcPct val="90000"/>
-              </a:lnSpc>
-              <a:spcBef>
-                <a:spcPts val="731"/>
-              </a:spcBef>
-              <a:buFont typeface="Arial" panose="020B0604020202020204" pitchFamily="34" charset="0"/>
-              <a:buChar char="•"/>
-              <a:defRPr sz="2630" kern="1200">
-                <a:solidFill>
-                  <a:schemeClr val="tx1"/>
-                </a:solidFill>
-                <a:latin typeface="+mn-lt"/>
-                <a:ea typeface="+mn-ea"/>
-                <a:cs typeface="+mn-cs"/>
-              </a:defRPr>
-            </a:lvl9pPr>
-          </a:lstStyle>
-          <a:p>
-            <a:r>
-              <a:rPr lang="en-US" sz="1499" dirty="0"/>
-              <a:t>To deploy an application into Kubernetes, install that application’s Helm chart</a:t>
-            </a:r>
-          </a:p>
-        </p:txBody>
-      </p:sp>
-    </p:spTree>
-    <p:extLst>
-      <p:ext uri="{BB962C8B-B14F-4D97-AF65-F5344CB8AC3E}">
-        <p14:creationId xmlns:p14="http://schemas.microsoft.com/office/powerpoint/2010/main" val="1455146657"/>
-      </p:ext>
-    </p:extLst>
-  </p:cSld>
-  <p:clrMapOvr>
-    <a:masterClrMapping/>
-  </p:clrMapOvr>
-</p:sld>
-</file>
-
-<file path=ppt/slides/slide8.xml><?xml version="1.0" encoding="utf-8"?>
-<p:sld xmlns:a="http://schemas.openxmlformats.org/drawingml/2006/main" xmlns:r="http://schemas.openxmlformats.org/officeDocument/2006/relationships" xmlns:p="http://schemas.openxmlformats.org/presentationml/2006/main">
-  <p:cSld>
-    <p:spTree>
-      <p:nvGrpSpPr>
-        <p:cNvPr id="1" name=""/>
-        <p:cNvGrpSpPr/>
-        <p:nvPr/>
-      </p:nvGrpSpPr>
-      <p:grpSpPr>
-        <a:xfrm>
-          <a:off x="0" y="0"/>
-          <a:ext cx="0" cy="0"/>
-          <a:chOff x="0" y="0"/>
-          <a:chExt cx="0" cy="0"/>
-        </a:xfrm>
-      </p:grpSpPr>
-      <p:sp>
-        <p:nvSpPr>
-          <p:cNvPr id="6" name="Title 5"/>
-          <p:cNvSpPr>
-            <a:spLocks noGrp="1"/>
-          </p:cNvSpPr>
-          <p:nvPr>
-            <p:ph type="title"/>
-          </p:nvPr>
-        </p:nvSpPr>
-        <p:spPr/>
-        <p:txBody>
-          <a:bodyPr/>
-          <a:lstStyle/>
-          <a:p>
-            <a:r>
-              <a:rPr lang="en-US" dirty="0"/>
-              <a:t>Helm and IBM Cloud Private</a:t>
-            </a:r>
-          </a:p>
-        </p:txBody>
-      </p:sp>
-      <p:sp>
-        <p:nvSpPr>
-          <p:cNvPr id="5" name="Slide Number Placeholder 4"/>
-          <p:cNvSpPr>
-            <a:spLocks noGrp="1"/>
-          </p:cNvSpPr>
-          <p:nvPr>
-            <p:ph type="sldNum" sz="quarter" idx="10"/>
-          </p:nvPr>
-        </p:nvSpPr>
-        <p:spPr/>
-        <p:txBody>
-          <a:bodyPr/>
-          <a:lstStyle/>
-          <a:p>
-            <a:pPr>
-              <a:defRPr/>
-            </a:pPr>
-            <a:fld id="{F6195F61-18A5-496F-99BC-14D9FC7ECCF8}" type="slidenum">
-              <a:rPr lang="en-US" smtClean="0"/>
-              <a:pPr>
-                <a:defRPr/>
-              </a:pPr>
-              <a:t>8</a:t>
-            </a:fld>
-            <a:endParaRPr lang="en-US" dirty="0"/>
-          </a:p>
-        </p:txBody>
-      </p:sp>
+      </p:pic>
       <p:pic>
         <p:nvPicPr>
-          <p:cNvPr id="9" name="Picture 8"/>
+          <p:cNvPr id="11" name="Picture 2"/>
           <p:cNvPicPr>
-            <a:picLocks noChangeAspect="1"/>
+            <a:picLocks noChangeAspect="1" noChangeArrowheads="1"/>
           </p:cNvPicPr>
           <p:nvPr/>
         </p:nvPicPr>
         <p:blipFill>
-          <a:blip r:embed="rId3"/>
+          <a:blip r:embed="rId4">
+            <a:extLst>
+              <a:ext uri="{28A0092B-C50C-407E-A947-70E740481C1C}">
+                <a14:useLocalDpi xmlns:a14="http://schemas.microsoft.com/office/drawing/2010/main" val="0"/>
+              </a:ext>
+            </a:extLst>
+          </a:blip>
+          <a:srcRect/>
           <a:stretch>
             <a:fillRect/>
           </a:stretch>
         </p:blipFill>
-        <p:spPr>
-          <a:xfrm>
-            <a:off x="407267" y="2488116"/>
-            <a:ext cx="5553556" cy="2176651"/>
-          </a:xfrm>
-          <a:prstGeom prst="rect">
-            <a:avLst/>
-          </a:prstGeom>
-        </p:spPr>
-      </p:pic>
-      <p:pic>
-        <p:nvPicPr>
-          <p:cNvPr id="8" name="Content Placeholder 7"/>
-          <p:cNvPicPr>
-            <a:picLocks noGrp="1" noChangeAspect="1"/>
-          </p:cNvPicPr>
-          <p:nvPr>
-            <p:ph sz="quarter" idx="11"/>
-          </p:nvPr>
-        </p:nvPicPr>
-        <p:blipFill>
-          <a:blip r:embed="rId4"/>
-          <a:stretch>
-            <a:fillRect/>
-          </a:stretch>
-        </p:blipFill>
-        <p:spPr>
-          <a:xfrm>
-            <a:off x="3184045" y="704496"/>
-            <a:ext cx="5553556" cy="2986346"/>
-          </a:xfrm>
-          <a:prstGeom prst="rect">
-            <a:avLst/>
-          </a:prstGeom>
-        </p:spPr>
-      </p:pic>
-      <p:sp>
-        <p:nvSpPr>
-          <p:cNvPr id="10" name="TextBox 9"/>
-          <p:cNvSpPr txBox="1"/>
-          <p:nvPr/>
-        </p:nvSpPr>
-        <p:spPr>
-          <a:xfrm>
-            <a:off x="407267" y="1072360"/>
-            <a:ext cx="2404482" cy="1015663"/>
+        <p:spPr bwMode="auto">
+          <a:xfrm>
+            <a:off x="4231738" y="475200"/>
+            <a:ext cx="4779361" cy="3466350"/>
           </a:xfrm>
           <a:prstGeom prst="rect">
             <a:avLst/>
           </a:prstGeom>
           <a:noFill/>
-        </p:spPr>
-        <p:txBody>
-          <a:bodyPr wrap="square" rtlCol="0">
-            <a:spAutoFit/>
-          </a:bodyPr>
-          <a:lstStyle/>
-          <a:p>
-            <a:r>
-              <a:rPr lang="en-US" sz="1500" dirty="0" err="1">
+          <a:ln>
+            <a:noFill/>
+          </a:ln>
+          <a:effectLst/>
+          <a:extLst>
+            <a:ext uri="{909E8E84-426E-40DD-AFC4-6F175D3DCCD1}">
+              <a14:hiddenFill xmlns:a14="http://schemas.microsoft.com/office/drawing/2010/main">
                 <a:solidFill>
-                  <a:schemeClr val="accent3"/>
+                  <a:schemeClr val="accent1"/>
                 </a:solidFill>
-                <a:latin typeface="IBM Plex Sans Regular"/>
-              </a:rPr>
-              <a:t>AppCenter</a:t>
-            </a:r>
-            <a:r>
-              <a:rPr lang="en-US" sz="1500" dirty="0">
+              </a14:hiddenFill>
+            </a:ext>
+            <a:ext uri="{91240B29-F687-4F45-9708-019B960494DF}">
+              <a14:hiddenLine xmlns:a14="http://schemas.microsoft.com/office/drawing/2010/main" w="9525">
                 <a:solidFill>
-                  <a:schemeClr val="accent3"/>
+                  <a:schemeClr val="tx1"/>
                 </a:solidFill>
-                <a:latin typeface="IBM Plex Sans Regular"/>
-              </a:rPr>
-              <a:t> entries are helm charts that can be deployed from the chart repositories.</a:t>
-            </a:r>
-          </a:p>
-        </p:txBody>
-      </p:sp>
+                <a:miter lim="800000"/>
+                <a:headEnd/>
+                <a:tailEnd/>
+              </a14:hiddenLine>
+            </a:ext>
+            <a:ext uri="{AF507438-7753-43E0-B8FC-AC1667EBCBE1}">
+              <a14:hiddenEffects xmlns:a14="http://schemas.microsoft.com/office/drawing/2010/main">
+                <a:effectLst>
+                  <a:outerShdw dist="35921" dir="2700000" algn="ctr" rotWithShape="0">
+                    <a:schemeClr val="bg2"/>
+                  </a:outerShdw>
+                </a:effectLst>
+              </a14:hiddenEffects>
+            </a:ext>
+          </a:extLst>
+        </p:spPr>
+      </p:pic>
     </p:spTree>
     <p:extLst>
       <p:ext uri="{BB962C8B-B14F-4D97-AF65-F5344CB8AC3E}">
@@ -40929,7 +41266,7 @@
           <a:lstStyle/>
           <a:p>
             <a:pPr algn="ctr"/>
-            <a:endParaRPr lang="en-US" sz="844"/>
+            <a:endParaRPr lang="en-US" sz="844" dirty="0"/>
           </a:p>
         </p:txBody>
       </p:sp>
@@ -41002,7 +41339,7 @@
           <a:lstStyle/>
           <a:p>
             <a:pPr algn="ctr"/>
-            <a:endParaRPr lang="en-US" sz="844"/>
+            <a:endParaRPr lang="en-US" sz="844" dirty="0"/>
           </a:p>
         </p:txBody>
       </p:sp>
@@ -41156,7 +41493,7 @@
               </a:rPr>
             </a:br>
             <a:r>
-              <a:rPr lang="en-US" sz="1250" dirty="0" err="1">
+              <a:rPr lang="en-US" sz="1250" dirty="0">
                 <a:latin typeface="IBM Plex Mono" panose="020B0509050000000000" pitchFamily="49" charset="0"/>
                 <a:ea typeface="Courier" charset="0"/>
                 <a:cs typeface="Courier" charset="0"/>
@@ -41593,7 +41930,7 @@
   <a:extraClrSchemeLst/>
   <a:extLst>
     <a:ext uri="{05A4C25C-085E-4340-85A3-A5531E510DB2}">
-      <thm15:themeFamily xmlns="" xmlns:thm15="http://schemas.microsoft.com/office/thememl/2012/main" name="DRAFT 7_IBM_Cloud_Presentation_Fast Start_2018_Mini Main and Sessions_Arial" id="{448989E2-F453-EB48-A504-083BB1AFD7E3}" vid="{B050ED43-DA11-BE41-B744-807098D861CA}"/>
+      <thm15:themeFamily xmlns:thm15="http://schemas.microsoft.com/office/thememl/2012/main" xmlns="" name="DRAFT 7_IBM_Cloud_Presentation_Fast Start_2018_Mini Main and Sessions_Arial" id="{448989E2-F453-EB48-A504-083BB1AFD7E3}" vid="{B050ED43-DA11-BE41-B744-807098D861CA}"/>
     </a:ext>
   </a:extLst>
 </a:theme>
@@ -41916,7 +42253,7 @@
   <a:extraClrSchemeLst/>
   <a:extLst>
     <a:ext uri="{05A4C25C-085E-4340-85A3-A5531E510DB2}">
-      <thm15:themeFamily xmlns="" xmlns:thm15="http://schemas.microsoft.com/office/thememl/2012/main" name="DRAFT 7_IBM_Cloud_Presentation_Fast Start_2018_Mini Main and Sessions_Arial" id="{448989E2-F453-EB48-A504-083BB1AFD7E3}" vid="{C99EB306-4F64-C242-BE13-5B49035DDC3E}"/>
+      <thm15:themeFamily xmlns:thm15="http://schemas.microsoft.com/office/thememl/2012/main" xmlns="" name="DRAFT 7_IBM_Cloud_Presentation_Fast Start_2018_Mini Main and Sessions_Arial" id="{448989E2-F453-EB48-A504-083BB1AFD7E3}" vid="{C99EB306-4F64-C242-BE13-5B49035DDC3E}"/>
     </a:ext>
   </a:extLst>
 </a:theme>
@@ -42248,7 +42585,7 @@
   <a:extraClrSchemeLst/>
   <a:extLst>
     <a:ext uri="{05A4C25C-085E-4340-85A3-A5531E510DB2}">
-      <thm15:themeFamily xmlns="" xmlns:thm15="http://schemas.microsoft.com/office/thememl/2012/main" name="DRAFT 7_IBM_Cloud_Presentation_Fast Start_2018_Mini Main and Sessions_Arial" id="{448989E2-F453-EB48-A504-083BB1AFD7E3}" vid="{07DB8211-143D-D64F-904E-1520B9F17183}"/>
+      <thm15:themeFamily xmlns:thm15="http://schemas.microsoft.com/office/thememl/2012/main" xmlns="" name="DRAFT 7_IBM_Cloud_Presentation_Fast Start_2018_Mini Main and Sessions_Arial" id="{448989E2-F453-EB48-A504-083BB1AFD7E3}" vid="{07DB8211-143D-D64F-904E-1520B9F17183}"/>
     </a:ext>
   </a:extLst>
 </a:theme>
@@ -42571,7 +42908,7 @@
   <a:extraClrSchemeLst/>
   <a:extLst>
     <a:ext uri="{05A4C25C-085E-4340-85A3-A5531E510DB2}">
-      <thm15:themeFamily xmlns="" xmlns:thm15="http://schemas.microsoft.com/office/thememl/2012/main" name="DRAFT 7_IBM_Cloud_Presentation_Fast Start_2018_Mini Main and Sessions_Arial" id="{448989E2-F453-EB48-A504-083BB1AFD7E3}" vid="{A9EE2942-96FA-7B41-8904-00DEB1B826B4}"/>
+      <thm15:themeFamily xmlns:thm15="http://schemas.microsoft.com/office/thememl/2012/main" xmlns="" name="DRAFT 7_IBM_Cloud_Presentation_Fast Start_2018_Mini Main and Sessions_Arial" id="{448989E2-F453-EB48-A504-083BB1AFD7E3}" vid="{A9EE2942-96FA-7B41-8904-00DEB1B826B4}"/>
     </a:ext>
   </a:extLst>
 </a:theme>
@@ -42894,7 +43231,7 @@
   <a:extraClrSchemeLst/>
   <a:extLst>
     <a:ext uri="{05A4C25C-085E-4340-85A3-A5531E510DB2}">
-      <thm15:themeFamily xmlns="" xmlns:thm15="http://schemas.microsoft.com/office/thememl/2012/main" name="DRAFT 7_IBM_Cloud_Presentation_Fast Start_2018_Mini Main and Sessions_Arial" id="{448989E2-F453-EB48-A504-083BB1AFD7E3}" vid="{69E3344E-065F-7B4B-8991-E5AD7C8A66B7}"/>
+      <thm15:themeFamily xmlns:thm15="http://schemas.microsoft.com/office/thememl/2012/main" xmlns="" name="DRAFT 7_IBM_Cloud_Presentation_Fast Start_2018_Mini Main and Sessions_Arial" id="{448989E2-F453-EB48-A504-083BB1AFD7E3}" vid="{69E3344E-065F-7B4B-8991-E5AD7C8A66B7}"/>
     </a:ext>
   </a:extLst>
 </a:theme>
@@ -43155,7 +43492,7 @@
   <a:extraClrSchemeLst/>
   <a:extLst>
     <a:ext uri="{05A4C25C-085E-4340-85A3-A5531E510DB2}">
-      <thm15:themeFamily xmlns="" xmlns:thm15="http://schemas.microsoft.com/office/thememl/2012/main" name="Office Theme" id="{62F939B6-93AF-4DB8-9C6B-D6C7DFDC589F}" vid="{4A3C46E8-61CC-4603-A589-7422A47A8E4A}"/>
+      <thm15:themeFamily xmlns:thm15="http://schemas.microsoft.com/office/thememl/2012/main" xmlns="" name="Office Theme" id="{62F939B6-93AF-4DB8-9C6B-D6C7DFDC589F}" vid="{4A3C46E8-61CC-4603-A589-7422A47A8E4A}"/>
     </a:ext>
   </a:extLst>
 </a:theme>
